--- a/Stackoverflow Programmer's Story.pptx
+++ b/Stackoverflow Programmer's Story.pptx
@@ -7,12 +7,13 @@
     <p:sldMasterId id="2147483660" r:id="rId3"/>
   </p:sldMasterIdLst>
   <p:notesMasterIdLst>
-    <p:notesMasterId r:id="rId7"/>
+    <p:notesMasterId r:id="rId8"/>
   </p:notesMasterIdLst>
   <p:sldIdLst>
     <p:sldId id="348" r:id="rId4"/>
     <p:sldId id="357" r:id="rId5"/>
     <p:sldId id="358" r:id="rId6"/>
+    <p:sldId id="359" r:id="rId7"/>
   </p:sldIdLst>
   <p:sldSz cx="12192000" cy="6858000"/>
   <p:notesSz cx="6858000" cy="9144000"/>
@@ -213,7 +214,7 @@
           <a:p>
             <a:fld id="{8FD391CB-82E8-482B-9305-CB4347FBE118}" type="datetimeFigureOut">
               <a:rPr lang="en-US" smtClean="0"/>
-              <a:t>3/21/19</a:t>
+              <a:t>3/26/19</a:t>
             </a:fld>
             <a:endParaRPr lang="en-US"/>
           </a:p>
@@ -621,6 +622,90 @@
     <p:extLst>
       <p:ext uri="{BB962C8B-B14F-4D97-AF65-F5344CB8AC3E}">
         <p14:creationId xmlns:p14="http://schemas.microsoft.com/office/powerpoint/2010/main" val="579953989"/>
+      </p:ext>
+    </p:extLst>
+  </p:cSld>
+  <p:clrMapOvr>
+    <a:masterClrMapping/>
+  </p:clrMapOvr>
+</p:notes>
+</file>
+
+<file path=ppt/notesSlides/notesSlide2.xml><?xml version="1.0" encoding="utf-8"?>
+<p:notes xmlns:a="http://schemas.openxmlformats.org/drawingml/2006/main" xmlns:r="http://schemas.openxmlformats.org/officeDocument/2006/relationships" xmlns:p="http://schemas.openxmlformats.org/presentationml/2006/main">
+  <p:cSld>
+    <p:spTree>
+      <p:nvGrpSpPr>
+        <p:cNvPr id="1" name=""/>
+        <p:cNvGrpSpPr/>
+        <p:nvPr/>
+      </p:nvGrpSpPr>
+      <p:grpSpPr>
+        <a:xfrm>
+          <a:off x="0" y="0"/>
+          <a:ext cx="0" cy="0"/>
+          <a:chOff x="0" y="0"/>
+          <a:chExt cx="0" cy="0"/>
+        </a:xfrm>
+      </p:grpSpPr>
+      <p:sp>
+        <p:nvSpPr>
+          <p:cNvPr id="2" name="Slide Image Placeholder 1"/>
+          <p:cNvSpPr>
+            <a:spLocks noGrp="1" noRot="1" noChangeAspect="1"/>
+          </p:cNvSpPr>
+          <p:nvPr>
+            <p:ph type="sldImg"/>
+          </p:nvPr>
+        </p:nvSpPr>
+        <p:spPr/>
+      </p:sp>
+      <p:sp>
+        <p:nvSpPr>
+          <p:cNvPr id="3" name="Notes Placeholder 2"/>
+          <p:cNvSpPr>
+            <a:spLocks noGrp="1"/>
+          </p:cNvSpPr>
+          <p:nvPr>
+            <p:ph type="body" idx="1"/>
+          </p:nvPr>
+        </p:nvSpPr>
+        <p:spPr/>
+        <p:txBody>
+          <a:bodyPr/>
+          <a:lstStyle/>
+          <a:p>
+            <a:endParaRPr lang="en-US" dirty="0"/>
+          </a:p>
+        </p:txBody>
+      </p:sp>
+      <p:sp>
+        <p:nvSpPr>
+          <p:cNvPr id="4" name="Slide Number Placeholder 3"/>
+          <p:cNvSpPr>
+            <a:spLocks noGrp="1"/>
+          </p:cNvSpPr>
+          <p:nvPr>
+            <p:ph type="sldNum" sz="quarter" idx="5"/>
+          </p:nvPr>
+        </p:nvSpPr>
+        <p:spPr/>
+        <p:txBody>
+          <a:bodyPr/>
+          <a:lstStyle/>
+          <a:p>
+            <a:fld id="{EA9C5E10-4773-4154-A2C7-389A04F1C112}" type="slidenum">
+              <a:rPr lang="en-US" smtClean="0"/>
+              <a:t>4</a:t>
+            </a:fld>
+            <a:endParaRPr lang="en-US"/>
+          </a:p>
+        </p:txBody>
+      </p:sp>
+    </p:spTree>
+    <p:extLst>
+      <p:ext uri="{BB962C8B-B14F-4D97-AF65-F5344CB8AC3E}">
+        <p14:creationId xmlns:p14="http://schemas.microsoft.com/office/powerpoint/2010/main" val="66092877"/>
       </p:ext>
     </p:extLst>
   </p:cSld>
@@ -9160,6 +9245,93 @@
     <p:extLst>
       <p:ext uri="{BB962C8B-B14F-4D97-AF65-F5344CB8AC3E}">
         <p14:creationId xmlns:p14="http://schemas.microsoft.com/office/powerpoint/2010/main" val="1130986887"/>
+      </p:ext>
+    </p:extLst>
+  </p:cSld>
+  <p:clrMapOvr>
+    <a:masterClrMapping/>
+  </p:clrMapOvr>
+</p:sld>
+</file>
+
+<file path=ppt/slides/slide4.xml><?xml version="1.0" encoding="utf-8"?>
+<p:sld xmlns:a="http://schemas.openxmlformats.org/drawingml/2006/main" xmlns:r="http://schemas.openxmlformats.org/officeDocument/2006/relationships" xmlns:p="http://schemas.openxmlformats.org/presentationml/2006/main">
+  <p:cSld>
+    <p:spTree>
+      <p:nvGrpSpPr>
+        <p:cNvPr id="1" name=""/>
+        <p:cNvGrpSpPr/>
+        <p:nvPr/>
+      </p:nvGrpSpPr>
+      <p:grpSpPr>
+        <a:xfrm>
+          <a:off x="0" y="0"/>
+          <a:ext cx="0" cy="0"/>
+          <a:chOff x="0" y="0"/>
+          <a:chExt cx="0" cy="0"/>
+        </a:xfrm>
+      </p:grpSpPr>
+      <p:sp>
+        <p:nvSpPr>
+          <p:cNvPr id="2" name="Title 1"/>
+          <p:cNvSpPr>
+            <a:spLocks noGrp="1"/>
+          </p:cNvSpPr>
+          <p:nvPr>
+            <p:ph type="title"/>
+          </p:nvPr>
+        </p:nvSpPr>
+        <p:spPr/>
+        <p:txBody>
+          <a:bodyPr/>
+          <a:lstStyle/>
+          <a:p>
+            <a:r>
+              <a:rPr lang="en-US" sz="3600" dirty="0"/>
+              <a:t>Users by geometry</a:t>
+            </a:r>
+          </a:p>
+        </p:txBody>
+      </p:sp>
+      <p:pic>
+        <p:nvPicPr>
+          <p:cNvPr id="5" name="Content Placeholder 4" descr="A close up of a map&#10;&#10;Description automatically generated">
+            <a:extLst>
+              <a:ext uri="{FF2B5EF4-FFF2-40B4-BE49-F238E27FC236}">
+                <a16:creationId xmlns:a16="http://schemas.microsoft.com/office/drawing/2014/main" id="{6B1CD9E3-A4F1-3B4B-8E7E-A475DD7C23E7}"/>
+              </a:ext>
+            </a:extLst>
+          </p:cNvPr>
+          <p:cNvPicPr>
+            <a:picLocks noGrp="1" noChangeAspect="1"/>
+          </p:cNvPicPr>
+          <p:nvPr>
+            <p:ph idx="1"/>
+          </p:nvPr>
+        </p:nvPicPr>
+        <p:blipFill>
+          <a:blip r:embed="rId3">
+            <a:extLst>
+              <a:ext uri="{28A0092B-C50C-407E-A947-70E740481C1C}">
+                <a14:useLocalDpi xmlns:a14="http://schemas.microsoft.com/office/drawing/2010/main" val="0"/>
+              </a:ext>
+            </a:extLst>
+          </a:blip>
+          <a:stretch>
+            <a:fillRect/>
+          </a:stretch>
+        </p:blipFill>
+        <p:spPr>
+          <a:xfrm>
+            <a:off x="838200" y="1366838"/>
+            <a:ext cx="10515600" cy="4706937"/>
+          </a:xfrm>
+        </p:spPr>
+      </p:pic>
+    </p:spTree>
+    <p:extLst>
+      <p:ext uri="{BB962C8B-B14F-4D97-AF65-F5344CB8AC3E}">
+        <p14:creationId xmlns:p14="http://schemas.microsoft.com/office/powerpoint/2010/main" val="3921636135"/>
       </p:ext>
     </p:extLst>
   </p:cSld>

--- a/Stackoverflow Programmer's Story.pptx
+++ b/Stackoverflow Programmer's Story.pptx
@@ -7,13 +7,16 @@
     <p:sldMasterId id="2147483660" r:id="rId3"/>
   </p:sldMasterIdLst>
   <p:notesMasterIdLst>
-    <p:notesMasterId r:id="rId8"/>
+    <p:notesMasterId r:id="rId11"/>
   </p:notesMasterIdLst>
   <p:sldIdLst>
     <p:sldId id="348" r:id="rId4"/>
     <p:sldId id="357" r:id="rId5"/>
     <p:sldId id="358" r:id="rId6"/>
     <p:sldId id="359" r:id="rId7"/>
+    <p:sldId id="360" r:id="rId8"/>
+    <p:sldId id="361" r:id="rId9"/>
+    <p:sldId id="362" r:id="rId10"/>
   </p:sldIdLst>
   <p:sldSz cx="12192000" cy="6858000"/>
   <p:notesSz cx="6858000" cy="9144000"/>
@@ -8911,7 +8914,7 @@
                   <a:schemeClr val="bg1"/>
                 </a:solidFill>
               </a:rPr>
-              <a:t>Most participate user in every category.</a:t>
+              <a:t>Age distribution</a:t>
             </a:r>
           </a:p>
           <a:p>
@@ -8921,7 +8924,7 @@
                   <a:schemeClr val="bg1"/>
                 </a:solidFill>
               </a:rPr>
-              <a:t>Users have participated more than one categories.</a:t>
+              <a:t>Contribution to open source</a:t>
             </a:r>
           </a:p>
           <a:p>
@@ -9257,6 +9260,14 @@
 <file path=ppt/slides/slide4.xml><?xml version="1.0" encoding="utf-8"?>
 <p:sld xmlns:a="http://schemas.openxmlformats.org/drawingml/2006/main" xmlns:r="http://schemas.openxmlformats.org/officeDocument/2006/relationships" xmlns:p="http://schemas.openxmlformats.org/presentationml/2006/main">
   <p:cSld>
+    <p:bg>
+      <p:bgPr>
+        <a:solidFill>
+          <a:schemeClr val="bg1"/>
+        </a:solidFill>
+        <a:effectLst/>
+      </p:bgPr>
+    </p:bg>
     <p:spTree>
       <p:nvGrpSpPr>
         <p:cNvPr id="1" name=""/>
@@ -9281,13 +9292,21 @@
             <p:ph type="title"/>
           </p:nvPr>
         </p:nvSpPr>
-        <p:spPr/>
-        <p:txBody>
-          <a:bodyPr/>
-          <a:lstStyle/>
-          <a:p>
-            <a:r>
-              <a:rPr lang="en-US" sz="3600" dirty="0"/>
+        <p:spPr>
+          <a:xfrm>
+            <a:off x="651307" y="640081"/>
+            <a:ext cx="3377183" cy="3681976"/>
+          </a:xfrm>
+          <a:noFill/>
+        </p:spPr>
+        <p:txBody>
+          <a:bodyPr vert="horz" lIns="91440" tIns="45720" rIns="91440" bIns="45720" rtlCol="0" anchor="b">
+            <a:normAutofit/>
+          </a:bodyPr>
+          <a:lstStyle/>
+          <a:p>
+            <a:r>
+              <a:rPr lang="en-US"/>
               <a:t>Users by geometry</a:t>
             </a:r>
           </a:p>
@@ -9309,8 +9328,75 @@
             <p:ph idx="1"/>
           </p:nvPr>
         </p:nvPicPr>
+        <p:blipFill rotWithShape="1">
+          <a:blip r:embed="rId3">
+            <a:extLst>
+              <a:ext uri="{28A0092B-C50C-407E-A947-70E740481C1C}">
+                <a14:useLocalDpi xmlns:a14="http://schemas.microsoft.com/office/drawing/2010/main" val="0"/>
+              </a:ext>
+            </a:extLst>
+          </a:blip>
+          <a:srcRect l="2546" r="13098" b="1"/>
+          <a:stretch/>
+        </p:blipFill>
+        <p:spPr>
+          <a:xfrm>
+            <a:off x="3114261" y="10"/>
+            <a:ext cx="9077740" cy="6857990"/>
+          </a:xfrm>
+          <a:prstGeom prst="rect">
+            <a:avLst/>
+          </a:prstGeom>
+        </p:spPr>
+      </p:pic>
+    </p:spTree>
+    <p:extLst>
+      <p:ext uri="{BB962C8B-B14F-4D97-AF65-F5344CB8AC3E}">
+        <p14:creationId xmlns:p14="http://schemas.microsoft.com/office/powerpoint/2010/main" val="3921636135"/>
+      </p:ext>
+    </p:extLst>
+  </p:cSld>
+  <p:clrMapOvr>
+    <a:masterClrMapping/>
+  </p:clrMapOvr>
+</p:sld>
+</file>
+
+<file path=ppt/slides/slide5.xml><?xml version="1.0" encoding="utf-8"?>
+<p:sld xmlns:a="http://schemas.openxmlformats.org/drawingml/2006/main" xmlns:r="http://schemas.openxmlformats.org/officeDocument/2006/relationships" xmlns:p="http://schemas.openxmlformats.org/presentationml/2006/main">
+  <p:cSld>
+    <p:spTree>
+      <p:nvGrpSpPr>
+        <p:cNvPr id="1" name=""/>
+        <p:cNvGrpSpPr/>
+        <p:nvPr/>
+      </p:nvGrpSpPr>
+      <p:grpSpPr>
+        <a:xfrm>
+          <a:off x="0" y="0"/>
+          <a:ext cx="0" cy="0"/>
+          <a:chOff x="0" y="0"/>
+          <a:chExt cx="0" cy="0"/>
+        </a:xfrm>
+      </p:grpSpPr>
+      <p:pic>
+        <p:nvPicPr>
+          <p:cNvPr id="5" name="Content Placeholder 4" descr="A screenshot of a cell phone&#10;&#10;Description automatically generated">
+            <a:extLst>
+              <a:ext uri="{FF2B5EF4-FFF2-40B4-BE49-F238E27FC236}">
+                <a16:creationId xmlns:a16="http://schemas.microsoft.com/office/drawing/2014/main" id="{D3FAC722-4875-D442-8B73-FD5693DE20AA}"/>
+              </a:ext>
+            </a:extLst>
+          </p:cNvPr>
+          <p:cNvPicPr>
+            <a:picLocks noGrp="1" noChangeAspect="1"/>
+          </p:cNvPicPr>
+          <p:nvPr>
+            <p:ph idx="1"/>
+          </p:nvPr>
+        </p:nvPicPr>
         <p:blipFill>
-          <a:blip r:embed="rId3">
+          <a:blip r:embed="rId2">
             <a:extLst>
               <a:ext uri="{28A0092B-C50C-407E-A947-70E740481C1C}">
                 <a14:useLocalDpi xmlns:a14="http://schemas.microsoft.com/office/drawing/2010/main" val="0"/>
@@ -9323,15 +9409,183 @@
         </p:blipFill>
         <p:spPr>
           <a:xfrm>
-            <a:off x="838200" y="1366838"/>
-            <a:ext cx="10515600" cy="4706937"/>
+            <a:off x="838201" y="1232452"/>
+            <a:ext cx="5112025" cy="4679342"/>
           </a:xfrm>
         </p:spPr>
       </p:pic>
     </p:spTree>
     <p:extLst>
       <p:ext uri="{BB962C8B-B14F-4D97-AF65-F5344CB8AC3E}">
-        <p14:creationId xmlns:p14="http://schemas.microsoft.com/office/powerpoint/2010/main" val="3921636135"/>
+        <p14:creationId xmlns:p14="http://schemas.microsoft.com/office/powerpoint/2010/main" val="972843775"/>
+      </p:ext>
+    </p:extLst>
+  </p:cSld>
+  <p:clrMapOvr>
+    <a:masterClrMapping/>
+  </p:clrMapOvr>
+</p:sld>
+</file>
+
+<file path=ppt/slides/slide6.xml><?xml version="1.0" encoding="utf-8"?>
+<p:sld xmlns:a="http://schemas.openxmlformats.org/drawingml/2006/main" xmlns:r="http://schemas.openxmlformats.org/officeDocument/2006/relationships" xmlns:p="http://schemas.openxmlformats.org/presentationml/2006/main">
+  <p:cSld>
+    <p:spTree>
+      <p:nvGrpSpPr>
+        <p:cNvPr id="1" name=""/>
+        <p:cNvGrpSpPr/>
+        <p:nvPr/>
+      </p:nvGrpSpPr>
+      <p:grpSpPr>
+        <a:xfrm>
+          <a:off x="0" y="0"/>
+          <a:ext cx="0" cy="0"/>
+          <a:chOff x="0" y="0"/>
+          <a:chExt cx="0" cy="0"/>
+        </a:xfrm>
+      </p:grpSpPr>
+      <p:sp>
+        <p:nvSpPr>
+          <p:cNvPr id="2" name="Title 1"/>
+          <p:cNvSpPr>
+            <a:spLocks noGrp="1"/>
+          </p:cNvSpPr>
+          <p:nvPr>
+            <p:ph type="title"/>
+          </p:nvPr>
+        </p:nvSpPr>
+        <p:spPr/>
+        <p:txBody>
+          <a:bodyPr/>
+          <a:lstStyle/>
+          <a:p>
+            <a:endParaRPr lang="en-US" sz="3600" dirty="0"/>
+          </a:p>
+        </p:txBody>
+      </p:sp>
+      <p:pic>
+        <p:nvPicPr>
+          <p:cNvPr id="7" name="Content Placeholder 6" descr="A close up of a logo&#10;&#10;Description automatically generated">
+            <a:extLst>
+              <a:ext uri="{FF2B5EF4-FFF2-40B4-BE49-F238E27FC236}">
+                <a16:creationId xmlns:a16="http://schemas.microsoft.com/office/drawing/2014/main" id="{E0846866-26FB-F84E-9342-B3DA11EE2535}"/>
+              </a:ext>
+            </a:extLst>
+          </p:cNvPr>
+          <p:cNvPicPr>
+            <a:picLocks noGrp="1" noChangeAspect="1"/>
+          </p:cNvPicPr>
+          <p:nvPr>
+            <p:ph idx="1"/>
+          </p:nvPr>
+        </p:nvPicPr>
+        <p:blipFill>
+          <a:blip r:embed="rId2">
+            <a:extLst>
+              <a:ext uri="{28A0092B-C50C-407E-A947-70E740481C1C}">
+                <a14:useLocalDpi xmlns:a14="http://schemas.microsoft.com/office/drawing/2010/main" val="0"/>
+              </a:ext>
+            </a:extLst>
+          </a:blip>
+          <a:stretch>
+            <a:fillRect/>
+          </a:stretch>
+        </p:blipFill>
+        <p:spPr>
+          <a:xfrm>
+            <a:off x="838200" y="640080"/>
+            <a:ext cx="10515600" cy="5270389"/>
+          </a:xfrm>
+        </p:spPr>
+      </p:pic>
+    </p:spTree>
+    <p:extLst>
+      <p:ext uri="{BB962C8B-B14F-4D97-AF65-F5344CB8AC3E}">
+        <p14:creationId xmlns:p14="http://schemas.microsoft.com/office/powerpoint/2010/main" val="133348775"/>
+      </p:ext>
+    </p:extLst>
+  </p:cSld>
+  <p:clrMapOvr>
+    <a:masterClrMapping/>
+  </p:clrMapOvr>
+</p:sld>
+</file>
+
+<file path=ppt/slides/slide7.xml><?xml version="1.0" encoding="utf-8"?>
+<p:sld xmlns:a="http://schemas.openxmlformats.org/drawingml/2006/main" xmlns:r="http://schemas.openxmlformats.org/officeDocument/2006/relationships" xmlns:p="http://schemas.openxmlformats.org/presentationml/2006/main">
+  <p:cSld>
+    <p:spTree>
+      <p:nvGrpSpPr>
+        <p:cNvPr id="1" name=""/>
+        <p:cNvGrpSpPr/>
+        <p:nvPr/>
+      </p:nvGrpSpPr>
+      <p:grpSpPr>
+        <a:xfrm>
+          <a:off x="0" y="0"/>
+          <a:ext cx="0" cy="0"/>
+          <a:chOff x="0" y="0"/>
+          <a:chExt cx="0" cy="0"/>
+        </a:xfrm>
+      </p:grpSpPr>
+      <p:sp>
+        <p:nvSpPr>
+          <p:cNvPr id="2" name="Title 1"/>
+          <p:cNvSpPr>
+            <a:spLocks noGrp="1"/>
+          </p:cNvSpPr>
+          <p:nvPr>
+            <p:ph type="title"/>
+          </p:nvPr>
+        </p:nvSpPr>
+        <p:spPr/>
+        <p:txBody>
+          <a:bodyPr/>
+          <a:lstStyle/>
+          <a:p>
+            <a:endParaRPr lang="en-US" sz="3600" dirty="0"/>
+          </a:p>
+        </p:txBody>
+      </p:sp>
+      <p:pic>
+        <p:nvPicPr>
+          <p:cNvPr id="6" name="Content Placeholder 5" descr="A picture containing screenshot&#10;&#10;Description automatically generated">
+            <a:extLst>
+              <a:ext uri="{FF2B5EF4-FFF2-40B4-BE49-F238E27FC236}">
+                <a16:creationId xmlns:a16="http://schemas.microsoft.com/office/drawing/2014/main" id="{2132CCD6-05AB-1746-A037-F6553E97E51C}"/>
+              </a:ext>
+            </a:extLst>
+          </p:cNvPr>
+          <p:cNvPicPr>
+            <a:picLocks noGrp="1" noChangeAspect="1"/>
+          </p:cNvPicPr>
+          <p:nvPr>
+            <p:ph idx="1"/>
+          </p:nvPr>
+        </p:nvPicPr>
+        <p:blipFill>
+          <a:blip r:embed="rId2">
+            <a:extLst>
+              <a:ext uri="{28A0092B-C50C-407E-A947-70E740481C1C}">
+                <a14:useLocalDpi xmlns:a14="http://schemas.microsoft.com/office/drawing/2010/main" val="0"/>
+              </a:ext>
+            </a:extLst>
+          </a:blip>
+          <a:stretch>
+            <a:fillRect/>
+          </a:stretch>
+        </p:blipFill>
+        <p:spPr>
+          <a:xfrm>
+            <a:off x="838201" y="640080"/>
+            <a:ext cx="8835886" cy="5449895"/>
+          </a:xfrm>
+        </p:spPr>
+      </p:pic>
+    </p:spTree>
+    <p:extLst>
+      <p:ext uri="{BB962C8B-B14F-4D97-AF65-F5344CB8AC3E}">
+        <p14:creationId xmlns:p14="http://schemas.microsoft.com/office/powerpoint/2010/main" val="1969301694"/>
       </p:ext>
     </p:extLst>
   </p:cSld>

--- a/Stackoverflow Programmer's Story.pptx
+++ b/Stackoverflow Programmer's Story.pptx
@@ -7,16 +7,24 @@
     <p:sldMasterId id="2147483660" r:id="rId3"/>
   </p:sldMasterIdLst>
   <p:notesMasterIdLst>
-    <p:notesMasterId r:id="rId11"/>
+    <p:notesMasterId r:id="rId19"/>
   </p:notesMasterIdLst>
   <p:sldIdLst>
     <p:sldId id="348" r:id="rId4"/>
     <p:sldId id="357" r:id="rId5"/>
     <p:sldId id="358" r:id="rId6"/>
     <p:sldId id="359" r:id="rId7"/>
-    <p:sldId id="360" r:id="rId8"/>
-    <p:sldId id="361" r:id="rId9"/>
-    <p:sldId id="362" r:id="rId10"/>
+    <p:sldId id="363" r:id="rId8"/>
+    <p:sldId id="364" r:id="rId9"/>
+    <p:sldId id="360" r:id="rId10"/>
+    <p:sldId id="365" r:id="rId11"/>
+    <p:sldId id="366" r:id="rId12"/>
+    <p:sldId id="361" r:id="rId13"/>
+    <p:sldId id="367" r:id="rId14"/>
+    <p:sldId id="368" r:id="rId15"/>
+    <p:sldId id="362" r:id="rId16"/>
+    <p:sldId id="369" r:id="rId17"/>
+    <p:sldId id="370" r:id="rId18"/>
   </p:sldIdLst>
   <p:sldSz cx="12192000" cy="6858000"/>
   <p:notesSz cx="6858000" cy="9144000"/>
@@ -135,6 +143,1137 @@
 </p:cmAuthorLst>
 </file>
 
+<file path=ppt/charts/chart1.xml><?xml version="1.0" encoding="utf-8"?>
+<c:chartSpace xmlns:c="http://schemas.openxmlformats.org/drawingml/2006/chart" xmlns:a="http://schemas.openxmlformats.org/drawingml/2006/main" xmlns:r="http://schemas.openxmlformats.org/officeDocument/2006/relationships" xmlns:c16r2="http://schemas.microsoft.com/office/drawing/2015/06/chart">
+  <c:date1904 val="0"/>
+  <c:lang val="en-US"/>
+  <c:roundedCorners val="0"/>
+  <mc:AlternateContent xmlns:mc="http://schemas.openxmlformats.org/markup-compatibility/2006">
+    <mc:Choice xmlns:c14="http://schemas.microsoft.com/office/drawing/2007/8/2/chart" Requires="c14">
+      <c14:style val="102"/>
+    </mc:Choice>
+    <mc:Fallback>
+      <c:style val="2"/>
+    </mc:Fallback>
+  </mc:AlternateContent>
+  <c:pivotSource>
+    <c:name>[Tags.xls]Tag mentioned number by Year!PivotTable2</c:name>
+    <c:fmtId val="4"/>
+  </c:pivotSource>
+  <c:chart>
+    <c:title>
+      <c:tx>
+        <c:rich>
+          <a:bodyPr rot="0" spcFirstLastPara="1" vertOverflow="ellipsis" vert="horz" wrap="square" anchor="ctr" anchorCtr="1"/>
+          <a:lstStyle/>
+          <a:p>
+            <a:pPr>
+              <a:defRPr sz="1400" b="0" i="0" u="none" strike="noStrike" kern="1200" spc="0" baseline="0">
+                <a:solidFill>
+                  <a:schemeClr val="tx1">
+                    <a:lumMod val="65000"/>
+                    <a:lumOff val="35000"/>
+                  </a:schemeClr>
+                </a:solidFill>
+                <a:latin typeface="+mn-lt"/>
+                <a:ea typeface="+mn-ea"/>
+                <a:cs typeface="+mn-cs"/>
+              </a:defRPr>
+            </a:pPr>
+            <a:r>
+              <a:rPr lang="en-US"/>
+              <a:t>Total Posts</a:t>
+            </a:r>
+            <a:r>
+              <a:rPr lang="en-US" baseline="0"/>
+              <a:t> Per Year</a:t>
+            </a:r>
+            <a:endParaRPr lang="en-US"/>
+          </a:p>
+        </c:rich>
+      </c:tx>
+      <c:overlay val="0"/>
+      <c:spPr>
+        <a:noFill/>
+        <a:ln>
+          <a:noFill/>
+        </a:ln>
+        <a:effectLst/>
+      </c:spPr>
+      <c:txPr>
+        <a:bodyPr rot="0" spcFirstLastPara="1" vertOverflow="ellipsis" vert="horz" wrap="square" anchor="ctr" anchorCtr="1"/>
+        <a:lstStyle/>
+        <a:p>
+          <a:pPr>
+            <a:defRPr sz="1400" b="0" i="0" u="none" strike="noStrike" kern="1200" spc="0" baseline="0">
+              <a:solidFill>
+                <a:schemeClr val="tx1">
+                  <a:lumMod val="65000"/>
+                  <a:lumOff val="35000"/>
+                </a:schemeClr>
+              </a:solidFill>
+              <a:latin typeface="+mn-lt"/>
+              <a:ea typeface="+mn-ea"/>
+              <a:cs typeface="+mn-cs"/>
+            </a:defRPr>
+          </a:pPr>
+          <a:endParaRPr lang="en-US"/>
+        </a:p>
+      </c:txPr>
+    </c:title>
+    <c:autoTitleDeleted val="0"/>
+    <c:pivotFmts>
+      <c:pivotFmt>
+        <c:idx val="0"/>
+        <c:spPr>
+          <a:solidFill>
+            <a:schemeClr val="accent1"/>
+          </a:solidFill>
+          <a:ln w="28575" cap="rnd">
+            <a:solidFill>
+              <a:schemeClr val="accent1"/>
+            </a:solidFill>
+            <a:round/>
+          </a:ln>
+          <a:effectLst/>
+        </c:spPr>
+        <c:marker>
+          <c:symbol val="none"/>
+        </c:marker>
+        <c:dLbl>
+          <c:idx val="0"/>
+          <c:spPr>
+            <a:noFill/>
+            <a:ln>
+              <a:noFill/>
+            </a:ln>
+            <a:effectLst/>
+          </c:spPr>
+          <c:txPr>
+            <a:bodyPr rot="0" spcFirstLastPara="1" vertOverflow="ellipsis" vert="horz" wrap="square" lIns="38100" tIns="19050" rIns="38100" bIns="19050" anchor="ctr" anchorCtr="1">
+              <a:spAutoFit/>
+            </a:bodyPr>
+            <a:lstStyle/>
+            <a:p>
+              <a:pPr>
+                <a:defRPr sz="900" b="0" i="0" u="none" strike="noStrike" kern="1200" baseline="0">
+                  <a:solidFill>
+                    <a:schemeClr val="tx1">
+                      <a:lumMod val="75000"/>
+                      <a:lumOff val="25000"/>
+                    </a:schemeClr>
+                  </a:solidFill>
+                  <a:latin typeface="+mn-lt"/>
+                  <a:ea typeface="+mn-ea"/>
+                  <a:cs typeface="+mn-cs"/>
+                </a:defRPr>
+              </a:pPr>
+              <a:endParaRPr lang="en-US"/>
+            </a:p>
+          </c:txPr>
+          <c:showLegendKey val="0"/>
+          <c:showVal val="0"/>
+          <c:showCatName val="0"/>
+          <c:showSerName val="0"/>
+          <c:showPercent val="0"/>
+          <c:showBubbleSize val="0"/>
+          <c:extLst>
+            <c:ext xmlns:c15="http://schemas.microsoft.com/office/drawing/2012/chart" uri="{CE6537A1-D6FC-4f65-9D91-7224C49458BB}"/>
+          </c:extLst>
+        </c:dLbl>
+      </c:pivotFmt>
+      <c:pivotFmt>
+        <c:idx val="1"/>
+        <c:spPr>
+          <a:solidFill>
+            <a:schemeClr val="accent1"/>
+          </a:solidFill>
+          <a:ln w="28575" cap="rnd">
+            <a:solidFill>
+              <a:schemeClr val="accent1"/>
+            </a:solidFill>
+            <a:round/>
+          </a:ln>
+          <a:effectLst/>
+        </c:spPr>
+        <c:marker>
+          <c:symbol val="none"/>
+        </c:marker>
+        <c:dLbl>
+          <c:idx val="0"/>
+          <c:spPr>
+            <a:noFill/>
+            <a:ln>
+              <a:noFill/>
+            </a:ln>
+            <a:effectLst/>
+          </c:spPr>
+          <c:txPr>
+            <a:bodyPr rot="0" spcFirstLastPara="1" vertOverflow="ellipsis" vert="horz" wrap="square" lIns="38100" tIns="19050" rIns="38100" bIns="19050" anchor="ctr" anchorCtr="1">
+              <a:spAutoFit/>
+            </a:bodyPr>
+            <a:lstStyle/>
+            <a:p>
+              <a:pPr>
+                <a:defRPr sz="900" b="0" i="0" u="none" strike="noStrike" kern="1200" baseline="0">
+                  <a:solidFill>
+                    <a:schemeClr val="tx1">
+                      <a:lumMod val="75000"/>
+                      <a:lumOff val="25000"/>
+                    </a:schemeClr>
+                  </a:solidFill>
+                  <a:latin typeface="+mn-lt"/>
+                  <a:ea typeface="+mn-ea"/>
+                  <a:cs typeface="+mn-cs"/>
+                </a:defRPr>
+              </a:pPr>
+              <a:endParaRPr lang="en-US"/>
+            </a:p>
+          </c:txPr>
+          <c:showLegendKey val="0"/>
+          <c:showVal val="0"/>
+          <c:showCatName val="0"/>
+          <c:showSerName val="0"/>
+          <c:showPercent val="0"/>
+          <c:showBubbleSize val="0"/>
+          <c:extLst>
+            <c:ext xmlns:c15="http://schemas.microsoft.com/office/drawing/2012/chart" uri="{CE6537A1-D6FC-4f65-9D91-7224C49458BB}"/>
+          </c:extLst>
+        </c:dLbl>
+      </c:pivotFmt>
+      <c:pivotFmt>
+        <c:idx val="2"/>
+        <c:spPr>
+          <a:solidFill>
+            <a:schemeClr val="accent1"/>
+          </a:solidFill>
+          <a:ln w="28575" cap="rnd">
+            <a:solidFill>
+              <a:schemeClr val="accent1"/>
+            </a:solidFill>
+            <a:round/>
+          </a:ln>
+          <a:effectLst/>
+        </c:spPr>
+        <c:marker>
+          <c:symbol val="none"/>
+        </c:marker>
+        <c:dLbl>
+          <c:idx val="0"/>
+          <c:spPr>
+            <a:noFill/>
+            <a:ln>
+              <a:noFill/>
+            </a:ln>
+            <a:effectLst/>
+          </c:spPr>
+          <c:txPr>
+            <a:bodyPr rot="0" spcFirstLastPara="1" vertOverflow="ellipsis" vert="horz" wrap="square" lIns="38100" tIns="19050" rIns="38100" bIns="19050" anchor="ctr" anchorCtr="1">
+              <a:spAutoFit/>
+            </a:bodyPr>
+            <a:lstStyle/>
+            <a:p>
+              <a:pPr>
+                <a:defRPr sz="900" b="0" i="0" u="none" strike="noStrike" kern="1200" baseline="0">
+                  <a:solidFill>
+                    <a:schemeClr val="tx1">
+                      <a:lumMod val="75000"/>
+                      <a:lumOff val="25000"/>
+                    </a:schemeClr>
+                  </a:solidFill>
+                  <a:latin typeface="+mn-lt"/>
+                  <a:ea typeface="+mn-ea"/>
+                  <a:cs typeface="+mn-cs"/>
+                </a:defRPr>
+              </a:pPr>
+              <a:endParaRPr lang="en-US"/>
+            </a:p>
+          </c:txPr>
+          <c:showLegendKey val="0"/>
+          <c:showVal val="0"/>
+          <c:showCatName val="0"/>
+          <c:showSerName val="0"/>
+          <c:showPercent val="0"/>
+          <c:showBubbleSize val="0"/>
+          <c:extLst>
+            <c:ext xmlns:c15="http://schemas.microsoft.com/office/drawing/2012/chart" uri="{CE6537A1-D6FC-4f65-9D91-7224C49458BB}"/>
+          </c:extLst>
+        </c:dLbl>
+      </c:pivotFmt>
+    </c:pivotFmts>
+    <c:plotArea>
+      <c:layout/>
+      <c:lineChart>
+        <c:grouping val="standard"/>
+        <c:varyColors val="0"/>
+        <c:ser>
+          <c:idx val="0"/>
+          <c:order val="0"/>
+          <c:tx>
+            <c:strRef>
+              <c:f>'Tag mentioned number by Year'!$K$59395:$K$59396</c:f>
+              <c:strCache>
+                <c:ptCount val="1"/>
+                <c:pt idx="0">
+                  <c:v>Total</c:v>
+                </c:pt>
+              </c:strCache>
+            </c:strRef>
+          </c:tx>
+          <c:spPr>
+            <a:ln w="28575" cap="rnd">
+              <a:solidFill>
+                <a:schemeClr val="accent1"/>
+              </a:solidFill>
+              <a:round/>
+            </a:ln>
+            <a:effectLst/>
+          </c:spPr>
+          <c:marker>
+            <c:symbol val="none"/>
+          </c:marker>
+          <c:cat>
+            <c:strRef>
+              <c:f>'Tag mentioned number by Year'!$J$59397:$J$59406</c:f>
+              <c:strCache>
+                <c:ptCount val="9"/>
+                <c:pt idx="0">
+                  <c:v>2008</c:v>
+                </c:pt>
+                <c:pt idx="1">
+                  <c:v>2009</c:v>
+                </c:pt>
+                <c:pt idx="2">
+                  <c:v>2010</c:v>
+                </c:pt>
+                <c:pt idx="3">
+                  <c:v>2011</c:v>
+                </c:pt>
+                <c:pt idx="4">
+                  <c:v>2012</c:v>
+                </c:pt>
+                <c:pt idx="5">
+                  <c:v>2013</c:v>
+                </c:pt>
+                <c:pt idx="6">
+                  <c:v>2014</c:v>
+                </c:pt>
+                <c:pt idx="7">
+                  <c:v>2015</c:v>
+                </c:pt>
+                <c:pt idx="8">
+                  <c:v>2016</c:v>
+                </c:pt>
+              </c:strCache>
+            </c:strRef>
+          </c:cat>
+          <c:val>
+            <c:numRef>
+              <c:f>'Tag mentioned number by Year'!$K$59397:$K$59406</c:f>
+              <c:numCache>
+                <c:formatCode>General</c:formatCode>
+                <c:ptCount val="9"/>
+                <c:pt idx="0">
+                  <c:v>1190</c:v>
+                </c:pt>
+                <c:pt idx="1">
+                  <c:v>12716</c:v>
+                </c:pt>
+                <c:pt idx="2">
+                  <c:v>29532</c:v>
+                </c:pt>
+                <c:pt idx="3">
+                  <c:v>67355</c:v>
+                </c:pt>
+                <c:pt idx="4">
+                  <c:v>112096</c:v>
+                </c:pt>
+                <c:pt idx="5">
+                  <c:v>144145</c:v>
+                </c:pt>
+                <c:pt idx="6">
+                  <c:v>145858</c:v>
+                </c:pt>
+                <c:pt idx="7">
+                  <c:v>194118</c:v>
+                </c:pt>
+                <c:pt idx="8">
+                  <c:v>118387</c:v>
+                </c:pt>
+              </c:numCache>
+            </c:numRef>
+          </c:val>
+          <c:smooth val="0"/>
+          <c:extLst>
+            <c:ext xmlns:c16="http://schemas.microsoft.com/office/drawing/2014/chart" uri="{C3380CC4-5D6E-409C-BE32-E72D297353CC}">
+              <c16:uniqueId val="{00000000-258C-6A44-BFCB-9078370560A9}"/>
+            </c:ext>
+          </c:extLst>
+        </c:ser>
+        <c:dLbls>
+          <c:showLegendKey val="0"/>
+          <c:showVal val="0"/>
+          <c:showCatName val="0"/>
+          <c:showSerName val="0"/>
+          <c:showPercent val="0"/>
+          <c:showBubbleSize val="0"/>
+        </c:dLbls>
+        <c:smooth val="0"/>
+        <c:axId val="567901312"/>
+        <c:axId val="578059136"/>
+      </c:lineChart>
+      <c:catAx>
+        <c:axId val="567901312"/>
+        <c:scaling>
+          <c:orientation val="minMax"/>
+        </c:scaling>
+        <c:delete val="0"/>
+        <c:axPos val="b"/>
+        <c:numFmt formatCode="General" sourceLinked="1"/>
+        <c:majorTickMark val="none"/>
+        <c:minorTickMark val="none"/>
+        <c:tickLblPos val="nextTo"/>
+        <c:spPr>
+          <a:noFill/>
+          <a:ln w="9525" cap="flat" cmpd="sng" algn="ctr">
+            <a:solidFill>
+              <a:schemeClr val="tx1">
+                <a:lumMod val="15000"/>
+                <a:lumOff val="85000"/>
+              </a:schemeClr>
+            </a:solidFill>
+            <a:round/>
+          </a:ln>
+          <a:effectLst/>
+        </c:spPr>
+        <c:txPr>
+          <a:bodyPr rot="-60000000" spcFirstLastPara="1" vertOverflow="ellipsis" vert="horz" wrap="square" anchor="ctr" anchorCtr="1"/>
+          <a:lstStyle/>
+          <a:p>
+            <a:pPr>
+              <a:defRPr sz="900" b="0" i="0" u="none" strike="noStrike" kern="1200" baseline="0">
+                <a:solidFill>
+                  <a:schemeClr val="tx1">
+                    <a:lumMod val="65000"/>
+                    <a:lumOff val="35000"/>
+                  </a:schemeClr>
+                </a:solidFill>
+                <a:latin typeface="+mn-lt"/>
+                <a:ea typeface="+mn-ea"/>
+                <a:cs typeface="+mn-cs"/>
+              </a:defRPr>
+            </a:pPr>
+            <a:endParaRPr lang="en-US"/>
+          </a:p>
+        </c:txPr>
+        <c:crossAx val="578059136"/>
+        <c:crosses val="autoZero"/>
+        <c:auto val="1"/>
+        <c:lblAlgn val="ctr"/>
+        <c:lblOffset val="100"/>
+        <c:noMultiLvlLbl val="0"/>
+      </c:catAx>
+      <c:valAx>
+        <c:axId val="578059136"/>
+        <c:scaling>
+          <c:orientation val="minMax"/>
+        </c:scaling>
+        <c:delete val="0"/>
+        <c:axPos val="l"/>
+        <c:majorGridlines>
+          <c:spPr>
+            <a:ln w="9525" cap="flat" cmpd="sng" algn="ctr">
+              <a:solidFill>
+                <a:schemeClr val="tx1">
+                  <a:lumMod val="15000"/>
+                  <a:lumOff val="85000"/>
+                </a:schemeClr>
+              </a:solidFill>
+              <a:round/>
+            </a:ln>
+            <a:effectLst/>
+          </c:spPr>
+        </c:majorGridlines>
+        <c:numFmt formatCode="General" sourceLinked="1"/>
+        <c:majorTickMark val="none"/>
+        <c:minorTickMark val="none"/>
+        <c:tickLblPos val="nextTo"/>
+        <c:spPr>
+          <a:noFill/>
+          <a:ln>
+            <a:noFill/>
+          </a:ln>
+          <a:effectLst/>
+        </c:spPr>
+        <c:txPr>
+          <a:bodyPr rot="-60000000" spcFirstLastPara="1" vertOverflow="ellipsis" vert="horz" wrap="square" anchor="ctr" anchorCtr="1"/>
+          <a:lstStyle/>
+          <a:p>
+            <a:pPr>
+              <a:defRPr sz="900" b="0" i="0" u="none" strike="noStrike" kern="1200" baseline="0">
+                <a:solidFill>
+                  <a:schemeClr val="tx1">
+                    <a:lumMod val="65000"/>
+                    <a:lumOff val="35000"/>
+                  </a:schemeClr>
+                </a:solidFill>
+                <a:latin typeface="+mn-lt"/>
+                <a:ea typeface="+mn-ea"/>
+                <a:cs typeface="+mn-cs"/>
+              </a:defRPr>
+            </a:pPr>
+            <a:endParaRPr lang="en-US"/>
+          </a:p>
+        </c:txPr>
+        <c:crossAx val="567901312"/>
+        <c:crosses val="autoZero"/>
+        <c:crossBetween val="between"/>
+      </c:valAx>
+      <c:spPr>
+        <a:noFill/>
+        <a:ln>
+          <a:noFill/>
+        </a:ln>
+        <a:effectLst/>
+      </c:spPr>
+    </c:plotArea>
+    <c:legend>
+      <c:legendPos val="r"/>
+      <c:overlay val="0"/>
+      <c:spPr>
+        <a:noFill/>
+        <a:ln>
+          <a:noFill/>
+        </a:ln>
+        <a:effectLst/>
+      </c:spPr>
+      <c:txPr>
+        <a:bodyPr rot="0" spcFirstLastPara="1" vertOverflow="ellipsis" vert="horz" wrap="square" anchor="ctr" anchorCtr="1"/>
+        <a:lstStyle/>
+        <a:p>
+          <a:pPr>
+            <a:defRPr sz="900" b="0" i="0" u="none" strike="noStrike" kern="1200" baseline="0">
+              <a:solidFill>
+                <a:schemeClr val="tx1">
+                  <a:lumMod val="65000"/>
+                  <a:lumOff val="35000"/>
+                </a:schemeClr>
+              </a:solidFill>
+              <a:latin typeface="+mn-lt"/>
+              <a:ea typeface="+mn-ea"/>
+              <a:cs typeface="+mn-cs"/>
+            </a:defRPr>
+          </a:pPr>
+          <a:endParaRPr lang="en-US"/>
+        </a:p>
+      </c:txPr>
+    </c:legend>
+    <c:plotVisOnly val="1"/>
+    <c:dispBlanksAs val="gap"/>
+    <c:extLst>
+      <c:ext xmlns:c16r3="http://schemas.microsoft.com/office/drawing/2017/03/chart" uri="{56B9EC1D-385E-4148-901F-78D8002777C0}">
+        <c16r3:dataDisplayOptions16>
+          <c16r3:dispNaAsBlank val="1"/>
+        </c16r3:dataDisplayOptions16>
+      </c:ext>
+    </c:extLst>
+    <c:showDLblsOverMax val="0"/>
+  </c:chart>
+  <c:spPr>
+    <a:noFill/>
+    <a:ln>
+      <a:noFill/>
+    </a:ln>
+    <a:effectLst/>
+  </c:spPr>
+  <c:txPr>
+    <a:bodyPr/>
+    <a:lstStyle/>
+    <a:p>
+      <a:pPr>
+        <a:defRPr/>
+      </a:pPr>
+      <a:endParaRPr lang="en-US"/>
+    </a:p>
+  </c:txPr>
+  <c:externalData r:id="rId3">
+    <c:autoUpdate val="0"/>
+  </c:externalData>
+  <c:extLst>
+    <c:ext xmlns:c14="http://schemas.microsoft.com/office/drawing/2007/8/2/chart" uri="{781A3756-C4B2-4CAC-9D66-4F8BD8637D16}">
+      <c14:pivotOptions>
+        <c14:dropZoneFilter val="1"/>
+        <c14:dropZoneCategories val="1"/>
+        <c14:dropZoneData val="1"/>
+        <c14:dropZoneSeries val="1"/>
+        <c14:dropZonesVisible val="1"/>
+      </c14:pivotOptions>
+    </c:ext>
+    <c:ext xmlns:c16="http://schemas.microsoft.com/office/drawing/2014/chart" uri="{E28EC0CA-F0BB-4C9C-879D-F8772B89E7AC}">
+      <c16:pivotOptions16>
+        <c16:showExpandCollapseFieldButtons val="1"/>
+      </c16:pivotOptions16>
+    </c:ext>
+  </c:extLst>
+</c:chartSpace>
+</file>
+
+<file path=ppt/charts/colors1.xml><?xml version="1.0" encoding="utf-8"?>
+<cs:colorStyle xmlns:cs="http://schemas.microsoft.com/office/drawing/2012/chartStyle" xmlns:a="http://schemas.openxmlformats.org/drawingml/2006/main" meth="cycle" id="10">
+  <a:schemeClr val="accent1"/>
+  <a:schemeClr val="accent2"/>
+  <a:schemeClr val="accent3"/>
+  <a:schemeClr val="accent4"/>
+  <a:schemeClr val="accent5"/>
+  <a:schemeClr val="accent6"/>
+  <cs:variation/>
+  <cs:variation>
+    <a:lumMod val="60000"/>
+  </cs:variation>
+  <cs:variation>
+    <a:lumMod val="80000"/>
+    <a:lumOff val="20000"/>
+  </cs:variation>
+  <cs:variation>
+    <a:lumMod val="80000"/>
+  </cs:variation>
+  <cs:variation>
+    <a:lumMod val="60000"/>
+    <a:lumOff val="40000"/>
+  </cs:variation>
+  <cs:variation>
+    <a:lumMod val="50000"/>
+  </cs:variation>
+  <cs:variation>
+    <a:lumMod val="70000"/>
+    <a:lumOff val="30000"/>
+  </cs:variation>
+  <cs:variation>
+    <a:lumMod val="70000"/>
+  </cs:variation>
+  <cs:variation>
+    <a:lumMod val="50000"/>
+    <a:lumOff val="50000"/>
+  </cs:variation>
+</cs:colorStyle>
+</file>
+
+<file path=ppt/charts/style1.xml><?xml version="1.0" encoding="utf-8"?>
+<cs:chartStyle xmlns:cs="http://schemas.microsoft.com/office/drawing/2012/chartStyle" xmlns:a="http://schemas.openxmlformats.org/drawingml/2006/main" id="227">
+  <cs:axisTitle>
+    <cs:lnRef idx="0"/>
+    <cs:fillRef idx="0"/>
+    <cs:effectRef idx="0"/>
+    <cs:fontRef idx="minor">
+      <a:schemeClr val="tx1">
+        <a:lumMod val="65000"/>
+        <a:lumOff val="35000"/>
+      </a:schemeClr>
+    </cs:fontRef>
+    <cs:defRPr sz="1000" kern="1200"/>
+  </cs:axisTitle>
+  <cs:categoryAxis>
+    <cs:lnRef idx="0"/>
+    <cs:fillRef idx="0"/>
+    <cs:effectRef idx="0"/>
+    <cs:fontRef idx="minor">
+      <a:schemeClr val="tx1">
+        <a:lumMod val="65000"/>
+        <a:lumOff val="35000"/>
+      </a:schemeClr>
+    </cs:fontRef>
+    <cs:spPr>
+      <a:ln w="9525" cap="flat" cmpd="sng" algn="ctr">
+        <a:solidFill>
+          <a:schemeClr val="tx1">
+            <a:lumMod val="15000"/>
+            <a:lumOff val="85000"/>
+          </a:schemeClr>
+        </a:solidFill>
+        <a:round/>
+      </a:ln>
+    </cs:spPr>
+    <cs:defRPr sz="900" kern="1200"/>
+  </cs:categoryAxis>
+  <cs:chartArea mods="allowNoFillOverride allowNoLineOverride">
+    <cs:lnRef idx="0"/>
+    <cs:fillRef idx="0"/>
+    <cs:effectRef idx="0"/>
+    <cs:fontRef idx="minor">
+      <a:schemeClr val="tx1"/>
+    </cs:fontRef>
+    <cs:spPr>
+      <a:solidFill>
+        <a:schemeClr val="bg1"/>
+      </a:solidFill>
+      <a:ln w="9525" cap="flat" cmpd="sng" algn="ctr">
+        <a:solidFill>
+          <a:schemeClr val="tx1">
+            <a:lumMod val="15000"/>
+            <a:lumOff val="85000"/>
+          </a:schemeClr>
+        </a:solidFill>
+        <a:round/>
+      </a:ln>
+    </cs:spPr>
+    <cs:defRPr sz="1000" kern="1200"/>
+  </cs:chartArea>
+  <cs:dataLabel>
+    <cs:lnRef idx="0"/>
+    <cs:fillRef idx="0"/>
+    <cs:effectRef idx="0"/>
+    <cs:fontRef idx="minor">
+      <a:schemeClr val="tx1">
+        <a:lumMod val="75000"/>
+        <a:lumOff val="25000"/>
+      </a:schemeClr>
+    </cs:fontRef>
+    <cs:defRPr sz="900" kern="1200"/>
+  </cs:dataLabel>
+  <cs:dataLabelCallout>
+    <cs:lnRef idx="0"/>
+    <cs:fillRef idx="0"/>
+    <cs:effectRef idx="0"/>
+    <cs:fontRef idx="minor">
+      <a:schemeClr val="dk1">
+        <a:lumMod val="65000"/>
+        <a:lumOff val="35000"/>
+      </a:schemeClr>
+    </cs:fontRef>
+    <cs:spPr>
+      <a:solidFill>
+        <a:schemeClr val="lt1"/>
+      </a:solidFill>
+      <a:ln>
+        <a:solidFill>
+          <a:schemeClr val="dk1">
+            <a:lumMod val="25000"/>
+            <a:lumOff val="75000"/>
+          </a:schemeClr>
+        </a:solidFill>
+      </a:ln>
+    </cs:spPr>
+    <cs:defRPr sz="900" kern="1200"/>
+    <cs:bodyPr rot="0" spcFirstLastPara="1" vertOverflow="clip" horzOverflow="clip" vert="horz" wrap="square" lIns="36576" tIns="18288" rIns="36576" bIns="18288" anchor="ctr" anchorCtr="1">
+      <a:spAutoFit/>
+    </cs:bodyPr>
+  </cs:dataLabelCallout>
+  <cs:dataPoint>
+    <cs:lnRef idx="0"/>
+    <cs:fillRef idx="1">
+      <cs:styleClr val="auto"/>
+    </cs:fillRef>
+    <cs:effectRef idx="0"/>
+    <cs:fontRef idx="minor">
+      <a:schemeClr val="tx1"/>
+    </cs:fontRef>
+    <cs:spPr>
+      <a:solidFill>
+        <a:schemeClr val="phClr"/>
+      </a:solidFill>
+    </cs:spPr>
+  </cs:dataPoint>
+  <cs:dataPoint3D>
+    <cs:lnRef idx="0"/>
+    <cs:fillRef idx="1">
+      <cs:styleClr val="auto"/>
+    </cs:fillRef>
+    <cs:effectRef idx="0"/>
+    <cs:fontRef idx="minor">
+      <a:schemeClr val="tx1"/>
+    </cs:fontRef>
+    <cs:spPr>
+      <a:solidFill>
+        <a:schemeClr val="phClr"/>
+      </a:solidFill>
+    </cs:spPr>
+  </cs:dataPoint3D>
+  <cs:dataPointLine>
+    <cs:lnRef idx="0">
+      <cs:styleClr val="auto"/>
+    </cs:lnRef>
+    <cs:fillRef idx="1"/>
+    <cs:effectRef idx="0"/>
+    <cs:fontRef idx="minor">
+      <a:schemeClr val="tx1"/>
+    </cs:fontRef>
+    <cs:spPr>
+      <a:ln w="28575" cap="rnd">
+        <a:solidFill>
+          <a:schemeClr val="phClr"/>
+        </a:solidFill>
+        <a:round/>
+      </a:ln>
+    </cs:spPr>
+  </cs:dataPointLine>
+  <cs:dataPointMarker>
+    <cs:lnRef idx="0">
+      <cs:styleClr val="auto"/>
+    </cs:lnRef>
+    <cs:fillRef idx="1">
+      <cs:styleClr val="auto"/>
+    </cs:fillRef>
+    <cs:effectRef idx="0"/>
+    <cs:fontRef idx="minor">
+      <a:schemeClr val="tx1"/>
+    </cs:fontRef>
+    <cs:spPr>
+      <a:solidFill>
+        <a:schemeClr val="phClr"/>
+      </a:solidFill>
+      <a:ln w="9525">
+        <a:solidFill>
+          <a:schemeClr val="phClr"/>
+        </a:solidFill>
+      </a:ln>
+    </cs:spPr>
+  </cs:dataPointMarker>
+  <cs:dataPointMarkerLayout symbol="circle" size="5"/>
+  <cs:dataPointWireframe>
+    <cs:lnRef idx="0">
+      <cs:styleClr val="auto"/>
+    </cs:lnRef>
+    <cs:fillRef idx="1"/>
+    <cs:effectRef idx="0"/>
+    <cs:fontRef idx="minor">
+      <a:schemeClr val="tx1"/>
+    </cs:fontRef>
+    <cs:spPr>
+      <a:ln w="9525" cap="rnd">
+        <a:solidFill>
+          <a:schemeClr val="phClr"/>
+        </a:solidFill>
+        <a:round/>
+      </a:ln>
+    </cs:spPr>
+  </cs:dataPointWireframe>
+  <cs:dataTable>
+    <cs:lnRef idx="0"/>
+    <cs:fillRef idx="0"/>
+    <cs:effectRef idx="0"/>
+    <cs:fontRef idx="minor">
+      <a:schemeClr val="tx1">
+        <a:lumMod val="65000"/>
+        <a:lumOff val="35000"/>
+      </a:schemeClr>
+    </cs:fontRef>
+    <cs:spPr>
+      <a:noFill/>
+      <a:ln w="9525" cap="flat" cmpd="sng" algn="ctr">
+        <a:solidFill>
+          <a:schemeClr val="tx1">
+            <a:lumMod val="15000"/>
+            <a:lumOff val="85000"/>
+          </a:schemeClr>
+        </a:solidFill>
+        <a:round/>
+      </a:ln>
+    </cs:spPr>
+    <cs:defRPr sz="900" kern="1200"/>
+  </cs:dataTable>
+  <cs:downBar>
+    <cs:lnRef idx="0"/>
+    <cs:fillRef idx="0"/>
+    <cs:effectRef idx="0"/>
+    <cs:fontRef idx="minor">
+      <a:schemeClr val="dk1"/>
+    </cs:fontRef>
+    <cs:spPr>
+      <a:solidFill>
+        <a:schemeClr val="dk1">
+          <a:lumMod val="65000"/>
+          <a:lumOff val="35000"/>
+        </a:schemeClr>
+      </a:solidFill>
+      <a:ln w="9525">
+        <a:solidFill>
+          <a:schemeClr val="tx1">
+            <a:lumMod val="65000"/>
+            <a:lumOff val="35000"/>
+          </a:schemeClr>
+        </a:solidFill>
+      </a:ln>
+    </cs:spPr>
+  </cs:downBar>
+  <cs:dropLine>
+    <cs:lnRef idx="0"/>
+    <cs:fillRef idx="0"/>
+    <cs:effectRef idx="0"/>
+    <cs:fontRef idx="minor">
+      <a:schemeClr val="tx1"/>
+    </cs:fontRef>
+    <cs:spPr>
+      <a:ln w="9525" cap="flat" cmpd="sng" algn="ctr">
+        <a:solidFill>
+          <a:schemeClr val="tx1">
+            <a:lumMod val="35000"/>
+            <a:lumOff val="65000"/>
+          </a:schemeClr>
+        </a:solidFill>
+        <a:round/>
+      </a:ln>
+    </cs:spPr>
+  </cs:dropLine>
+  <cs:errorBar>
+    <cs:lnRef idx="0"/>
+    <cs:fillRef idx="0"/>
+    <cs:effectRef idx="0"/>
+    <cs:fontRef idx="minor">
+      <a:schemeClr val="tx1"/>
+    </cs:fontRef>
+    <cs:spPr>
+      <a:ln w="9525" cap="flat" cmpd="sng" algn="ctr">
+        <a:solidFill>
+          <a:schemeClr val="tx1">
+            <a:lumMod val="65000"/>
+            <a:lumOff val="35000"/>
+          </a:schemeClr>
+        </a:solidFill>
+        <a:round/>
+      </a:ln>
+    </cs:spPr>
+  </cs:errorBar>
+  <cs:floor>
+    <cs:lnRef idx="0"/>
+    <cs:fillRef idx="0"/>
+    <cs:effectRef idx="0"/>
+    <cs:fontRef idx="minor">
+      <a:schemeClr val="tx1"/>
+    </cs:fontRef>
+    <cs:spPr>
+      <a:noFill/>
+      <a:ln>
+        <a:noFill/>
+      </a:ln>
+    </cs:spPr>
+  </cs:floor>
+  <cs:gridlineMajor>
+    <cs:lnRef idx="0"/>
+    <cs:fillRef idx="0"/>
+    <cs:effectRef idx="0"/>
+    <cs:fontRef idx="minor">
+      <a:schemeClr val="tx1"/>
+    </cs:fontRef>
+    <cs:spPr>
+      <a:ln w="9525" cap="flat" cmpd="sng" algn="ctr">
+        <a:solidFill>
+          <a:schemeClr val="tx1">
+            <a:lumMod val="15000"/>
+            <a:lumOff val="85000"/>
+          </a:schemeClr>
+        </a:solidFill>
+        <a:round/>
+      </a:ln>
+    </cs:spPr>
+  </cs:gridlineMajor>
+  <cs:gridlineMinor>
+    <cs:lnRef idx="0"/>
+    <cs:fillRef idx="0"/>
+    <cs:effectRef idx="0"/>
+    <cs:fontRef idx="minor">
+      <a:schemeClr val="tx1"/>
+    </cs:fontRef>
+    <cs:spPr>
+      <a:ln w="9525" cap="flat" cmpd="sng" algn="ctr">
+        <a:solidFill>
+          <a:schemeClr val="tx1">
+            <a:lumMod val="5000"/>
+            <a:lumOff val="95000"/>
+          </a:schemeClr>
+        </a:solidFill>
+        <a:round/>
+      </a:ln>
+    </cs:spPr>
+  </cs:gridlineMinor>
+  <cs:hiLoLine>
+    <cs:lnRef idx="0"/>
+    <cs:fillRef idx="0"/>
+    <cs:effectRef idx="0"/>
+    <cs:fontRef idx="minor">
+      <a:schemeClr val="tx1"/>
+    </cs:fontRef>
+    <cs:spPr>
+      <a:ln w="9525" cap="flat" cmpd="sng" algn="ctr">
+        <a:solidFill>
+          <a:schemeClr val="tx1">
+            <a:lumMod val="75000"/>
+            <a:lumOff val="25000"/>
+          </a:schemeClr>
+        </a:solidFill>
+        <a:round/>
+      </a:ln>
+    </cs:spPr>
+  </cs:hiLoLine>
+  <cs:leaderLine>
+    <cs:lnRef idx="0"/>
+    <cs:fillRef idx="0"/>
+    <cs:effectRef idx="0"/>
+    <cs:fontRef idx="minor">
+      <a:schemeClr val="tx1"/>
+    </cs:fontRef>
+    <cs:spPr>
+      <a:ln w="9525" cap="flat" cmpd="sng" algn="ctr">
+        <a:solidFill>
+          <a:schemeClr val="tx1">
+            <a:lumMod val="35000"/>
+            <a:lumOff val="65000"/>
+          </a:schemeClr>
+        </a:solidFill>
+        <a:round/>
+      </a:ln>
+    </cs:spPr>
+  </cs:leaderLine>
+  <cs:legend>
+    <cs:lnRef idx="0"/>
+    <cs:fillRef idx="0"/>
+    <cs:effectRef idx="0"/>
+    <cs:fontRef idx="minor">
+      <a:schemeClr val="tx1">
+        <a:lumMod val="65000"/>
+        <a:lumOff val="35000"/>
+      </a:schemeClr>
+    </cs:fontRef>
+    <cs:defRPr sz="900" kern="1200"/>
+  </cs:legend>
+  <cs:plotArea mods="allowNoFillOverride allowNoLineOverride">
+    <cs:lnRef idx="0"/>
+    <cs:fillRef idx="0"/>
+    <cs:effectRef idx="0"/>
+    <cs:fontRef idx="minor">
+      <a:schemeClr val="tx1"/>
+    </cs:fontRef>
+  </cs:plotArea>
+  <cs:plotArea3D mods="allowNoFillOverride allowNoLineOverride">
+    <cs:lnRef idx="0"/>
+    <cs:fillRef idx="0"/>
+    <cs:effectRef idx="0"/>
+    <cs:fontRef idx="minor">
+      <a:schemeClr val="tx1"/>
+    </cs:fontRef>
+  </cs:plotArea3D>
+  <cs:seriesAxis>
+    <cs:lnRef idx="0"/>
+    <cs:fillRef idx="0"/>
+    <cs:effectRef idx="0"/>
+    <cs:fontRef idx="minor">
+      <a:schemeClr val="tx1">
+        <a:lumMod val="65000"/>
+        <a:lumOff val="35000"/>
+      </a:schemeClr>
+    </cs:fontRef>
+    <cs:defRPr sz="900" kern="1200"/>
+  </cs:seriesAxis>
+  <cs:seriesLine>
+    <cs:lnRef idx="0"/>
+    <cs:fillRef idx="0"/>
+    <cs:effectRef idx="0"/>
+    <cs:fontRef idx="minor">
+      <a:schemeClr val="tx1"/>
+    </cs:fontRef>
+    <cs:spPr>
+      <a:ln w="9525" cap="flat" cmpd="sng" algn="ctr">
+        <a:solidFill>
+          <a:schemeClr val="tx1">
+            <a:lumMod val="35000"/>
+            <a:lumOff val="65000"/>
+          </a:schemeClr>
+        </a:solidFill>
+        <a:round/>
+      </a:ln>
+    </cs:spPr>
+  </cs:seriesLine>
+  <cs:title>
+    <cs:lnRef idx="0"/>
+    <cs:fillRef idx="0"/>
+    <cs:effectRef idx="0"/>
+    <cs:fontRef idx="minor">
+      <a:schemeClr val="tx1">
+        <a:lumMod val="65000"/>
+        <a:lumOff val="35000"/>
+      </a:schemeClr>
+    </cs:fontRef>
+    <cs:defRPr sz="1400" b="0" kern="1200" spc="0" baseline="0"/>
+  </cs:title>
+  <cs:trendline>
+    <cs:lnRef idx="0">
+      <cs:styleClr val="auto"/>
+    </cs:lnRef>
+    <cs:fillRef idx="0"/>
+    <cs:effectRef idx="0"/>
+    <cs:fontRef idx="minor">
+      <a:schemeClr val="tx1"/>
+    </cs:fontRef>
+    <cs:spPr>
+      <a:ln w="19050" cap="rnd">
+        <a:solidFill>
+          <a:schemeClr val="phClr"/>
+        </a:solidFill>
+        <a:prstDash val="sysDot"/>
+      </a:ln>
+    </cs:spPr>
+  </cs:trendline>
+  <cs:trendlineLabel>
+    <cs:lnRef idx="0"/>
+    <cs:fillRef idx="0"/>
+    <cs:effectRef idx="0"/>
+    <cs:fontRef idx="minor">
+      <a:schemeClr val="tx1">
+        <a:lumMod val="65000"/>
+        <a:lumOff val="35000"/>
+      </a:schemeClr>
+    </cs:fontRef>
+    <cs:defRPr sz="900" kern="1200"/>
+  </cs:trendlineLabel>
+  <cs:upBar>
+    <cs:lnRef idx="0"/>
+    <cs:fillRef idx="0"/>
+    <cs:effectRef idx="0"/>
+    <cs:fontRef idx="minor">
+      <a:schemeClr val="dk1"/>
+    </cs:fontRef>
+    <cs:spPr>
+      <a:solidFill>
+        <a:schemeClr val="lt1"/>
+      </a:solidFill>
+      <a:ln w="9525">
+        <a:solidFill>
+          <a:schemeClr val="tx1">
+            <a:lumMod val="15000"/>
+            <a:lumOff val="85000"/>
+          </a:schemeClr>
+        </a:solidFill>
+      </a:ln>
+    </cs:spPr>
+  </cs:upBar>
+  <cs:valueAxis>
+    <cs:lnRef idx="0"/>
+    <cs:fillRef idx="0"/>
+    <cs:effectRef idx="0"/>
+    <cs:fontRef idx="minor">
+      <a:schemeClr val="tx1">
+        <a:lumMod val="65000"/>
+        <a:lumOff val="35000"/>
+      </a:schemeClr>
+    </cs:fontRef>
+    <cs:defRPr sz="900" kern="1200"/>
+  </cs:valueAxis>
+  <cs:wall>
+    <cs:lnRef idx="0"/>
+    <cs:fillRef idx="0"/>
+    <cs:effectRef idx="0"/>
+    <cs:fontRef idx="minor">
+      <a:schemeClr val="tx1"/>
+    </cs:fontRef>
+    <cs:spPr>
+      <a:noFill/>
+      <a:ln>
+        <a:noFill/>
+      </a:ln>
+    </cs:spPr>
+  </cs:wall>
+</cs:chartStyle>
+</file>
+
 <file path=ppt/notesMasters/notesMaster1.xml><?xml version="1.0" encoding="utf-8"?>
 <p:notesMaster xmlns:a="http://schemas.openxmlformats.org/drawingml/2006/main" xmlns:r="http://schemas.openxmlformats.org/officeDocument/2006/relationships" xmlns:p="http://schemas.openxmlformats.org/presentationml/2006/main">
   <p:cSld>
@@ -217,7 +1356,7 @@
           <a:p>
             <a:fld id="{8FD391CB-82E8-482B-9305-CB4347FBE118}" type="datetimeFigureOut">
               <a:rPr lang="en-US" smtClean="0"/>
-              <a:t>3/26/19</a:t>
+              <a:t>3/30/19</a:t>
             </a:fld>
             <a:endParaRPr lang="en-US"/>
           </a:p>
@@ -678,7 +1817,10 @@
           <a:bodyPr/>
           <a:lstStyle/>
           <a:p>
-            <a:endParaRPr lang="en-US" dirty="0"/>
+            <a:r>
+              <a:rPr lang="en-US" dirty="0"/>
+              <a:t>Map </a:t>
+            </a:r>
           </a:p>
         </p:txBody>
       </p:sp>
@@ -709,6 +1851,180 @@
     <p:extLst>
       <p:ext uri="{BB962C8B-B14F-4D97-AF65-F5344CB8AC3E}">
         <p14:creationId xmlns:p14="http://schemas.microsoft.com/office/powerpoint/2010/main" val="66092877"/>
+      </p:ext>
+    </p:extLst>
+  </p:cSld>
+  <p:clrMapOvr>
+    <a:masterClrMapping/>
+  </p:clrMapOvr>
+</p:notes>
+</file>
+
+<file path=ppt/notesSlides/notesSlide3.xml><?xml version="1.0" encoding="utf-8"?>
+<p:notes xmlns:a="http://schemas.openxmlformats.org/drawingml/2006/main" xmlns:r="http://schemas.openxmlformats.org/officeDocument/2006/relationships" xmlns:p="http://schemas.openxmlformats.org/presentationml/2006/main">
+  <p:cSld>
+    <p:spTree>
+      <p:nvGrpSpPr>
+        <p:cNvPr id="1" name=""/>
+        <p:cNvGrpSpPr/>
+        <p:nvPr/>
+      </p:nvGrpSpPr>
+      <p:grpSpPr>
+        <a:xfrm>
+          <a:off x="0" y="0"/>
+          <a:ext cx="0" cy="0"/>
+          <a:chOff x="0" y="0"/>
+          <a:chExt cx="0" cy="0"/>
+        </a:xfrm>
+      </p:grpSpPr>
+      <p:sp>
+        <p:nvSpPr>
+          <p:cNvPr id="2" name="Slide Image Placeholder 1"/>
+          <p:cNvSpPr>
+            <a:spLocks noGrp="1" noRot="1" noChangeAspect="1"/>
+          </p:cNvSpPr>
+          <p:nvPr>
+            <p:ph type="sldImg"/>
+          </p:nvPr>
+        </p:nvSpPr>
+        <p:spPr/>
+      </p:sp>
+      <p:sp>
+        <p:nvSpPr>
+          <p:cNvPr id="3" name="Notes Placeholder 2"/>
+          <p:cNvSpPr>
+            <a:spLocks noGrp="1"/>
+          </p:cNvSpPr>
+          <p:nvPr>
+            <p:ph type="body" idx="1"/>
+          </p:nvPr>
+        </p:nvSpPr>
+        <p:spPr/>
+        <p:txBody>
+          <a:bodyPr/>
+          <a:lstStyle/>
+          <a:p>
+            <a:r>
+              <a:rPr lang="en-US" dirty="0"/>
+              <a:t>Map </a:t>
+            </a:r>
+          </a:p>
+        </p:txBody>
+      </p:sp>
+      <p:sp>
+        <p:nvSpPr>
+          <p:cNvPr id="4" name="Slide Number Placeholder 3"/>
+          <p:cNvSpPr>
+            <a:spLocks noGrp="1"/>
+          </p:cNvSpPr>
+          <p:nvPr>
+            <p:ph type="sldNum" sz="quarter" idx="5"/>
+          </p:nvPr>
+        </p:nvSpPr>
+        <p:spPr/>
+        <p:txBody>
+          <a:bodyPr/>
+          <a:lstStyle/>
+          <a:p>
+            <a:fld id="{EA9C5E10-4773-4154-A2C7-389A04F1C112}" type="slidenum">
+              <a:rPr lang="en-US" smtClean="0"/>
+              <a:t>5</a:t>
+            </a:fld>
+            <a:endParaRPr lang="en-US"/>
+          </a:p>
+        </p:txBody>
+      </p:sp>
+    </p:spTree>
+    <p:extLst>
+      <p:ext uri="{BB962C8B-B14F-4D97-AF65-F5344CB8AC3E}">
+        <p14:creationId xmlns:p14="http://schemas.microsoft.com/office/powerpoint/2010/main" val="1633949433"/>
+      </p:ext>
+    </p:extLst>
+  </p:cSld>
+  <p:clrMapOvr>
+    <a:masterClrMapping/>
+  </p:clrMapOvr>
+</p:notes>
+</file>
+
+<file path=ppt/notesSlides/notesSlide4.xml><?xml version="1.0" encoding="utf-8"?>
+<p:notes xmlns:a="http://schemas.openxmlformats.org/drawingml/2006/main" xmlns:r="http://schemas.openxmlformats.org/officeDocument/2006/relationships" xmlns:p="http://schemas.openxmlformats.org/presentationml/2006/main">
+  <p:cSld>
+    <p:spTree>
+      <p:nvGrpSpPr>
+        <p:cNvPr id="1" name=""/>
+        <p:cNvGrpSpPr/>
+        <p:nvPr/>
+      </p:nvGrpSpPr>
+      <p:grpSpPr>
+        <a:xfrm>
+          <a:off x="0" y="0"/>
+          <a:ext cx="0" cy="0"/>
+          <a:chOff x="0" y="0"/>
+          <a:chExt cx="0" cy="0"/>
+        </a:xfrm>
+      </p:grpSpPr>
+      <p:sp>
+        <p:nvSpPr>
+          <p:cNvPr id="2" name="Slide Image Placeholder 1"/>
+          <p:cNvSpPr>
+            <a:spLocks noGrp="1" noRot="1" noChangeAspect="1"/>
+          </p:cNvSpPr>
+          <p:nvPr>
+            <p:ph type="sldImg"/>
+          </p:nvPr>
+        </p:nvSpPr>
+        <p:spPr/>
+      </p:sp>
+      <p:sp>
+        <p:nvSpPr>
+          <p:cNvPr id="3" name="Notes Placeholder 2"/>
+          <p:cNvSpPr>
+            <a:spLocks noGrp="1"/>
+          </p:cNvSpPr>
+          <p:nvPr>
+            <p:ph type="body" idx="1"/>
+          </p:nvPr>
+        </p:nvSpPr>
+        <p:spPr/>
+        <p:txBody>
+          <a:bodyPr/>
+          <a:lstStyle/>
+          <a:p>
+            <a:r>
+              <a:rPr lang="en-US" dirty="0"/>
+              <a:t>Map </a:t>
+            </a:r>
+          </a:p>
+        </p:txBody>
+      </p:sp>
+      <p:sp>
+        <p:nvSpPr>
+          <p:cNvPr id="4" name="Slide Number Placeholder 3"/>
+          <p:cNvSpPr>
+            <a:spLocks noGrp="1"/>
+          </p:cNvSpPr>
+          <p:nvPr>
+            <p:ph type="sldNum" sz="quarter" idx="5"/>
+          </p:nvPr>
+        </p:nvSpPr>
+        <p:spPr/>
+        <p:txBody>
+          <a:bodyPr/>
+          <a:lstStyle/>
+          <a:p>
+            <a:fld id="{EA9C5E10-4773-4154-A2C7-389A04F1C112}" type="slidenum">
+              <a:rPr lang="en-US" smtClean="0"/>
+              <a:t>6</a:t>
+            </a:fld>
+            <a:endParaRPr lang="en-US"/>
+          </a:p>
+        </p:txBody>
+      </p:sp>
+    </p:spTree>
+    <p:extLst>
+      <p:ext uri="{BB962C8B-B14F-4D97-AF65-F5344CB8AC3E}">
+        <p14:creationId xmlns:p14="http://schemas.microsoft.com/office/powerpoint/2010/main" val="1628776077"/>
       </p:ext>
     </p:extLst>
   </p:cSld>
@@ -8278,6 +9594,632 @@
 </p:sld>
 </file>
 
+<file path=ppt/slides/slide10.xml><?xml version="1.0" encoding="utf-8"?>
+<p:sld xmlns:a="http://schemas.openxmlformats.org/drawingml/2006/main" xmlns:r="http://schemas.openxmlformats.org/officeDocument/2006/relationships" xmlns:p="http://schemas.openxmlformats.org/presentationml/2006/main">
+  <p:cSld>
+    <p:spTree>
+      <p:nvGrpSpPr>
+        <p:cNvPr id="1" name=""/>
+        <p:cNvGrpSpPr/>
+        <p:nvPr/>
+      </p:nvGrpSpPr>
+      <p:grpSpPr>
+        <a:xfrm>
+          <a:off x="0" y="0"/>
+          <a:ext cx="0" cy="0"/>
+          <a:chOff x="0" y="0"/>
+          <a:chExt cx="0" cy="0"/>
+        </a:xfrm>
+      </p:grpSpPr>
+      <p:sp>
+        <p:nvSpPr>
+          <p:cNvPr id="2" name="Title 1"/>
+          <p:cNvSpPr>
+            <a:spLocks noGrp="1"/>
+          </p:cNvSpPr>
+          <p:nvPr>
+            <p:ph type="title"/>
+          </p:nvPr>
+        </p:nvSpPr>
+        <p:spPr/>
+        <p:txBody>
+          <a:bodyPr/>
+          <a:lstStyle/>
+          <a:p>
+            <a:endParaRPr lang="en-US" sz="3600" dirty="0"/>
+          </a:p>
+        </p:txBody>
+      </p:sp>
+      <p:pic>
+        <p:nvPicPr>
+          <p:cNvPr id="7" name="Content Placeholder 6" descr="A close up of a logo&#10;&#10;Description automatically generated">
+            <a:extLst>
+              <a:ext uri="{FF2B5EF4-FFF2-40B4-BE49-F238E27FC236}">
+                <a16:creationId xmlns:a16="http://schemas.microsoft.com/office/drawing/2014/main" id="{E0846866-26FB-F84E-9342-B3DA11EE2535}"/>
+              </a:ext>
+            </a:extLst>
+          </p:cNvPr>
+          <p:cNvPicPr>
+            <a:picLocks noGrp="1" noChangeAspect="1"/>
+          </p:cNvPicPr>
+          <p:nvPr>
+            <p:ph idx="1"/>
+          </p:nvPr>
+        </p:nvPicPr>
+        <p:blipFill>
+          <a:blip r:embed="rId2">
+            <a:extLst>
+              <a:ext uri="{28A0092B-C50C-407E-A947-70E740481C1C}">
+                <a14:useLocalDpi xmlns:a14="http://schemas.microsoft.com/office/drawing/2010/main" val="0"/>
+              </a:ext>
+            </a:extLst>
+          </a:blip>
+          <a:stretch>
+            <a:fillRect/>
+          </a:stretch>
+        </p:blipFill>
+        <p:spPr>
+          <a:xfrm>
+            <a:off x="838200" y="640080"/>
+            <a:ext cx="10515600" cy="5270389"/>
+          </a:xfrm>
+        </p:spPr>
+      </p:pic>
+    </p:spTree>
+    <p:extLst>
+      <p:ext uri="{BB962C8B-B14F-4D97-AF65-F5344CB8AC3E}">
+        <p14:creationId xmlns:p14="http://schemas.microsoft.com/office/powerpoint/2010/main" val="133348775"/>
+      </p:ext>
+    </p:extLst>
+  </p:cSld>
+  <p:clrMapOvr>
+    <a:masterClrMapping/>
+  </p:clrMapOvr>
+</p:sld>
+</file>
+
+<file path=ppt/slides/slide11.xml><?xml version="1.0" encoding="utf-8"?>
+<p:sld xmlns:a="http://schemas.openxmlformats.org/drawingml/2006/main" xmlns:r="http://schemas.openxmlformats.org/officeDocument/2006/relationships" xmlns:p="http://schemas.openxmlformats.org/presentationml/2006/main">
+  <p:cSld>
+    <p:spTree>
+      <p:nvGrpSpPr>
+        <p:cNvPr id="1" name=""/>
+        <p:cNvGrpSpPr/>
+        <p:nvPr/>
+      </p:nvGrpSpPr>
+      <p:grpSpPr>
+        <a:xfrm>
+          <a:off x="0" y="0"/>
+          <a:ext cx="0" cy="0"/>
+          <a:chOff x="0" y="0"/>
+          <a:chExt cx="0" cy="0"/>
+        </a:xfrm>
+      </p:grpSpPr>
+      <p:sp>
+        <p:nvSpPr>
+          <p:cNvPr id="3" name="Content Placeholder 2">
+            <a:extLst>
+              <a:ext uri="{FF2B5EF4-FFF2-40B4-BE49-F238E27FC236}">
+                <a16:creationId xmlns:a16="http://schemas.microsoft.com/office/drawing/2014/main" id="{6CF408CB-54E2-C14D-98EC-E6D5AE1684C5}"/>
+              </a:ext>
+            </a:extLst>
+          </p:cNvPr>
+          <p:cNvSpPr>
+            <a:spLocks noGrp="1"/>
+          </p:cNvSpPr>
+          <p:nvPr>
+            <p:ph idx="1"/>
+          </p:nvPr>
+        </p:nvSpPr>
+        <p:spPr/>
+        <p:txBody>
+          <a:bodyPr/>
+          <a:lstStyle/>
+          <a:p>
+            <a:r>
+              <a:rPr lang="en-US" dirty="0"/>
+              <a:t>Pros</a:t>
+            </a:r>
+          </a:p>
+          <a:p>
+            <a:pPr lvl="1"/>
+            <a:r>
+              <a:rPr lang="en-US" dirty="0"/>
+              <a:t>Pie Chart can let audience easily see large disparities when presenting in data.</a:t>
+            </a:r>
+          </a:p>
+          <a:p>
+            <a:pPr lvl="1"/>
+            <a:r>
+              <a:rPr lang="en-US" dirty="0"/>
+              <a:t>Pie chart can emphasize data when there are only few units, especially when the number is less than 3.</a:t>
+            </a:r>
+          </a:p>
+          <a:p>
+            <a:pPr marL="457200" lvl="1" indent="0">
+              <a:buNone/>
+            </a:pPr>
+            <a:endParaRPr lang="en-US" dirty="0"/>
+          </a:p>
+          <a:p>
+            <a:pPr lvl="1"/>
+            <a:endParaRPr lang="en-US" dirty="0"/>
+          </a:p>
+        </p:txBody>
+      </p:sp>
+      <p:sp>
+        <p:nvSpPr>
+          <p:cNvPr id="6" name="Title 5">
+            <a:extLst>
+              <a:ext uri="{FF2B5EF4-FFF2-40B4-BE49-F238E27FC236}">
+                <a16:creationId xmlns:a16="http://schemas.microsoft.com/office/drawing/2014/main" id="{27E8A2D3-8986-0F45-90E0-CB0C85259C7D}"/>
+              </a:ext>
+            </a:extLst>
+          </p:cNvPr>
+          <p:cNvSpPr>
+            <a:spLocks noGrp="1"/>
+          </p:cNvSpPr>
+          <p:nvPr>
+            <p:ph type="title"/>
+          </p:nvPr>
+        </p:nvSpPr>
+        <p:spPr>
+          <a:xfrm>
+            <a:off x="838200" y="640080"/>
+            <a:ext cx="10515600" cy="727075"/>
+          </a:xfrm>
+        </p:spPr>
+        <p:txBody>
+          <a:bodyPr/>
+          <a:lstStyle/>
+          <a:p>
+            <a:r>
+              <a:rPr lang="en-US" dirty="0"/>
+              <a:t>Pie Chart Pros &amp; Cons</a:t>
+            </a:r>
+          </a:p>
+        </p:txBody>
+      </p:sp>
+    </p:spTree>
+    <p:extLst>
+      <p:ext uri="{BB962C8B-B14F-4D97-AF65-F5344CB8AC3E}">
+        <p14:creationId xmlns:p14="http://schemas.microsoft.com/office/powerpoint/2010/main" val="547837732"/>
+      </p:ext>
+    </p:extLst>
+  </p:cSld>
+  <p:clrMapOvr>
+    <a:masterClrMapping/>
+  </p:clrMapOvr>
+</p:sld>
+</file>
+
+<file path=ppt/slides/slide12.xml><?xml version="1.0" encoding="utf-8"?>
+<p:sld xmlns:a="http://schemas.openxmlformats.org/drawingml/2006/main" xmlns:r="http://schemas.openxmlformats.org/officeDocument/2006/relationships" xmlns:p="http://schemas.openxmlformats.org/presentationml/2006/main">
+  <p:cSld>
+    <p:spTree>
+      <p:nvGrpSpPr>
+        <p:cNvPr id="1" name=""/>
+        <p:cNvGrpSpPr/>
+        <p:nvPr/>
+      </p:nvGrpSpPr>
+      <p:grpSpPr>
+        <a:xfrm>
+          <a:off x="0" y="0"/>
+          <a:ext cx="0" cy="0"/>
+          <a:chOff x="0" y="0"/>
+          <a:chExt cx="0" cy="0"/>
+        </a:xfrm>
+      </p:grpSpPr>
+      <p:sp>
+        <p:nvSpPr>
+          <p:cNvPr id="3" name="Content Placeholder 2">
+            <a:extLst>
+              <a:ext uri="{FF2B5EF4-FFF2-40B4-BE49-F238E27FC236}">
+                <a16:creationId xmlns:a16="http://schemas.microsoft.com/office/drawing/2014/main" id="{6CF408CB-54E2-C14D-98EC-E6D5AE1684C5}"/>
+              </a:ext>
+            </a:extLst>
+          </p:cNvPr>
+          <p:cNvSpPr>
+            <a:spLocks noGrp="1"/>
+          </p:cNvSpPr>
+          <p:nvPr>
+            <p:ph idx="1"/>
+          </p:nvPr>
+        </p:nvSpPr>
+        <p:spPr/>
+        <p:txBody>
+          <a:bodyPr/>
+          <a:lstStyle/>
+          <a:p>
+            <a:r>
+              <a:rPr lang="en-US" dirty="0"/>
+              <a:t>Pros</a:t>
+            </a:r>
+          </a:p>
+          <a:p>
+            <a:pPr lvl="1"/>
+            <a:r>
+              <a:rPr lang="en-US" dirty="0"/>
+              <a:t>Pie chart are not good option for comparing more than 5 pieces of data. It’s extremely hard for audience to distinguished among different unit.</a:t>
+            </a:r>
+          </a:p>
+          <a:p>
+            <a:pPr lvl="1"/>
+            <a:r>
+              <a:rPr lang="en-US" dirty="0"/>
+              <a:t>Pie chart won’t give audience on the ranking of the data. If the ranking is important, Bar chart is a better option.</a:t>
+            </a:r>
+          </a:p>
+          <a:p>
+            <a:pPr lvl="1"/>
+            <a:r>
+              <a:rPr lang="en-US" dirty="0"/>
+              <a:t>If involve with second factor, pie chart is not a good option, in that case, line chart or scatter-plot are better choice.</a:t>
+            </a:r>
+          </a:p>
+          <a:p>
+            <a:pPr lvl="1"/>
+            <a:endParaRPr lang="en-US" dirty="0"/>
+          </a:p>
+        </p:txBody>
+      </p:sp>
+      <p:sp>
+        <p:nvSpPr>
+          <p:cNvPr id="6" name="Title 5">
+            <a:extLst>
+              <a:ext uri="{FF2B5EF4-FFF2-40B4-BE49-F238E27FC236}">
+                <a16:creationId xmlns:a16="http://schemas.microsoft.com/office/drawing/2014/main" id="{27E8A2D3-8986-0F45-90E0-CB0C85259C7D}"/>
+              </a:ext>
+            </a:extLst>
+          </p:cNvPr>
+          <p:cNvSpPr>
+            <a:spLocks noGrp="1"/>
+          </p:cNvSpPr>
+          <p:nvPr>
+            <p:ph type="title"/>
+          </p:nvPr>
+        </p:nvSpPr>
+        <p:spPr>
+          <a:xfrm>
+            <a:off x="838200" y="640080"/>
+            <a:ext cx="10515600" cy="727075"/>
+          </a:xfrm>
+        </p:spPr>
+        <p:txBody>
+          <a:bodyPr/>
+          <a:lstStyle/>
+          <a:p>
+            <a:r>
+              <a:rPr lang="en-US" dirty="0"/>
+              <a:t>Bar Chart Pros &amp; Cons</a:t>
+            </a:r>
+          </a:p>
+        </p:txBody>
+      </p:sp>
+    </p:spTree>
+    <p:extLst>
+      <p:ext uri="{BB962C8B-B14F-4D97-AF65-F5344CB8AC3E}">
+        <p14:creationId xmlns:p14="http://schemas.microsoft.com/office/powerpoint/2010/main" val="1835686222"/>
+      </p:ext>
+    </p:extLst>
+  </p:cSld>
+  <p:clrMapOvr>
+    <a:masterClrMapping/>
+  </p:clrMapOvr>
+</p:sld>
+</file>
+
+<file path=ppt/slides/slide13.xml><?xml version="1.0" encoding="utf-8"?>
+<p:sld xmlns:a="http://schemas.openxmlformats.org/drawingml/2006/main" xmlns:r="http://schemas.openxmlformats.org/officeDocument/2006/relationships" xmlns:p="http://schemas.openxmlformats.org/presentationml/2006/main">
+  <p:cSld>
+    <p:spTree>
+      <p:nvGrpSpPr>
+        <p:cNvPr id="1" name=""/>
+        <p:cNvGrpSpPr/>
+        <p:nvPr/>
+      </p:nvGrpSpPr>
+      <p:grpSpPr>
+        <a:xfrm>
+          <a:off x="0" y="0"/>
+          <a:ext cx="0" cy="0"/>
+          <a:chOff x="0" y="0"/>
+          <a:chExt cx="0" cy="0"/>
+        </a:xfrm>
+      </p:grpSpPr>
+      <p:sp>
+        <p:nvSpPr>
+          <p:cNvPr id="2" name="Title 1"/>
+          <p:cNvSpPr>
+            <a:spLocks noGrp="1"/>
+          </p:cNvSpPr>
+          <p:nvPr>
+            <p:ph type="title"/>
+          </p:nvPr>
+        </p:nvSpPr>
+        <p:spPr/>
+        <p:txBody>
+          <a:bodyPr/>
+          <a:lstStyle/>
+          <a:p>
+            <a:endParaRPr lang="en-US" sz="3600" dirty="0"/>
+          </a:p>
+        </p:txBody>
+      </p:sp>
+      <p:graphicFrame>
+        <p:nvGraphicFramePr>
+          <p:cNvPr id="7" name="Content Placeholder 6">
+            <a:extLst>
+              <a:ext uri="{FF2B5EF4-FFF2-40B4-BE49-F238E27FC236}">
+                <a16:creationId xmlns:a16="http://schemas.microsoft.com/office/drawing/2014/main" id="{73416506-0081-7649-8671-D5FA4AB894F0}"/>
+              </a:ext>
+            </a:extLst>
+          </p:cNvPr>
+          <p:cNvGraphicFramePr>
+            <a:graphicFrameLocks noGrp="1"/>
+          </p:cNvGraphicFramePr>
+          <p:nvPr>
+            <p:ph idx="1"/>
+            <p:extLst>
+              <p:ext uri="{D42A27DB-BD31-4B8C-83A1-F6EECF244321}">
+                <p14:modId xmlns:p14="http://schemas.microsoft.com/office/powerpoint/2010/main" val="2144464389"/>
+              </p:ext>
+            </p:extLst>
+          </p:nvPr>
+        </p:nvGraphicFramePr>
+        <p:xfrm>
+          <a:off x="838200" y="1463674"/>
+          <a:ext cx="10863470" cy="4632325"/>
+        </p:xfrm>
+        <a:graphic>
+          <a:graphicData uri="http://schemas.openxmlformats.org/drawingml/2006/chart">
+            <c:chart xmlns:c="http://schemas.openxmlformats.org/drawingml/2006/chart" xmlns:r="http://schemas.openxmlformats.org/officeDocument/2006/relationships" r:id="rId2"/>
+          </a:graphicData>
+        </a:graphic>
+      </p:graphicFrame>
+    </p:spTree>
+    <p:extLst>
+      <p:ext uri="{BB962C8B-B14F-4D97-AF65-F5344CB8AC3E}">
+        <p14:creationId xmlns:p14="http://schemas.microsoft.com/office/powerpoint/2010/main" val="1969301694"/>
+      </p:ext>
+    </p:extLst>
+  </p:cSld>
+  <p:clrMapOvr>
+    <a:masterClrMapping/>
+  </p:clrMapOvr>
+</p:sld>
+</file>
+
+<file path=ppt/slides/slide14.xml><?xml version="1.0" encoding="utf-8"?>
+<p:sld xmlns:a="http://schemas.openxmlformats.org/drawingml/2006/main" xmlns:r="http://schemas.openxmlformats.org/officeDocument/2006/relationships" xmlns:p="http://schemas.openxmlformats.org/presentationml/2006/main">
+  <p:cSld>
+    <p:spTree>
+      <p:nvGrpSpPr>
+        <p:cNvPr id="1" name=""/>
+        <p:cNvGrpSpPr/>
+        <p:nvPr/>
+      </p:nvGrpSpPr>
+      <p:grpSpPr>
+        <a:xfrm>
+          <a:off x="0" y="0"/>
+          <a:ext cx="0" cy="0"/>
+          <a:chOff x="0" y="0"/>
+          <a:chExt cx="0" cy="0"/>
+        </a:xfrm>
+      </p:grpSpPr>
+      <p:sp>
+        <p:nvSpPr>
+          <p:cNvPr id="3" name="Content Placeholder 2">
+            <a:extLst>
+              <a:ext uri="{FF2B5EF4-FFF2-40B4-BE49-F238E27FC236}">
+                <a16:creationId xmlns:a16="http://schemas.microsoft.com/office/drawing/2014/main" id="{6CF408CB-54E2-C14D-98EC-E6D5AE1684C5}"/>
+              </a:ext>
+            </a:extLst>
+          </p:cNvPr>
+          <p:cNvSpPr>
+            <a:spLocks noGrp="1"/>
+          </p:cNvSpPr>
+          <p:nvPr>
+            <p:ph idx="1"/>
+          </p:nvPr>
+        </p:nvSpPr>
+        <p:spPr/>
+        <p:txBody>
+          <a:bodyPr/>
+          <a:lstStyle/>
+          <a:p>
+            <a:r>
+              <a:rPr lang="en-US" dirty="0"/>
+              <a:t>Pros</a:t>
+            </a:r>
+          </a:p>
+          <a:p>
+            <a:pPr lvl="1"/>
+            <a:r>
+              <a:rPr lang="en-US" dirty="0"/>
+              <a:t>Line chart is good for trend over time.</a:t>
+            </a:r>
+          </a:p>
+          <a:p>
+            <a:pPr lvl="1"/>
+            <a:r>
+              <a:rPr lang="en-US" dirty="0"/>
+              <a:t>Line chart shows relationship with a continuous periodical data.</a:t>
+            </a:r>
+          </a:p>
+          <a:p>
+            <a:pPr lvl="1"/>
+            <a:r>
+              <a:rPr lang="en-US" dirty="0"/>
+              <a:t>Line chart reflects the change over the time</a:t>
+            </a:r>
+          </a:p>
+          <a:p>
+            <a:pPr marL="457200" lvl="1" indent="0">
+              <a:buNone/>
+            </a:pPr>
+            <a:endParaRPr lang="en-US" dirty="0"/>
+          </a:p>
+          <a:p>
+            <a:pPr lvl="1"/>
+            <a:endParaRPr lang="en-US" dirty="0"/>
+          </a:p>
+        </p:txBody>
+      </p:sp>
+      <p:sp>
+        <p:nvSpPr>
+          <p:cNvPr id="6" name="Title 5">
+            <a:extLst>
+              <a:ext uri="{FF2B5EF4-FFF2-40B4-BE49-F238E27FC236}">
+                <a16:creationId xmlns:a16="http://schemas.microsoft.com/office/drawing/2014/main" id="{27E8A2D3-8986-0F45-90E0-CB0C85259C7D}"/>
+              </a:ext>
+            </a:extLst>
+          </p:cNvPr>
+          <p:cNvSpPr>
+            <a:spLocks noGrp="1"/>
+          </p:cNvSpPr>
+          <p:nvPr>
+            <p:ph type="title"/>
+          </p:nvPr>
+        </p:nvSpPr>
+        <p:spPr>
+          <a:xfrm>
+            <a:off x="838200" y="640080"/>
+            <a:ext cx="10515600" cy="727075"/>
+          </a:xfrm>
+        </p:spPr>
+        <p:txBody>
+          <a:bodyPr/>
+          <a:lstStyle/>
+          <a:p>
+            <a:r>
+              <a:rPr lang="en-US" dirty="0"/>
+              <a:t>Line Chart Pros &amp; Cons</a:t>
+            </a:r>
+          </a:p>
+        </p:txBody>
+      </p:sp>
+    </p:spTree>
+    <p:extLst>
+      <p:ext uri="{BB962C8B-B14F-4D97-AF65-F5344CB8AC3E}">
+        <p14:creationId xmlns:p14="http://schemas.microsoft.com/office/powerpoint/2010/main" val="2358015186"/>
+      </p:ext>
+    </p:extLst>
+  </p:cSld>
+  <p:clrMapOvr>
+    <a:masterClrMapping/>
+  </p:clrMapOvr>
+</p:sld>
+</file>
+
+<file path=ppt/slides/slide15.xml><?xml version="1.0" encoding="utf-8"?>
+<p:sld xmlns:a="http://schemas.openxmlformats.org/drawingml/2006/main" xmlns:r="http://schemas.openxmlformats.org/officeDocument/2006/relationships" xmlns:p="http://schemas.openxmlformats.org/presentationml/2006/main">
+  <p:cSld>
+    <p:spTree>
+      <p:nvGrpSpPr>
+        <p:cNvPr id="1" name=""/>
+        <p:cNvGrpSpPr/>
+        <p:nvPr/>
+      </p:nvGrpSpPr>
+      <p:grpSpPr>
+        <a:xfrm>
+          <a:off x="0" y="0"/>
+          <a:ext cx="0" cy="0"/>
+          <a:chOff x="0" y="0"/>
+          <a:chExt cx="0" cy="0"/>
+        </a:xfrm>
+      </p:grpSpPr>
+      <p:sp>
+        <p:nvSpPr>
+          <p:cNvPr id="3" name="Content Placeholder 2">
+            <a:extLst>
+              <a:ext uri="{FF2B5EF4-FFF2-40B4-BE49-F238E27FC236}">
+                <a16:creationId xmlns:a16="http://schemas.microsoft.com/office/drawing/2014/main" id="{6CF408CB-54E2-C14D-98EC-E6D5AE1684C5}"/>
+              </a:ext>
+            </a:extLst>
+          </p:cNvPr>
+          <p:cNvSpPr>
+            <a:spLocks noGrp="1"/>
+          </p:cNvSpPr>
+          <p:nvPr>
+            <p:ph idx="1"/>
+          </p:nvPr>
+        </p:nvSpPr>
+        <p:spPr/>
+        <p:txBody>
+          <a:bodyPr/>
+          <a:lstStyle/>
+          <a:p>
+            <a:r>
+              <a:rPr lang="en-US" dirty="0"/>
+              <a:t>Pros</a:t>
+            </a:r>
+          </a:p>
+          <a:p>
+            <a:pPr lvl="1"/>
+            <a:r>
+              <a:rPr lang="en-US" dirty="0"/>
+              <a:t>Line only works periodical data</a:t>
+            </a:r>
+          </a:p>
+          <a:p>
+            <a:pPr lvl="1"/>
+            <a:r>
+              <a:rPr lang="en-US" dirty="0"/>
+              <a:t>When there are many categories especially more than seven, line chart doesn’t show the real ranking in that case, side by side bar chart may be better.</a:t>
+            </a:r>
+          </a:p>
+          <a:p>
+            <a:pPr lvl="1"/>
+            <a:endParaRPr lang="en-US" dirty="0"/>
+          </a:p>
+        </p:txBody>
+      </p:sp>
+      <p:sp>
+        <p:nvSpPr>
+          <p:cNvPr id="6" name="Title 5">
+            <a:extLst>
+              <a:ext uri="{FF2B5EF4-FFF2-40B4-BE49-F238E27FC236}">
+                <a16:creationId xmlns:a16="http://schemas.microsoft.com/office/drawing/2014/main" id="{27E8A2D3-8986-0F45-90E0-CB0C85259C7D}"/>
+              </a:ext>
+            </a:extLst>
+          </p:cNvPr>
+          <p:cNvSpPr>
+            <a:spLocks noGrp="1"/>
+          </p:cNvSpPr>
+          <p:nvPr>
+            <p:ph type="title"/>
+          </p:nvPr>
+        </p:nvSpPr>
+        <p:spPr>
+          <a:xfrm>
+            <a:off x="838200" y="640080"/>
+            <a:ext cx="10515600" cy="727075"/>
+          </a:xfrm>
+        </p:spPr>
+        <p:txBody>
+          <a:bodyPr/>
+          <a:lstStyle/>
+          <a:p>
+            <a:r>
+              <a:rPr lang="en-US" dirty="0"/>
+              <a:t>Bar Chart Pros &amp; Cons</a:t>
+            </a:r>
+          </a:p>
+        </p:txBody>
+      </p:sp>
+    </p:spTree>
+    <p:extLst>
+      <p:ext uri="{BB962C8B-B14F-4D97-AF65-F5344CB8AC3E}">
+        <p14:creationId xmlns:p14="http://schemas.microsoft.com/office/powerpoint/2010/main" val="3162720667"/>
+      </p:ext>
+    </p:extLst>
+  </p:cSld>
+  <p:clrMapOvr>
+    <a:masterClrMapping/>
+  </p:clrMapOvr>
+</p:sld>
+</file>
+
 <file path=ppt/slides/slide2.xml><?xml version="1.0" encoding="utf-8"?>
 <p:sld xmlns:a="http://schemas.openxmlformats.org/drawingml/2006/main" xmlns:r="http://schemas.openxmlformats.org/officeDocument/2006/relationships" xmlns:p="http://schemas.openxmlformats.org/presentationml/2006/main">
   <p:cSld>
@@ -8934,7 +10876,7 @@
                   <a:schemeClr val="bg1"/>
                 </a:solidFill>
               </a:rPr>
-              <a:t>How many answers have up votes and down votes</a:t>
+              <a:t>Open source contribution</a:t>
             </a:r>
           </a:p>
           <a:p>
@@ -8944,7 +10886,7 @@
                   <a:schemeClr val="bg1"/>
                 </a:solidFill>
               </a:rPr>
-              <a:t>Top 20 users' ranking by yearly growth</a:t>
+              <a:t>Years coding distributions</a:t>
             </a:r>
           </a:p>
           <a:p>
@@ -9379,45 +11321,96 @@
           <a:chExt cx="0" cy="0"/>
         </a:xfrm>
       </p:grpSpPr>
-      <p:pic>
-        <p:nvPicPr>
-          <p:cNvPr id="5" name="Content Placeholder 4" descr="A screenshot of a cell phone&#10;&#10;Description automatically generated">
+      <p:sp>
+        <p:nvSpPr>
+          <p:cNvPr id="4" name="Content Placeholder 3">
             <a:extLst>
               <a:ext uri="{FF2B5EF4-FFF2-40B4-BE49-F238E27FC236}">
-                <a16:creationId xmlns:a16="http://schemas.microsoft.com/office/drawing/2014/main" id="{D3FAC722-4875-D442-8B73-FD5693DE20AA}"/>
+                <a16:creationId xmlns:a16="http://schemas.microsoft.com/office/drawing/2014/main" id="{C150F208-A0C5-F54A-8837-81A8CD32FFC7}"/>
               </a:ext>
             </a:extLst>
           </p:cNvPr>
-          <p:cNvPicPr>
-            <a:picLocks noGrp="1" noChangeAspect="1"/>
-          </p:cNvPicPr>
+          <p:cNvSpPr>
+            <a:spLocks noGrp="1"/>
+          </p:cNvSpPr>
           <p:nvPr>
             <p:ph idx="1"/>
           </p:nvPr>
-        </p:nvPicPr>
-        <p:blipFill>
-          <a:blip r:embed="rId2">
+        </p:nvSpPr>
+        <p:spPr>
+          <a:xfrm>
+            <a:off x="838200" y="1463040"/>
+            <a:ext cx="10515600" cy="4458258"/>
+          </a:xfrm>
+        </p:spPr>
+        <p:txBody>
+          <a:bodyPr/>
+          <a:lstStyle/>
+          <a:p>
+            <a:r>
+              <a:rPr lang="en-US" dirty="0"/>
+              <a:t>Pros</a:t>
+            </a:r>
+          </a:p>
+          <a:p>
+            <a:pPr lvl="1"/>
+            <a:r>
+              <a:rPr lang="en-US" dirty="0"/>
+              <a:t>It giving a geometry view that different country’s data</a:t>
+            </a:r>
+          </a:p>
+          <a:p>
+            <a:pPr lvl="1"/>
+            <a:r>
+              <a:rPr lang="en-US" dirty="0"/>
+              <a:t>It gave the context we are using, like by country or state.</a:t>
+            </a:r>
+          </a:p>
+          <a:p>
+            <a:pPr lvl="1"/>
+            <a:r>
+              <a:rPr lang="en-US" dirty="0"/>
+              <a:t>If the focus for data not total country based. But only story-teller only focus top 3 geometries, it can give the audience very straight-forward view.</a:t>
+            </a:r>
+          </a:p>
+          <a:p>
+            <a:pPr lvl="1"/>
+            <a:endParaRPr lang="en-US" dirty="0"/>
+          </a:p>
+        </p:txBody>
+      </p:sp>
+      <p:sp>
+        <p:nvSpPr>
+          <p:cNvPr id="6" name="Title 5">
             <a:extLst>
-              <a:ext uri="{28A0092B-C50C-407E-A947-70E740481C1C}">
-                <a14:useLocalDpi xmlns:a14="http://schemas.microsoft.com/office/drawing/2010/main" val="0"/>
+              <a:ext uri="{FF2B5EF4-FFF2-40B4-BE49-F238E27FC236}">
+                <a16:creationId xmlns:a16="http://schemas.microsoft.com/office/drawing/2014/main" id="{5ACF44B1-05E4-B943-B722-59D6E51657E4}"/>
               </a:ext>
             </a:extLst>
-          </a:blip>
-          <a:stretch>
-            <a:fillRect/>
-          </a:stretch>
-        </p:blipFill>
-        <p:spPr>
-          <a:xfrm>
-            <a:off x="838201" y="1232452"/>
-            <a:ext cx="5112025" cy="4679342"/>
-          </a:xfrm>
-        </p:spPr>
-      </p:pic>
+          </p:cNvPr>
+          <p:cNvSpPr>
+            <a:spLocks noGrp="1"/>
+          </p:cNvSpPr>
+          <p:nvPr>
+            <p:ph type="title"/>
+          </p:nvPr>
+        </p:nvSpPr>
+        <p:spPr/>
+        <p:txBody>
+          <a:bodyPr/>
+          <a:lstStyle/>
+          <a:p>
+            <a:r>
+              <a:rPr lang="en-US" dirty="0"/>
+              <a:t>Map Chart Pros &amp; Cons</a:t>
+            </a:r>
+          </a:p>
+        </p:txBody>
+      </p:sp>
     </p:spTree>
     <p:extLst>
       <p:ext uri="{BB962C8B-B14F-4D97-AF65-F5344CB8AC3E}">
-        <p14:creationId xmlns:p14="http://schemas.microsoft.com/office/powerpoint/2010/main" val="972843775"/>
+        <p14:creationId xmlns:p14="http://schemas.microsoft.com/office/powerpoint/2010/main" val="1221478417"/>
       </p:ext>
     </p:extLst>
   </p:cSld>
@@ -9446,62 +11439,113 @@
       </p:grpSpPr>
       <p:sp>
         <p:nvSpPr>
-          <p:cNvPr id="2" name="Title 1"/>
-          <p:cNvSpPr>
-            <a:spLocks noGrp="1"/>
-          </p:cNvSpPr>
-          <p:nvPr>
-            <p:ph type="title"/>
-          </p:nvPr>
-        </p:nvSpPr>
-        <p:spPr/>
-        <p:txBody>
-          <a:bodyPr/>
-          <a:lstStyle/>
-          <a:p>
-            <a:endParaRPr lang="en-US" sz="3600" dirty="0"/>
-          </a:p>
-        </p:txBody>
-      </p:sp>
-      <p:pic>
-        <p:nvPicPr>
-          <p:cNvPr id="7" name="Content Placeholder 6" descr="A close up of a logo&#10;&#10;Description automatically generated">
+          <p:cNvPr id="4" name="Content Placeholder 3">
             <a:extLst>
               <a:ext uri="{FF2B5EF4-FFF2-40B4-BE49-F238E27FC236}">
-                <a16:creationId xmlns:a16="http://schemas.microsoft.com/office/drawing/2014/main" id="{E0846866-26FB-F84E-9342-B3DA11EE2535}"/>
+                <a16:creationId xmlns:a16="http://schemas.microsoft.com/office/drawing/2014/main" id="{C150F208-A0C5-F54A-8837-81A8CD32FFC7}"/>
               </a:ext>
             </a:extLst>
           </p:cNvPr>
-          <p:cNvPicPr>
-            <a:picLocks noGrp="1" noChangeAspect="1"/>
-          </p:cNvPicPr>
+          <p:cNvSpPr>
+            <a:spLocks noGrp="1"/>
+          </p:cNvSpPr>
           <p:nvPr>
             <p:ph idx="1"/>
           </p:nvPr>
-        </p:nvPicPr>
-        <p:blipFill>
-          <a:blip r:embed="rId2">
+        </p:nvSpPr>
+        <p:spPr>
+          <a:xfrm>
+            <a:off x="838200" y="1463040"/>
+            <a:ext cx="10515600" cy="4458258"/>
+          </a:xfrm>
+        </p:spPr>
+        <p:txBody>
+          <a:bodyPr/>
+          <a:lstStyle/>
+          <a:p>
+            <a:r>
+              <a:rPr lang="en-US" dirty="0"/>
+              <a:t>Cons</a:t>
+            </a:r>
+          </a:p>
+          <a:p>
+            <a:pPr lvl="1"/>
+            <a:r>
+              <a:rPr lang="en-US" dirty="0"/>
+              <a:t>It doesn’t give audience the details like the value or ranking</a:t>
+            </a:r>
+          </a:p>
+          <a:p>
+            <a:pPr lvl="1"/>
+            <a:r>
+              <a:rPr lang="en-US" dirty="0"/>
+              <a:t>If story-teller wants to give further analysis, like above/beyond average, P90, map chart is not going to help.</a:t>
+            </a:r>
+          </a:p>
+          <a:p>
+            <a:pPr lvl="1"/>
+            <a:r>
+              <a:rPr lang="en-US" dirty="0"/>
+              <a:t>Sometimes map is actually misleading and causes to draw the wrong conclusions about data(</a:t>
+            </a:r>
+            <a:r>
+              <a:rPr lang="en-US" dirty="0" err="1"/>
+              <a:t>Eg</a:t>
+            </a:r>
+            <a:r>
+              <a:rPr lang="en-US" dirty="0"/>
+              <a:t> look at India here you might not know why India has second participants in the world, may be by populations or their IT industry is good)</a:t>
+            </a:r>
+          </a:p>
+          <a:p>
+            <a:pPr lvl="1"/>
+            <a:r>
+              <a:rPr lang="en-US" dirty="0"/>
+              <a:t>If story-teller want to focus on data and details, bar chart should be used</a:t>
+            </a:r>
+          </a:p>
+          <a:p>
+            <a:pPr lvl="1"/>
+            <a:endParaRPr lang="en-US" dirty="0"/>
+          </a:p>
+          <a:p>
+            <a:pPr lvl="1"/>
+            <a:endParaRPr lang="en-US" dirty="0"/>
+          </a:p>
+        </p:txBody>
+      </p:sp>
+      <p:sp>
+        <p:nvSpPr>
+          <p:cNvPr id="6" name="Title 5">
             <a:extLst>
-              <a:ext uri="{28A0092B-C50C-407E-A947-70E740481C1C}">
-                <a14:useLocalDpi xmlns:a14="http://schemas.microsoft.com/office/drawing/2010/main" val="0"/>
+              <a:ext uri="{FF2B5EF4-FFF2-40B4-BE49-F238E27FC236}">
+                <a16:creationId xmlns:a16="http://schemas.microsoft.com/office/drawing/2014/main" id="{5ACF44B1-05E4-B943-B722-59D6E51657E4}"/>
               </a:ext>
             </a:extLst>
-          </a:blip>
-          <a:stretch>
-            <a:fillRect/>
-          </a:stretch>
-        </p:blipFill>
-        <p:spPr>
-          <a:xfrm>
-            <a:off x="838200" y="640080"/>
-            <a:ext cx="10515600" cy="5270389"/>
-          </a:xfrm>
-        </p:spPr>
-      </p:pic>
+          </p:cNvPr>
+          <p:cNvSpPr>
+            <a:spLocks noGrp="1"/>
+          </p:cNvSpPr>
+          <p:nvPr>
+            <p:ph type="title"/>
+          </p:nvPr>
+        </p:nvSpPr>
+        <p:spPr/>
+        <p:txBody>
+          <a:bodyPr/>
+          <a:lstStyle/>
+          <a:p>
+            <a:r>
+              <a:rPr lang="en-US" dirty="0"/>
+              <a:t>Map Chart Pros &amp; Cons</a:t>
+            </a:r>
+          </a:p>
+        </p:txBody>
+      </p:sp>
     </p:spTree>
     <p:extLst>
       <p:ext uri="{BB962C8B-B14F-4D97-AF65-F5344CB8AC3E}">
-        <p14:creationId xmlns:p14="http://schemas.microsoft.com/office/powerpoint/2010/main" val="133348775"/>
+        <p14:creationId xmlns:p14="http://schemas.microsoft.com/office/powerpoint/2010/main" val="2476517804"/>
       </p:ext>
     </p:extLst>
   </p:cSld>
@@ -9528,31 +11572,12 @@
           <a:chExt cx="0" cy="0"/>
         </a:xfrm>
       </p:grpSpPr>
-      <p:sp>
-        <p:nvSpPr>
-          <p:cNvPr id="2" name="Title 1"/>
-          <p:cNvSpPr>
-            <a:spLocks noGrp="1"/>
-          </p:cNvSpPr>
-          <p:nvPr>
-            <p:ph type="title"/>
-          </p:nvPr>
-        </p:nvSpPr>
-        <p:spPr/>
-        <p:txBody>
-          <a:bodyPr/>
-          <a:lstStyle/>
-          <a:p>
-            <a:endParaRPr lang="en-US" sz="3600" dirty="0"/>
-          </a:p>
-        </p:txBody>
-      </p:sp>
       <p:pic>
         <p:nvPicPr>
-          <p:cNvPr id="6" name="Content Placeholder 5" descr="A picture containing screenshot&#10;&#10;Description automatically generated">
+          <p:cNvPr id="5" name="Content Placeholder 4" descr="A screenshot of a cell phone&#10;&#10;Description automatically generated">
             <a:extLst>
               <a:ext uri="{FF2B5EF4-FFF2-40B4-BE49-F238E27FC236}">
-                <a16:creationId xmlns:a16="http://schemas.microsoft.com/office/drawing/2014/main" id="{2132CCD6-05AB-1746-A037-F6553E97E51C}"/>
+                <a16:creationId xmlns:a16="http://schemas.microsoft.com/office/drawing/2014/main" id="{D3FAC722-4875-D442-8B73-FD5693DE20AA}"/>
               </a:ext>
             </a:extLst>
           </p:cNvPr>
@@ -9577,15 +11602,258 @@
         </p:blipFill>
         <p:spPr>
           <a:xfrm>
-            <a:off x="838201" y="640080"/>
-            <a:ext cx="8835886" cy="5449895"/>
+            <a:off x="838201" y="1232452"/>
+            <a:ext cx="5112025" cy="4679342"/>
           </a:xfrm>
         </p:spPr>
       </p:pic>
     </p:spTree>
     <p:extLst>
       <p:ext uri="{BB962C8B-B14F-4D97-AF65-F5344CB8AC3E}">
-        <p14:creationId xmlns:p14="http://schemas.microsoft.com/office/powerpoint/2010/main" val="1969301694"/>
+        <p14:creationId xmlns:p14="http://schemas.microsoft.com/office/powerpoint/2010/main" val="972843775"/>
+      </p:ext>
+    </p:extLst>
+  </p:cSld>
+  <p:clrMapOvr>
+    <a:masterClrMapping/>
+  </p:clrMapOvr>
+</p:sld>
+</file>
+
+<file path=ppt/slides/slide8.xml><?xml version="1.0" encoding="utf-8"?>
+<p:sld xmlns:a="http://schemas.openxmlformats.org/drawingml/2006/main" xmlns:r="http://schemas.openxmlformats.org/officeDocument/2006/relationships" xmlns:p="http://schemas.openxmlformats.org/presentationml/2006/main">
+  <p:cSld>
+    <p:spTree>
+      <p:nvGrpSpPr>
+        <p:cNvPr id="1" name=""/>
+        <p:cNvGrpSpPr/>
+        <p:nvPr/>
+      </p:nvGrpSpPr>
+      <p:grpSpPr>
+        <a:xfrm>
+          <a:off x="0" y="0"/>
+          <a:ext cx="0" cy="0"/>
+          <a:chOff x="0" y="0"/>
+          <a:chExt cx="0" cy="0"/>
+        </a:xfrm>
+      </p:grpSpPr>
+      <p:sp>
+        <p:nvSpPr>
+          <p:cNvPr id="3" name="Content Placeholder 2">
+            <a:extLst>
+              <a:ext uri="{FF2B5EF4-FFF2-40B4-BE49-F238E27FC236}">
+                <a16:creationId xmlns:a16="http://schemas.microsoft.com/office/drawing/2014/main" id="{6CF408CB-54E2-C14D-98EC-E6D5AE1684C5}"/>
+              </a:ext>
+            </a:extLst>
+          </p:cNvPr>
+          <p:cNvSpPr>
+            <a:spLocks noGrp="1"/>
+          </p:cNvSpPr>
+          <p:nvPr>
+            <p:ph idx="1"/>
+          </p:nvPr>
+        </p:nvSpPr>
+        <p:spPr/>
+        <p:txBody>
+          <a:bodyPr/>
+          <a:lstStyle/>
+          <a:p>
+            <a:r>
+              <a:rPr lang="en-US" dirty="0"/>
+              <a:t>Pros</a:t>
+            </a:r>
+          </a:p>
+          <a:p>
+            <a:pPr lvl="1"/>
+            <a:r>
+              <a:rPr lang="en-US" dirty="0"/>
+              <a:t>Bar chart is good for categories type’s distribution, it gives intuitive relative relation between the categories for the audience</a:t>
+            </a:r>
+          </a:p>
+          <a:p>
+            <a:pPr lvl="1"/>
+            <a:r>
+              <a:rPr lang="en-US" dirty="0"/>
+              <a:t>Bar chart summarizes a large data set by a simplified visual form.</a:t>
+            </a:r>
+          </a:p>
+          <a:p>
+            <a:pPr lvl="1"/>
+            <a:r>
+              <a:rPr lang="en-US" dirty="0"/>
+              <a:t>Bar chart can be easily understood.</a:t>
+            </a:r>
+          </a:p>
+          <a:p>
+            <a:pPr lvl="1"/>
+            <a:r>
+              <a:rPr lang="en-US" dirty="0"/>
+              <a:t>With using title and axis’s help, bar chart can deliver the central idea of the story.</a:t>
+            </a:r>
+          </a:p>
+          <a:p>
+            <a:pPr lvl="1"/>
+            <a:endParaRPr lang="en-US" dirty="0"/>
+          </a:p>
+        </p:txBody>
+      </p:sp>
+      <p:sp>
+        <p:nvSpPr>
+          <p:cNvPr id="6" name="Title 5">
+            <a:extLst>
+              <a:ext uri="{FF2B5EF4-FFF2-40B4-BE49-F238E27FC236}">
+                <a16:creationId xmlns:a16="http://schemas.microsoft.com/office/drawing/2014/main" id="{27E8A2D3-8986-0F45-90E0-CB0C85259C7D}"/>
+              </a:ext>
+            </a:extLst>
+          </p:cNvPr>
+          <p:cNvSpPr>
+            <a:spLocks noGrp="1"/>
+          </p:cNvSpPr>
+          <p:nvPr>
+            <p:ph type="title"/>
+          </p:nvPr>
+        </p:nvSpPr>
+        <p:spPr>
+          <a:xfrm>
+            <a:off x="838200" y="640080"/>
+            <a:ext cx="10515600" cy="727075"/>
+          </a:xfrm>
+        </p:spPr>
+        <p:txBody>
+          <a:bodyPr/>
+          <a:lstStyle/>
+          <a:p>
+            <a:r>
+              <a:rPr lang="en-US" dirty="0"/>
+              <a:t>Bar Chart Pros &amp; Cons</a:t>
+            </a:r>
+          </a:p>
+        </p:txBody>
+      </p:sp>
+    </p:spTree>
+    <p:extLst>
+      <p:ext uri="{BB962C8B-B14F-4D97-AF65-F5344CB8AC3E}">
+        <p14:creationId xmlns:p14="http://schemas.microsoft.com/office/powerpoint/2010/main" val="1380640371"/>
+      </p:ext>
+    </p:extLst>
+  </p:cSld>
+  <p:clrMapOvr>
+    <a:masterClrMapping/>
+  </p:clrMapOvr>
+</p:sld>
+</file>
+
+<file path=ppt/slides/slide9.xml><?xml version="1.0" encoding="utf-8"?>
+<p:sld xmlns:a="http://schemas.openxmlformats.org/drawingml/2006/main" xmlns:r="http://schemas.openxmlformats.org/officeDocument/2006/relationships" xmlns:p="http://schemas.openxmlformats.org/presentationml/2006/main">
+  <p:cSld>
+    <p:spTree>
+      <p:nvGrpSpPr>
+        <p:cNvPr id="1" name=""/>
+        <p:cNvGrpSpPr/>
+        <p:nvPr/>
+      </p:nvGrpSpPr>
+      <p:grpSpPr>
+        <a:xfrm>
+          <a:off x="0" y="0"/>
+          <a:ext cx="0" cy="0"/>
+          <a:chOff x="0" y="0"/>
+          <a:chExt cx="0" cy="0"/>
+        </a:xfrm>
+      </p:grpSpPr>
+      <p:sp>
+        <p:nvSpPr>
+          <p:cNvPr id="3" name="Content Placeholder 2">
+            <a:extLst>
+              <a:ext uri="{FF2B5EF4-FFF2-40B4-BE49-F238E27FC236}">
+                <a16:creationId xmlns:a16="http://schemas.microsoft.com/office/drawing/2014/main" id="{6CF408CB-54E2-C14D-98EC-E6D5AE1684C5}"/>
+              </a:ext>
+            </a:extLst>
+          </p:cNvPr>
+          <p:cNvSpPr>
+            <a:spLocks noGrp="1"/>
+          </p:cNvSpPr>
+          <p:nvPr>
+            <p:ph idx="1"/>
+          </p:nvPr>
+        </p:nvSpPr>
+        <p:spPr/>
+        <p:txBody>
+          <a:bodyPr/>
+          <a:lstStyle/>
+          <a:p>
+            <a:r>
+              <a:rPr lang="en-US" dirty="0"/>
+              <a:t>Cons</a:t>
+            </a:r>
+          </a:p>
+          <a:p>
+            <a:pPr lvl="1"/>
+            <a:r>
+              <a:rPr lang="en-US" dirty="0"/>
+              <a:t>Bar chart doesn’t give the inside relationship between the category.</a:t>
+            </a:r>
+          </a:p>
+          <a:p>
+            <a:pPr lvl="1"/>
+            <a:r>
+              <a:rPr lang="en-US" dirty="0"/>
+              <a:t>Since it’s simplicity, sometimes bar char need more explanation.</a:t>
+            </a:r>
+          </a:p>
+          <a:p>
+            <a:pPr lvl="1"/>
+            <a:r>
+              <a:rPr lang="en-US" dirty="0"/>
+              <a:t>Different order of bar chart can express different key point of story, sometimes this could be misleading.</a:t>
+            </a:r>
+          </a:p>
+          <a:p>
+            <a:pPr lvl="1"/>
+            <a:endParaRPr lang="en-US" dirty="0"/>
+          </a:p>
+          <a:p>
+            <a:pPr lvl="1"/>
+            <a:endParaRPr lang="en-US" dirty="0"/>
+          </a:p>
+        </p:txBody>
+      </p:sp>
+      <p:sp>
+        <p:nvSpPr>
+          <p:cNvPr id="6" name="Title 5">
+            <a:extLst>
+              <a:ext uri="{FF2B5EF4-FFF2-40B4-BE49-F238E27FC236}">
+                <a16:creationId xmlns:a16="http://schemas.microsoft.com/office/drawing/2014/main" id="{27E8A2D3-8986-0F45-90E0-CB0C85259C7D}"/>
+              </a:ext>
+            </a:extLst>
+          </p:cNvPr>
+          <p:cNvSpPr>
+            <a:spLocks noGrp="1"/>
+          </p:cNvSpPr>
+          <p:nvPr>
+            <p:ph type="title"/>
+          </p:nvPr>
+        </p:nvSpPr>
+        <p:spPr>
+          <a:xfrm>
+            <a:off x="838200" y="640080"/>
+            <a:ext cx="10515600" cy="727075"/>
+          </a:xfrm>
+        </p:spPr>
+        <p:txBody>
+          <a:bodyPr/>
+          <a:lstStyle/>
+          <a:p>
+            <a:r>
+              <a:rPr lang="en-US" dirty="0"/>
+              <a:t>Bar Chart Pros &amp; Cons</a:t>
+            </a:r>
+          </a:p>
+        </p:txBody>
+      </p:sp>
+    </p:spTree>
+    <p:extLst>
+      <p:ext uri="{BB962C8B-B14F-4D97-AF65-F5344CB8AC3E}">
+        <p14:creationId xmlns:p14="http://schemas.microsoft.com/office/powerpoint/2010/main" val="776358163"/>
       </p:ext>
     </p:extLst>
   </p:cSld>

--- a/Stackoverflow Programmer's Story.pptx
+++ b/Stackoverflow Programmer's Story.pptx
@@ -9661,7 +9661,7 @@
         <p:spPr>
           <a:xfrm>
             <a:off x="838200" y="640080"/>
-            <a:ext cx="10515600" cy="5270389"/>
+            <a:ext cx="11353800" cy="5270389"/>
           </a:xfrm>
         </p:spPr>
       </p:pic>
@@ -11236,8 +11236,8 @@
         </p:nvSpPr>
         <p:spPr>
           <a:xfrm>
-            <a:off x="651307" y="640081"/>
-            <a:ext cx="3377183" cy="3681976"/>
+            <a:off x="1" y="640081"/>
+            <a:ext cx="2372138" cy="3693380"/>
           </a:xfrm>
           <a:noFill/>
         </p:spPr>
@@ -11248,7 +11248,7 @@
           <a:lstStyle/>
           <a:p>
             <a:r>
-              <a:rPr lang="en-US"/>
+              <a:rPr lang="en-US" dirty="0"/>
               <a:t>Users by geometry</a:t>
             </a:r>
           </a:p>
@@ -11256,10 +11256,10 @@
       </p:sp>
       <p:pic>
         <p:nvPicPr>
-          <p:cNvPr id="5" name="Content Placeholder 4" descr="A close up of a map&#10;&#10;Description automatically generated">
+          <p:cNvPr id="11" name="Content Placeholder 10" descr="A close up of a map&#10;&#10;Description automatically generated">
             <a:extLst>
               <a:ext uri="{FF2B5EF4-FFF2-40B4-BE49-F238E27FC236}">
-                <a16:creationId xmlns:a16="http://schemas.microsoft.com/office/drawing/2014/main" id="{6B1CD9E3-A4F1-3B4B-8E7E-A475DD7C23E7}"/>
+                <a16:creationId xmlns:a16="http://schemas.microsoft.com/office/drawing/2014/main" id="{B4FA805D-51CF-EC4C-99CF-9A21C5081773}"/>
               </a:ext>
             </a:extLst>
           </p:cNvPr>
@@ -11270,7 +11270,7 @@
             <p:ph idx="1"/>
           </p:nvPr>
         </p:nvPicPr>
-        <p:blipFill rotWithShape="1">
+        <p:blipFill>
           <a:blip r:embed="rId3">
             <a:extLst>
               <a:ext uri="{28A0092B-C50C-407E-A947-70E740481C1C}">
@@ -11278,17 +11278,15 @@
               </a:ext>
             </a:extLst>
           </a:blip>
-          <a:srcRect l="2546" r="13098" b="1"/>
-          <a:stretch/>
+          <a:stretch>
+            <a:fillRect/>
+          </a:stretch>
         </p:blipFill>
         <p:spPr>
           <a:xfrm>
-            <a:off x="3114261" y="10"/>
-            <a:ext cx="9077740" cy="6857990"/>
-          </a:xfrm>
-          <a:prstGeom prst="rect">
-            <a:avLst/>
-          </a:prstGeom>
+            <a:off x="2252870" y="543338"/>
+            <a:ext cx="9939130" cy="5579165"/>
+          </a:xfrm>
         </p:spPr>
       </p:pic>
     </p:spTree>
@@ -11574,10 +11572,10 @@
       </p:grpSpPr>
       <p:pic>
         <p:nvPicPr>
-          <p:cNvPr id="5" name="Content Placeholder 4" descr="A screenshot of a cell phone&#10;&#10;Description automatically generated">
+          <p:cNvPr id="6" name="Content Placeholder 5" descr="A screenshot of a social media post&#10;&#10;Description automatically generated">
             <a:extLst>
               <a:ext uri="{FF2B5EF4-FFF2-40B4-BE49-F238E27FC236}">
-                <a16:creationId xmlns:a16="http://schemas.microsoft.com/office/drawing/2014/main" id="{D3FAC722-4875-D442-8B73-FD5693DE20AA}"/>
+                <a16:creationId xmlns:a16="http://schemas.microsoft.com/office/drawing/2014/main" id="{8129F6BC-D1C1-D641-8ED2-E5E75753F1C3}"/>
               </a:ext>
             </a:extLst>
           </p:cNvPr>
@@ -11602,8 +11600,8 @@
         </p:blipFill>
         <p:spPr>
           <a:xfrm>
-            <a:off x="838201" y="1232452"/>
-            <a:ext cx="5112025" cy="4679342"/>
+            <a:off x="556591" y="569843"/>
+            <a:ext cx="11635409" cy="5526157"/>
           </a:xfrm>
         </p:spPr>
       </p:pic>

--- a/Stackoverflow Programmer's Story.pptx
+++ b/Stackoverflow Programmer's Story.pptx
@@ -7,7 +7,7 @@
     <p:sldMasterId id="2147483660" r:id="rId3"/>
   </p:sldMasterIdLst>
   <p:notesMasterIdLst>
-    <p:notesMasterId r:id="rId19"/>
+    <p:notesMasterId r:id="rId23"/>
   </p:notesMasterIdLst>
   <p:sldIdLst>
     <p:sldId id="348" r:id="rId4"/>
@@ -25,6 +25,10 @@
     <p:sldId id="362" r:id="rId16"/>
     <p:sldId id="369" r:id="rId17"/>
     <p:sldId id="370" r:id="rId18"/>
+    <p:sldId id="371" r:id="rId19"/>
+    <p:sldId id="372" r:id="rId20"/>
+    <p:sldId id="373" r:id="rId21"/>
+    <p:sldId id="374" r:id="rId22"/>
   </p:sldIdLst>
   <p:sldSz cx="12192000" cy="6858000"/>
   <p:notesSz cx="6858000" cy="9144000"/>
@@ -1356,7 +1360,7 @@
           <a:p>
             <a:fld id="{8FD391CB-82E8-482B-9305-CB4347FBE118}" type="datetimeFigureOut">
               <a:rPr lang="en-US" smtClean="0"/>
-              <a:t>3/30/19</a:t>
+              <a:t>4/2/19</a:t>
             </a:fld>
             <a:endParaRPr lang="en-US"/>
           </a:p>
@@ -10151,7 +10155,7 @@
           <a:p>
             <a:r>
               <a:rPr lang="en-US" dirty="0"/>
-              <a:t>Pros</a:t>
+              <a:t>Cons</a:t>
             </a:r>
           </a:p>
           <a:p>
@@ -10202,7 +10206,7 @@
           <a:p>
             <a:r>
               <a:rPr lang="en-US" dirty="0"/>
-              <a:t>Bar Chart Pros &amp; Cons</a:t>
+              <a:t>Line Chart Pros &amp; Cons</a:t>
             </a:r>
           </a:p>
         </p:txBody>
@@ -10211,6 +10215,442 @@
     <p:extLst>
       <p:ext uri="{BB962C8B-B14F-4D97-AF65-F5344CB8AC3E}">
         <p14:creationId xmlns:p14="http://schemas.microsoft.com/office/powerpoint/2010/main" val="3162720667"/>
+      </p:ext>
+    </p:extLst>
+  </p:cSld>
+  <p:clrMapOvr>
+    <a:masterClrMapping/>
+  </p:clrMapOvr>
+</p:sld>
+</file>
+
+<file path=ppt/slides/slide16.xml><?xml version="1.0" encoding="utf-8"?>
+<p:sld xmlns:a="http://schemas.openxmlformats.org/drawingml/2006/main" xmlns:r="http://schemas.openxmlformats.org/officeDocument/2006/relationships" xmlns:p="http://schemas.openxmlformats.org/presentationml/2006/main">
+  <p:cSld>
+    <p:spTree>
+      <p:nvGrpSpPr>
+        <p:cNvPr id="1" name=""/>
+        <p:cNvGrpSpPr/>
+        <p:nvPr/>
+      </p:nvGrpSpPr>
+      <p:grpSpPr>
+        <a:xfrm>
+          <a:off x="0" y="0"/>
+          <a:ext cx="0" cy="0"/>
+          <a:chOff x="0" y="0"/>
+          <a:chExt cx="0" cy="0"/>
+        </a:xfrm>
+      </p:grpSpPr>
+      <p:sp>
+        <p:nvSpPr>
+          <p:cNvPr id="3" name="Content Placeholder 2">
+            <a:extLst>
+              <a:ext uri="{FF2B5EF4-FFF2-40B4-BE49-F238E27FC236}">
+                <a16:creationId xmlns:a16="http://schemas.microsoft.com/office/drawing/2014/main" id="{6CF408CB-54E2-C14D-98EC-E6D5AE1684C5}"/>
+              </a:ext>
+            </a:extLst>
+          </p:cNvPr>
+          <p:cNvSpPr>
+            <a:spLocks noGrp="1"/>
+          </p:cNvSpPr>
+          <p:nvPr>
+            <p:ph idx="1"/>
+          </p:nvPr>
+        </p:nvSpPr>
+        <p:spPr/>
+        <p:txBody>
+          <a:bodyPr/>
+          <a:lstStyle/>
+          <a:p>
+            <a:pPr lvl="1"/>
+            <a:r>
+              <a:rPr lang="en-US" dirty="0"/>
+              <a:t>In previous design, map chart was using for country distribution for number of participants.</a:t>
+            </a:r>
+          </a:p>
+          <a:p>
+            <a:pPr lvl="1"/>
+            <a:r>
+              <a:rPr lang="en-US" dirty="0"/>
+              <a:t>Color was used to differentiate the numbers, this is not clear</a:t>
+            </a:r>
+          </a:p>
+          <a:p>
+            <a:pPr lvl="1"/>
+            <a:r>
+              <a:rPr lang="en-US" dirty="0"/>
+              <a:t> First try to use size instead of color to represent the numbers</a:t>
+            </a:r>
+          </a:p>
+        </p:txBody>
+      </p:sp>
+      <p:sp>
+        <p:nvSpPr>
+          <p:cNvPr id="6" name="Title 5">
+            <a:extLst>
+              <a:ext uri="{FF2B5EF4-FFF2-40B4-BE49-F238E27FC236}">
+                <a16:creationId xmlns:a16="http://schemas.microsoft.com/office/drawing/2014/main" id="{27E8A2D3-8986-0F45-90E0-CB0C85259C7D}"/>
+              </a:ext>
+            </a:extLst>
+          </p:cNvPr>
+          <p:cNvSpPr>
+            <a:spLocks noGrp="1"/>
+          </p:cNvSpPr>
+          <p:nvPr>
+            <p:ph type="title"/>
+          </p:nvPr>
+        </p:nvSpPr>
+        <p:spPr>
+          <a:xfrm>
+            <a:off x="838200" y="640080"/>
+            <a:ext cx="10515600" cy="727075"/>
+          </a:xfrm>
+        </p:spPr>
+        <p:txBody>
+          <a:bodyPr/>
+          <a:lstStyle/>
+          <a:p>
+            <a:r>
+              <a:rPr lang="en-US" dirty="0"/>
+              <a:t>Redesign</a:t>
+            </a:r>
+          </a:p>
+        </p:txBody>
+      </p:sp>
+    </p:spTree>
+    <p:extLst>
+      <p:ext uri="{BB962C8B-B14F-4D97-AF65-F5344CB8AC3E}">
+        <p14:creationId xmlns:p14="http://schemas.microsoft.com/office/powerpoint/2010/main" val="1569187807"/>
+      </p:ext>
+    </p:extLst>
+  </p:cSld>
+  <p:clrMapOvr>
+    <a:masterClrMapping/>
+  </p:clrMapOvr>
+</p:sld>
+</file>
+
+<file path=ppt/slides/slide17.xml><?xml version="1.0" encoding="utf-8"?>
+<p:sld xmlns:a="http://schemas.openxmlformats.org/drawingml/2006/main" xmlns:r="http://schemas.openxmlformats.org/officeDocument/2006/relationships" xmlns:p="http://schemas.openxmlformats.org/presentationml/2006/main">
+  <p:cSld>
+    <p:spTree>
+      <p:nvGrpSpPr>
+        <p:cNvPr id="1" name=""/>
+        <p:cNvGrpSpPr/>
+        <p:nvPr/>
+      </p:nvGrpSpPr>
+      <p:grpSpPr>
+        <a:xfrm>
+          <a:off x="0" y="0"/>
+          <a:ext cx="0" cy="0"/>
+          <a:chOff x="0" y="0"/>
+          <a:chExt cx="0" cy="0"/>
+        </a:xfrm>
+      </p:grpSpPr>
+      <p:sp>
+        <p:nvSpPr>
+          <p:cNvPr id="6" name="Title 5">
+            <a:extLst>
+              <a:ext uri="{FF2B5EF4-FFF2-40B4-BE49-F238E27FC236}">
+                <a16:creationId xmlns:a16="http://schemas.microsoft.com/office/drawing/2014/main" id="{27E8A2D3-8986-0F45-90E0-CB0C85259C7D}"/>
+              </a:ext>
+            </a:extLst>
+          </p:cNvPr>
+          <p:cNvSpPr>
+            <a:spLocks noGrp="1"/>
+          </p:cNvSpPr>
+          <p:nvPr>
+            <p:ph type="title"/>
+          </p:nvPr>
+        </p:nvSpPr>
+        <p:spPr>
+          <a:xfrm>
+            <a:off x="838200" y="640080"/>
+            <a:ext cx="10515600" cy="727075"/>
+          </a:xfrm>
+        </p:spPr>
+        <p:txBody>
+          <a:bodyPr/>
+          <a:lstStyle/>
+          <a:p>
+            <a:r>
+              <a:rPr lang="en-US" dirty="0"/>
+              <a:t>Redesign</a:t>
+            </a:r>
+          </a:p>
+        </p:txBody>
+      </p:sp>
+      <p:pic>
+        <p:nvPicPr>
+          <p:cNvPr id="7" name="Content Placeholder 6" descr="A close up of a map&#10;&#10;Description automatically generated">
+            <a:extLst>
+              <a:ext uri="{FF2B5EF4-FFF2-40B4-BE49-F238E27FC236}">
+                <a16:creationId xmlns:a16="http://schemas.microsoft.com/office/drawing/2014/main" id="{DA8D0971-B525-4846-A774-ABE509B6AAE1}"/>
+              </a:ext>
+            </a:extLst>
+          </p:cNvPr>
+          <p:cNvPicPr>
+            <a:picLocks noGrp="1" noChangeAspect="1"/>
+          </p:cNvPicPr>
+          <p:nvPr>
+            <p:ph idx="1"/>
+          </p:nvPr>
+        </p:nvPicPr>
+        <p:blipFill>
+          <a:blip r:embed="rId2">
+            <a:extLst>
+              <a:ext uri="{28A0092B-C50C-407E-A947-70E740481C1C}">
+                <a14:useLocalDpi xmlns:a14="http://schemas.microsoft.com/office/drawing/2010/main" val="0"/>
+              </a:ext>
+            </a:extLst>
+          </a:blip>
+          <a:stretch>
+            <a:fillRect/>
+          </a:stretch>
+        </p:blipFill>
+        <p:spPr>
+          <a:xfrm>
+            <a:off x="954157" y="1367156"/>
+            <a:ext cx="11237843" cy="4728844"/>
+          </a:xfrm>
+        </p:spPr>
+      </p:pic>
+    </p:spTree>
+    <p:extLst>
+      <p:ext uri="{BB962C8B-B14F-4D97-AF65-F5344CB8AC3E}">
+        <p14:creationId xmlns:p14="http://schemas.microsoft.com/office/powerpoint/2010/main" val="29079982"/>
+      </p:ext>
+    </p:extLst>
+  </p:cSld>
+  <p:clrMapOvr>
+    <a:masterClrMapping/>
+  </p:clrMapOvr>
+</p:sld>
+</file>
+
+<file path=ppt/slides/slide18.xml><?xml version="1.0" encoding="utf-8"?>
+<p:sld xmlns:a="http://schemas.openxmlformats.org/drawingml/2006/main" xmlns:r="http://schemas.openxmlformats.org/officeDocument/2006/relationships" xmlns:p="http://schemas.openxmlformats.org/presentationml/2006/main">
+  <p:cSld>
+    <p:spTree>
+      <p:nvGrpSpPr>
+        <p:cNvPr id="1" name=""/>
+        <p:cNvGrpSpPr/>
+        <p:nvPr/>
+      </p:nvGrpSpPr>
+      <p:grpSpPr>
+        <a:xfrm>
+          <a:off x="0" y="0"/>
+          <a:ext cx="0" cy="0"/>
+          <a:chOff x="0" y="0"/>
+          <a:chExt cx="0" cy="0"/>
+        </a:xfrm>
+      </p:grpSpPr>
+      <p:sp>
+        <p:nvSpPr>
+          <p:cNvPr id="3" name="Content Placeholder 2">
+            <a:extLst>
+              <a:ext uri="{FF2B5EF4-FFF2-40B4-BE49-F238E27FC236}">
+                <a16:creationId xmlns:a16="http://schemas.microsoft.com/office/drawing/2014/main" id="{6CF408CB-54E2-C14D-98EC-E6D5AE1684C5}"/>
+              </a:ext>
+            </a:extLst>
+          </p:cNvPr>
+          <p:cNvSpPr>
+            <a:spLocks noGrp="1"/>
+          </p:cNvSpPr>
+          <p:nvPr>
+            <p:ph idx="1"/>
+          </p:nvPr>
+        </p:nvSpPr>
+        <p:spPr/>
+        <p:txBody>
+          <a:bodyPr/>
+          <a:lstStyle/>
+          <a:p>
+            <a:pPr lvl="1"/>
+            <a:r>
+              <a:rPr lang="en-US" dirty="0"/>
+              <a:t>Map chart can’t reflect the ranking of the country</a:t>
+            </a:r>
+          </a:p>
+          <a:p>
+            <a:pPr lvl="1"/>
+            <a:r>
+              <a:rPr lang="en-US" dirty="0"/>
+              <a:t>Size still does not show top N country’s participants</a:t>
+            </a:r>
+          </a:p>
+          <a:p>
+            <a:pPr lvl="1"/>
+            <a:r>
+              <a:rPr lang="en-US" dirty="0"/>
+              <a:t>By size, what audience only see the relative size that this could misleading.</a:t>
+            </a:r>
+          </a:p>
+          <a:p>
+            <a:pPr lvl="1"/>
+            <a:r>
+              <a:rPr lang="en-US" dirty="0"/>
+              <a:t>Change the chart to horizontal bar chart</a:t>
+            </a:r>
+          </a:p>
+          <a:p>
+            <a:pPr lvl="1"/>
+            <a:r>
+              <a:rPr lang="en-US" dirty="0"/>
+              <a:t>Make top 10 participated country with blue and all other countries are grey.</a:t>
+            </a:r>
+          </a:p>
+          <a:p>
+            <a:pPr lvl="1"/>
+            <a:r>
+              <a:rPr lang="en-US" dirty="0"/>
+              <a:t>Axis was changed to 5k as span</a:t>
+            </a:r>
+          </a:p>
+          <a:p>
+            <a:pPr lvl="1"/>
+            <a:r>
+              <a:rPr lang="en-US" dirty="0"/>
+              <a:t>Top 10 country title was changed to same color as bar color.</a:t>
+            </a:r>
+          </a:p>
+        </p:txBody>
+      </p:sp>
+      <p:sp>
+        <p:nvSpPr>
+          <p:cNvPr id="6" name="Title 5">
+            <a:extLst>
+              <a:ext uri="{FF2B5EF4-FFF2-40B4-BE49-F238E27FC236}">
+                <a16:creationId xmlns:a16="http://schemas.microsoft.com/office/drawing/2014/main" id="{27E8A2D3-8986-0F45-90E0-CB0C85259C7D}"/>
+              </a:ext>
+            </a:extLst>
+          </p:cNvPr>
+          <p:cNvSpPr>
+            <a:spLocks noGrp="1"/>
+          </p:cNvSpPr>
+          <p:nvPr>
+            <p:ph type="title"/>
+          </p:nvPr>
+        </p:nvSpPr>
+        <p:spPr>
+          <a:xfrm>
+            <a:off x="838200" y="640080"/>
+            <a:ext cx="10515600" cy="727075"/>
+          </a:xfrm>
+        </p:spPr>
+        <p:txBody>
+          <a:bodyPr/>
+          <a:lstStyle/>
+          <a:p>
+            <a:r>
+              <a:rPr lang="en-US" dirty="0"/>
+              <a:t>Redesign</a:t>
+            </a:r>
+          </a:p>
+        </p:txBody>
+      </p:sp>
+    </p:spTree>
+    <p:extLst>
+      <p:ext uri="{BB962C8B-B14F-4D97-AF65-F5344CB8AC3E}">
+        <p14:creationId xmlns:p14="http://schemas.microsoft.com/office/powerpoint/2010/main" val="4250497800"/>
+      </p:ext>
+    </p:extLst>
+  </p:cSld>
+  <p:clrMapOvr>
+    <a:masterClrMapping/>
+  </p:clrMapOvr>
+</p:sld>
+</file>
+
+<file path=ppt/slides/slide19.xml><?xml version="1.0" encoding="utf-8"?>
+<p:sld xmlns:a="http://schemas.openxmlformats.org/drawingml/2006/main" xmlns:r="http://schemas.openxmlformats.org/officeDocument/2006/relationships" xmlns:p="http://schemas.openxmlformats.org/presentationml/2006/main">
+  <p:cSld>
+    <p:spTree>
+      <p:nvGrpSpPr>
+        <p:cNvPr id="1" name=""/>
+        <p:cNvGrpSpPr/>
+        <p:nvPr/>
+      </p:nvGrpSpPr>
+      <p:grpSpPr>
+        <a:xfrm>
+          <a:off x="0" y="0"/>
+          <a:ext cx="0" cy="0"/>
+          <a:chOff x="0" y="0"/>
+          <a:chExt cx="0" cy="0"/>
+        </a:xfrm>
+      </p:grpSpPr>
+      <p:sp>
+        <p:nvSpPr>
+          <p:cNvPr id="6" name="Title 5">
+            <a:extLst>
+              <a:ext uri="{FF2B5EF4-FFF2-40B4-BE49-F238E27FC236}">
+                <a16:creationId xmlns:a16="http://schemas.microsoft.com/office/drawing/2014/main" id="{27E8A2D3-8986-0F45-90E0-CB0C85259C7D}"/>
+              </a:ext>
+            </a:extLst>
+          </p:cNvPr>
+          <p:cNvSpPr>
+            <a:spLocks noGrp="1"/>
+          </p:cNvSpPr>
+          <p:nvPr>
+            <p:ph type="title"/>
+          </p:nvPr>
+        </p:nvSpPr>
+        <p:spPr>
+          <a:xfrm>
+            <a:off x="838200" y="640080"/>
+            <a:ext cx="10515600" cy="727075"/>
+          </a:xfrm>
+        </p:spPr>
+        <p:txBody>
+          <a:bodyPr/>
+          <a:lstStyle/>
+          <a:p>
+            <a:r>
+              <a:rPr lang="en-US" dirty="0"/>
+              <a:t>Redesign</a:t>
+            </a:r>
+          </a:p>
+        </p:txBody>
+      </p:sp>
+      <p:pic>
+        <p:nvPicPr>
+          <p:cNvPr id="13" name="Content Placeholder 12" descr="A screenshot of a social media post&#10;&#10;Description automatically generated">
+            <a:extLst>
+              <a:ext uri="{FF2B5EF4-FFF2-40B4-BE49-F238E27FC236}">
+                <a16:creationId xmlns:a16="http://schemas.microsoft.com/office/drawing/2014/main" id="{6E7E120C-BDCB-CE47-9EB9-DFAC8CA9E494}"/>
+              </a:ext>
+            </a:extLst>
+          </p:cNvPr>
+          <p:cNvPicPr>
+            <a:picLocks noGrp="1" noChangeAspect="1"/>
+          </p:cNvPicPr>
+          <p:nvPr>
+            <p:ph idx="1"/>
+          </p:nvPr>
+        </p:nvPicPr>
+        <p:blipFill>
+          <a:blip r:embed="rId2">
+            <a:extLst>
+              <a:ext uri="{28A0092B-C50C-407E-A947-70E740481C1C}">
+                <a14:useLocalDpi xmlns:a14="http://schemas.microsoft.com/office/drawing/2010/main" val="0"/>
+              </a:ext>
+            </a:extLst>
+          </a:blip>
+          <a:stretch>
+            <a:fillRect/>
+          </a:stretch>
+        </p:blipFill>
+        <p:spPr>
+          <a:xfrm>
+            <a:off x="2047755" y="1367155"/>
+            <a:ext cx="9306045" cy="4686404"/>
+          </a:xfrm>
+        </p:spPr>
+      </p:pic>
+    </p:spTree>
+    <p:extLst>
+      <p:ext uri="{BB962C8B-B14F-4D97-AF65-F5344CB8AC3E}">
+        <p14:creationId xmlns:p14="http://schemas.microsoft.com/office/powerpoint/2010/main" val="3144877907"/>
       </p:ext>
     </p:extLst>
   </p:cSld>

--- a/Stackoverflow Programmer's Story.pptx
+++ b/Stackoverflow Programmer's Story.pptx
@@ -1278,6 +1278,3087 @@
 </cs:chartStyle>
 </file>
 
+<file path=ppt/diagrams/colors1.xml><?xml version="1.0" encoding="utf-8"?>
+<dgm:colorsDef xmlns:dgm="http://schemas.openxmlformats.org/drawingml/2006/diagram" xmlns:a="http://schemas.openxmlformats.org/drawingml/2006/main" uniqueId="urn:microsoft.com/office/officeart/2005/8/colors/colorful1">
+  <dgm:title val=""/>
+  <dgm:desc val=""/>
+  <dgm:catLst>
+    <dgm:cat type="colorful" pri="10100"/>
+  </dgm:catLst>
+  <dgm:styleLbl name="node0">
+    <dgm:fillClrLst meth="repeat">
+      <a:schemeClr val="accent1"/>
+    </dgm:fillClrLst>
+    <dgm:linClrLst meth="repeat">
+      <a:schemeClr val="lt1"/>
+    </dgm:linClrLst>
+    <dgm:effectClrLst/>
+    <dgm:txLinClrLst/>
+    <dgm:txFillClrLst/>
+    <dgm:txEffectClrLst/>
+  </dgm:styleLbl>
+  <dgm:styleLbl name="node1">
+    <dgm:fillClrLst meth="repeat">
+      <a:schemeClr val="accent2"/>
+      <a:schemeClr val="accent3"/>
+      <a:schemeClr val="accent4"/>
+      <a:schemeClr val="accent5"/>
+      <a:schemeClr val="accent6"/>
+    </dgm:fillClrLst>
+    <dgm:linClrLst meth="repeat">
+      <a:schemeClr val="lt1"/>
+    </dgm:linClrLst>
+    <dgm:effectClrLst/>
+    <dgm:txLinClrLst/>
+    <dgm:txFillClrLst/>
+    <dgm:txEffectClrLst/>
+  </dgm:styleLbl>
+  <dgm:styleLbl name="alignNode1">
+    <dgm:fillClrLst meth="repeat">
+      <a:schemeClr val="accent2"/>
+      <a:schemeClr val="accent3"/>
+      <a:schemeClr val="accent4"/>
+      <a:schemeClr val="accent5"/>
+      <a:schemeClr val="accent6"/>
+    </dgm:fillClrLst>
+    <dgm:linClrLst meth="repeat">
+      <a:schemeClr val="accent2"/>
+      <a:schemeClr val="accent3"/>
+      <a:schemeClr val="accent4"/>
+      <a:schemeClr val="accent5"/>
+      <a:schemeClr val="accent6"/>
+    </dgm:linClrLst>
+    <dgm:effectClrLst/>
+    <dgm:txLinClrLst/>
+    <dgm:txFillClrLst/>
+    <dgm:txEffectClrLst/>
+  </dgm:styleLbl>
+  <dgm:styleLbl name="lnNode1">
+    <dgm:fillClrLst meth="repeat">
+      <a:schemeClr val="accent2"/>
+      <a:schemeClr val="accent3"/>
+      <a:schemeClr val="accent4"/>
+      <a:schemeClr val="accent5"/>
+      <a:schemeClr val="accent6"/>
+    </dgm:fillClrLst>
+    <dgm:linClrLst meth="repeat">
+      <a:schemeClr val="lt1"/>
+    </dgm:linClrLst>
+    <dgm:effectClrLst/>
+    <dgm:txLinClrLst/>
+    <dgm:txFillClrLst/>
+    <dgm:txEffectClrLst/>
+  </dgm:styleLbl>
+  <dgm:styleLbl name="vennNode1">
+    <dgm:fillClrLst meth="repeat">
+      <a:schemeClr val="accent2">
+        <a:alpha val="50000"/>
+      </a:schemeClr>
+      <a:schemeClr val="accent3">
+        <a:alpha val="50000"/>
+      </a:schemeClr>
+      <a:schemeClr val="accent4">
+        <a:alpha val="50000"/>
+      </a:schemeClr>
+      <a:schemeClr val="accent5">
+        <a:alpha val="50000"/>
+      </a:schemeClr>
+      <a:schemeClr val="accent6">
+        <a:alpha val="50000"/>
+      </a:schemeClr>
+    </dgm:fillClrLst>
+    <dgm:linClrLst meth="repeat">
+      <a:schemeClr val="lt1"/>
+    </dgm:linClrLst>
+    <dgm:effectClrLst/>
+    <dgm:txLinClrLst/>
+    <dgm:txFillClrLst/>
+    <dgm:txEffectClrLst/>
+  </dgm:styleLbl>
+  <dgm:styleLbl name="node2">
+    <dgm:fillClrLst>
+      <a:schemeClr val="accent2"/>
+    </dgm:fillClrLst>
+    <dgm:linClrLst meth="repeat">
+      <a:schemeClr val="lt1"/>
+    </dgm:linClrLst>
+    <dgm:effectClrLst/>
+    <dgm:txLinClrLst/>
+    <dgm:txFillClrLst/>
+    <dgm:txEffectClrLst/>
+  </dgm:styleLbl>
+  <dgm:styleLbl name="node3">
+    <dgm:fillClrLst>
+      <a:schemeClr val="accent3"/>
+    </dgm:fillClrLst>
+    <dgm:linClrLst meth="repeat">
+      <a:schemeClr val="lt1"/>
+    </dgm:linClrLst>
+    <dgm:effectClrLst/>
+    <dgm:txLinClrLst/>
+    <dgm:txFillClrLst/>
+    <dgm:txEffectClrLst/>
+  </dgm:styleLbl>
+  <dgm:styleLbl name="node4">
+    <dgm:fillClrLst>
+      <a:schemeClr val="accent4"/>
+    </dgm:fillClrLst>
+    <dgm:linClrLst meth="repeat">
+      <a:schemeClr val="lt1"/>
+    </dgm:linClrLst>
+    <dgm:effectClrLst/>
+    <dgm:txLinClrLst/>
+    <dgm:txFillClrLst/>
+    <dgm:txEffectClrLst/>
+  </dgm:styleLbl>
+  <dgm:styleLbl name="fgImgPlace1">
+    <dgm:fillClrLst meth="repeat">
+      <a:schemeClr val="accent2">
+        <a:tint val="50000"/>
+      </a:schemeClr>
+      <a:schemeClr val="accent3">
+        <a:tint val="50000"/>
+      </a:schemeClr>
+      <a:schemeClr val="accent4">
+        <a:tint val="50000"/>
+      </a:schemeClr>
+      <a:schemeClr val="accent5">
+        <a:tint val="50000"/>
+      </a:schemeClr>
+      <a:schemeClr val="accent6">
+        <a:tint val="50000"/>
+      </a:schemeClr>
+    </dgm:fillClrLst>
+    <dgm:linClrLst meth="repeat">
+      <a:schemeClr val="lt1"/>
+    </dgm:linClrLst>
+    <dgm:effectClrLst/>
+    <dgm:txLinClrLst/>
+    <dgm:txFillClrLst meth="repeat">
+      <a:schemeClr val="lt1"/>
+    </dgm:txFillClrLst>
+    <dgm:txEffectClrLst/>
+  </dgm:styleLbl>
+  <dgm:styleLbl name="alignImgPlace1">
+    <dgm:fillClrLst>
+      <a:schemeClr val="accent1">
+        <a:tint val="50000"/>
+      </a:schemeClr>
+      <a:schemeClr val="accent2">
+        <a:tint val="20000"/>
+      </a:schemeClr>
+    </dgm:fillClrLst>
+    <dgm:linClrLst meth="repeat">
+      <a:schemeClr val="lt1"/>
+    </dgm:linClrLst>
+    <dgm:effectClrLst/>
+    <dgm:txLinClrLst/>
+    <dgm:txFillClrLst meth="repeat">
+      <a:schemeClr val="lt1"/>
+    </dgm:txFillClrLst>
+    <dgm:txEffectClrLst/>
+  </dgm:styleLbl>
+  <dgm:styleLbl name="bgImgPlace1">
+    <dgm:fillClrLst>
+      <a:schemeClr val="accent1">
+        <a:tint val="50000"/>
+      </a:schemeClr>
+      <a:schemeClr val="accent2">
+        <a:tint val="20000"/>
+      </a:schemeClr>
+    </dgm:fillClrLst>
+    <dgm:linClrLst meth="repeat">
+      <a:schemeClr val="lt1"/>
+    </dgm:linClrLst>
+    <dgm:effectClrLst/>
+    <dgm:txLinClrLst/>
+    <dgm:txFillClrLst meth="repeat">
+      <a:schemeClr val="lt1"/>
+    </dgm:txFillClrLst>
+    <dgm:txEffectClrLst/>
+  </dgm:styleLbl>
+  <dgm:styleLbl name="sibTrans2D1">
+    <dgm:fillClrLst meth="repeat">
+      <a:schemeClr val="accent2"/>
+      <a:schemeClr val="accent3"/>
+      <a:schemeClr val="accent4"/>
+      <a:schemeClr val="accent5"/>
+      <a:schemeClr val="accent6"/>
+    </dgm:fillClrLst>
+    <dgm:linClrLst meth="cycle">
+      <a:schemeClr val="lt1"/>
+    </dgm:linClrLst>
+    <dgm:effectClrLst/>
+    <dgm:txLinClrLst/>
+    <dgm:txFillClrLst/>
+    <dgm:txEffectClrLst/>
+  </dgm:styleLbl>
+  <dgm:styleLbl name="fgSibTrans2D1">
+    <dgm:fillClrLst meth="repeat">
+      <a:schemeClr val="accent2"/>
+      <a:schemeClr val="accent3"/>
+      <a:schemeClr val="accent4"/>
+      <a:schemeClr val="accent5"/>
+      <a:schemeClr val="accent6"/>
+    </dgm:fillClrLst>
+    <dgm:linClrLst meth="cycle">
+      <a:schemeClr val="lt1"/>
+    </dgm:linClrLst>
+    <dgm:effectClrLst/>
+    <dgm:txLinClrLst/>
+    <dgm:txFillClrLst meth="repeat">
+      <a:schemeClr val="lt1"/>
+    </dgm:txFillClrLst>
+    <dgm:txEffectClrLst/>
+  </dgm:styleLbl>
+  <dgm:styleLbl name="bgSibTrans2D1">
+    <dgm:fillClrLst meth="repeat">
+      <a:schemeClr val="accent2"/>
+      <a:schemeClr val="accent3"/>
+      <a:schemeClr val="accent4"/>
+      <a:schemeClr val="accent5"/>
+      <a:schemeClr val="accent6"/>
+    </dgm:fillClrLst>
+    <dgm:linClrLst meth="cycle">
+      <a:schemeClr val="lt1"/>
+    </dgm:linClrLst>
+    <dgm:effectClrLst/>
+    <dgm:txLinClrLst/>
+    <dgm:txFillClrLst meth="repeat">
+      <a:schemeClr val="lt1"/>
+    </dgm:txFillClrLst>
+    <dgm:txEffectClrLst/>
+  </dgm:styleLbl>
+  <dgm:styleLbl name="sibTrans1D1">
+    <dgm:fillClrLst meth="repeat">
+      <a:schemeClr val="accent2"/>
+      <a:schemeClr val="accent3"/>
+      <a:schemeClr val="accent4"/>
+      <a:schemeClr val="accent5"/>
+      <a:schemeClr val="accent6"/>
+    </dgm:fillClrLst>
+    <dgm:linClrLst meth="repeat">
+      <a:schemeClr val="accent2"/>
+      <a:schemeClr val="accent3"/>
+      <a:schemeClr val="accent4"/>
+      <a:schemeClr val="accent5"/>
+      <a:schemeClr val="accent6"/>
+    </dgm:linClrLst>
+    <dgm:effectClrLst/>
+    <dgm:txLinClrLst/>
+    <dgm:txFillClrLst meth="repeat">
+      <a:schemeClr val="tx1"/>
+    </dgm:txFillClrLst>
+    <dgm:txEffectClrLst/>
+  </dgm:styleLbl>
+  <dgm:styleLbl name="callout">
+    <dgm:fillClrLst meth="repeat">
+      <a:schemeClr val="accent2"/>
+    </dgm:fillClrLst>
+    <dgm:linClrLst meth="repeat">
+      <a:schemeClr val="accent2">
+        <a:tint val="50000"/>
+      </a:schemeClr>
+    </dgm:linClrLst>
+    <dgm:effectClrLst/>
+    <dgm:txLinClrLst/>
+    <dgm:txFillClrLst meth="repeat">
+      <a:schemeClr val="tx1"/>
+    </dgm:txFillClrLst>
+    <dgm:txEffectClrLst/>
+  </dgm:styleLbl>
+  <dgm:styleLbl name="asst0">
+    <dgm:fillClrLst meth="repeat">
+      <a:schemeClr val="accent1"/>
+    </dgm:fillClrLst>
+    <dgm:linClrLst meth="repeat">
+      <a:schemeClr val="lt1"/>
+    </dgm:linClrLst>
+    <dgm:effectClrLst/>
+    <dgm:txLinClrLst/>
+    <dgm:txFillClrLst/>
+    <dgm:txEffectClrLst/>
+  </dgm:styleLbl>
+  <dgm:styleLbl name="asst1">
+    <dgm:fillClrLst meth="repeat">
+      <a:schemeClr val="accent2"/>
+    </dgm:fillClrLst>
+    <dgm:linClrLst meth="repeat">
+      <a:schemeClr val="lt1"/>
+    </dgm:linClrLst>
+    <dgm:effectClrLst/>
+    <dgm:txLinClrLst/>
+    <dgm:txFillClrLst/>
+    <dgm:txEffectClrLst/>
+  </dgm:styleLbl>
+  <dgm:styleLbl name="asst2">
+    <dgm:fillClrLst>
+      <a:schemeClr val="accent3"/>
+    </dgm:fillClrLst>
+    <dgm:linClrLst meth="repeat">
+      <a:schemeClr val="lt1"/>
+    </dgm:linClrLst>
+    <dgm:effectClrLst/>
+    <dgm:txLinClrLst/>
+    <dgm:txFillClrLst/>
+    <dgm:txEffectClrLst/>
+  </dgm:styleLbl>
+  <dgm:styleLbl name="asst3">
+    <dgm:fillClrLst>
+      <a:schemeClr val="accent4"/>
+    </dgm:fillClrLst>
+    <dgm:linClrLst meth="repeat">
+      <a:schemeClr val="lt1"/>
+    </dgm:linClrLst>
+    <dgm:effectClrLst/>
+    <dgm:txLinClrLst/>
+    <dgm:txFillClrLst/>
+    <dgm:txEffectClrLst/>
+  </dgm:styleLbl>
+  <dgm:styleLbl name="asst4">
+    <dgm:fillClrLst>
+      <a:schemeClr val="accent5"/>
+    </dgm:fillClrLst>
+    <dgm:linClrLst meth="repeat">
+      <a:schemeClr val="lt1"/>
+    </dgm:linClrLst>
+    <dgm:effectClrLst/>
+    <dgm:txLinClrLst/>
+    <dgm:txFillClrLst/>
+    <dgm:txEffectClrLst/>
+  </dgm:styleLbl>
+  <dgm:styleLbl name="parChTrans2D1">
+    <dgm:fillClrLst meth="repeat">
+      <a:schemeClr val="accent2"/>
+    </dgm:fillClrLst>
+    <dgm:linClrLst meth="repeat">
+      <a:schemeClr val="lt1"/>
+    </dgm:linClrLst>
+    <dgm:effectClrLst/>
+    <dgm:txLinClrLst/>
+    <dgm:txFillClrLst meth="repeat">
+      <a:schemeClr val="lt1"/>
+    </dgm:txFillClrLst>
+    <dgm:txEffectClrLst/>
+  </dgm:styleLbl>
+  <dgm:styleLbl name="parChTrans2D2">
+    <dgm:fillClrLst meth="repeat">
+      <a:schemeClr val="accent3"/>
+    </dgm:fillClrLst>
+    <dgm:linClrLst meth="repeat">
+      <a:schemeClr val="lt1"/>
+    </dgm:linClrLst>
+    <dgm:effectClrLst/>
+    <dgm:txLinClrLst/>
+    <dgm:txFillClrLst/>
+    <dgm:txEffectClrLst/>
+  </dgm:styleLbl>
+  <dgm:styleLbl name="parChTrans2D3">
+    <dgm:fillClrLst meth="repeat">
+      <a:schemeClr val="accent4"/>
+    </dgm:fillClrLst>
+    <dgm:linClrLst meth="repeat">
+      <a:schemeClr val="lt1"/>
+    </dgm:linClrLst>
+    <dgm:effectClrLst/>
+    <dgm:txLinClrLst/>
+    <dgm:txFillClrLst/>
+    <dgm:txEffectClrLst/>
+  </dgm:styleLbl>
+  <dgm:styleLbl name="parChTrans2D4">
+    <dgm:fillClrLst meth="repeat">
+      <a:schemeClr val="accent5"/>
+    </dgm:fillClrLst>
+    <dgm:linClrLst meth="repeat">
+      <a:schemeClr val="lt1"/>
+    </dgm:linClrLst>
+    <dgm:effectClrLst/>
+    <dgm:txLinClrLst/>
+    <dgm:txFillClrLst meth="repeat">
+      <a:schemeClr val="lt1"/>
+    </dgm:txFillClrLst>
+    <dgm:txEffectClrLst/>
+  </dgm:styleLbl>
+  <dgm:styleLbl name="parChTrans1D1">
+    <dgm:fillClrLst meth="repeat">
+      <a:schemeClr val="accent2"/>
+    </dgm:fillClrLst>
+    <dgm:linClrLst meth="repeat">
+      <a:schemeClr val="accent1"/>
+    </dgm:linClrLst>
+    <dgm:effectClrLst/>
+    <dgm:txLinClrLst/>
+    <dgm:txFillClrLst meth="repeat">
+      <a:schemeClr val="tx1"/>
+    </dgm:txFillClrLst>
+    <dgm:txEffectClrLst/>
+  </dgm:styleLbl>
+  <dgm:styleLbl name="parChTrans1D2">
+    <dgm:fillClrLst meth="repeat">
+      <a:schemeClr val="accent3">
+        <a:tint val="90000"/>
+      </a:schemeClr>
+    </dgm:fillClrLst>
+    <dgm:linClrLst meth="repeat">
+      <a:schemeClr val="accent2"/>
+    </dgm:linClrLst>
+    <dgm:effectClrLst/>
+    <dgm:txLinClrLst/>
+    <dgm:txFillClrLst meth="repeat">
+      <a:schemeClr val="tx1"/>
+    </dgm:txFillClrLst>
+    <dgm:txEffectClrLst/>
+  </dgm:styleLbl>
+  <dgm:styleLbl name="parChTrans1D3">
+    <dgm:fillClrLst meth="repeat">
+      <a:schemeClr val="accent4">
+        <a:tint val="70000"/>
+      </a:schemeClr>
+    </dgm:fillClrLst>
+    <dgm:linClrLst meth="repeat">
+      <a:schemeClr val="accent3"/>
+    </dgm:linClrLst>
+    <dgm:effectClrLst/>
+    <dgm:txLinClrLst/>
+    <dgm:txFillClrLst meth="repeat">
+      <a:schemeClr val="tx1"/>
+    </dgm:txFillClrLst>
+    <dgm:txEffectClrLst/>
+  </dgm:styleLbl>
+  <dgm:styleLbl name="parChTrans1D4">
+    <dgm:fillClrLst meth="repeat">
+      <a:schemeClr val="accent5">
+        <a:tint val="50000"/>
+      </a:schemeClr>
+    </dgm:fillClrLst>
+    <dgm:linClrLst meth="repeat">
+      <a:schemeClr val="accent4"/>
+    </dgm:linClrLst>
+    <dgm:effectClrLst/>
+    <dgm:txLinClrLst/>
+    <dgm:txFillClrLst meth="repeat">
+      <a:schemeClr val="tx1"/>
+    </dgm:txFillClrLst>
+    <dgm:txEffectClrLst/>
+  </dgm:styleLbl>
+  <dgm:styleLbl name="fgAcc1">
+    <dgm:fillClrLst meth="repeat">
+      <a:schemeClr val="lt1">
+        <a:alpha val="90000"/>
+      </a:schemeClr>
+    </dgm:fillClrLst>
+    <dgm:linClrLst meth="repeat">
+      <a:schemeClr val="accent2"/>
+      <a:schemeClr val="accent3"/>
+      <a:schemeClr val="accent4"/>
+      <a:schemeClr val="accent5"/>
+      <a:schemeClr val="accent6"/>
+    </dgm:linClrLst>
+    <dgm:effectClrLst/>
+    <dgm:txLinClrLst/>
+    <dgm:txFillClrLst meth="repeat">
+      <a:schemeClr val="dk1"/>
+    </dgm:txFillClrLst>
+    <dgm:txEffectClrLst/>
+  </dgm:styleLbl>
+  <dgm:styleLbl name="conFgAcc1">
+    <dgm:fillClrLst meth="repeat">
+      <a:schemeClr val="lt1">
+        <a:alpha val="90000"/>
+      </a:schemeClr>
+    </dgm:fillClrLst>
+    <dgm:linClrLst meth="repeat">
+      <a:schemeClr val="accent2"/>
+      <a:schemeClr val="accent3"/>
+      <a:schemeClr val="accent4"/>
+      <a:schemeClr val="accent5"/>
+      <a:schemeClr val="accent6"/>
+    </dgm:linClrLst>
+    <dgm:effectClrLst/>
+    <dgm:txLinClrLst/>
+    <dgm:txFillClrLst meth="repeat">
+      <a:schemeClr val="dk1"/>
+    </dgm:txFillClrLst>
+    <dgm:txEffectClrLst/>
+  </dgm:styleLbl>
+  <dgm:styleLbl name="alignAcc1">
+    <dgm:fillClrLst meth="repeat">
+      <a:schemeClr val="lt1">
+        <a:alpha val="90000"/>
+      </a:schemeClr>
+    </dgm:fillClrLst>
+    <dgm:linClrLst meth="repeat">
+      <a:schemeClr val="accent2"/>
+      <a:schemeClr val="accent3"/>
+      <a:schemeClr val="accent4"/>
+      <a:schemeClr val="accent5"/>
+      <a:schemeClr val="accent6"/>
+    </dgm:linClrLst>
+    <dgm:effectClrLst/>
+    <dgm:txLinClrLst/>
+    <dgm:txFillClrLst meth="repeat">
+      <a:schemeClr val="dk1"/>
+    </dgm:txFillClrLst>
+    <dgm:txEffectClrLst/>
+  </dgm:styleLbl>
+  <dgm:styleLbl name="trAlignAcc1">
+    <dgm:fillClrLst meth="repeat">
+      <a:schemeClr val="lt1">
+        <a:alpha val="40000"/>
+      </a:schemeClr>
+    </dgm:fillClrLst>
+    <dgm:linClrLst meth="repeat">
+      <a:schemeClr val="accent1"/>
+    </dgm:linClrLst>
+    <dgm:effectClrLst/>
+    <dgm:txLinClrLst/>
+    <dgm:txFillClrLst meth="repeat">
+      <a:schemeClr val="dk1"/>
+    </dgm:txFillClrLst>
+    <dgm:txEffectClrLst/>
+  </dgm:styleLbl>
+  <dgm:styleLbl name="bgAcc1">
+    <dgm:fillClrLst meth="repeat">
+      <a:schemeClr val="lt1">
+        <a:alpha val="90000"/>
+      </a:schemeClr>
+    </dgm:fillClrLst>
+    <dgm:linClrLst meth="repeat">
+      <a:schemeClr val="accent2"/>
+      <a:schemeClr val="accent3"/>
+      <a:schemeClr val="accent4"/>
+      <a:schemeClr val="accent5"/>
+      <a:schemeClr val="accent6"/>
+    </dgm:linClrLst>
+    <dgm:effectClrLst/>
+    <dgm:txLinClrLst/>
+    <dgm:txFillClrLst meth="repeat">
+      <a:schemeClr val="dk1"/>
+    </dgm:txFillClrLst>
+    <dgm:txEffectClrLst/>
+  </dgm:styleLbl>
+  <dgm:styleLbl name="solidFgAcc1">
+    <dgm:fillClrLst meth="repeat">
+      <a:schemeClr val="lt1"/>
+    </dgm:fillClrLst>
+    <dgm:linClrLst meth="repeat">
+      <a:schemeClr val="accent2"/>
+      <a:schemeClr val="accent3"/>
+      <a:schemeClr val="accent4"/>
+      <a:schemeClr val="accent5"/>
+      <a:schemeClr val="accent6"/>
+    </dgm:linClrLst>
+    <dgm:effectClrLst/>
+    <dgm:txLinClrLst/>
+    <dgm:txFillClrLst meth="repeat">
+      <a:schemeClr val="dk1"/>
+    </dgm:txFillClrLst>
+    <dgm:txEffectClrLst/>
+  </dgm:styleLbl>
+  <dgm:styleLbl name="solidAlignAcc1">
+    <dgm:fillClrLst meth="repeat">
+      <a:schemeClr val="lt1"/>
+    </dgm:fillClrLst>
+    <dgm:linClrLst meth="repeat">
+      <a:schemeClr val="accent2"/>
+      <a:schemeClr val="accent3"/>
+      <a:schemeClr val="accent4"/>
+      <a:schemeClr val="accent5"/>
+      <a:schemeClr val="accent6"/>
+    </dgm:linClrLst>
+    <dgm:effectClrLst/>
+    <dgm:txLinClrLst/>
+    <dgm:txFillClrLst meth="repeat">
+      <a:schemeClr val="dk1"/>
+    </dgm:txFillClrLst>
+    <dgm:txEffectClrLst/>
+  </dgm:styleLbl>
+  <dgm:styleLbl name="solidBgAcc1">
+    <dgm:fillClrLst meth="repeat">
+      <a:schemeClr val="lt1"/>
+    </dgm:fillClrLst>
+    <dgm:linClrLst meth="repeat">
+      <a:schemeClr val="accent2"/>
+      <a:schemeClr val="accent3"/>
+      <a:schemeClr val="accent4"/>
+      <a:schemeClr val="accent5"/>
+      <a:schemeClr val="accent6"/>
+    </dgm:linClrLst>
+    <dgm:effectClrLst/>
+    <dgm:txLinClrLst/>
+    <dgm:txFillClrLst meth="repeat">
+      <a:schemeClr val="dk1"/>
+    </dgm:txFillClrLst>
+    <dgm:txEffectClrLst/>
+  </dgm:styleLbl>
+  <dgm:styleLbl name="fgAccFollowNode1">
+    <dgm:fillClrLst meth="repeat">
+      <a:schemeClr val="accent2">
+        <a:tint val="40000"/>
+        <a:alpha val="90000"/>
+      </a:schemeClr>
+      <a:schemeClr val="accent3">
+        <a:tint val="40000"/>
+        <a:alpha val="90000"/>
+      </a:schemeClr>
+      <a:schemeClr val="accent4">
+        <a:tint val="40000"/>
+        <a:alpha val="90000"/>
+      </a:schemeClr>
+      <a:schemeClr val="accent5">
+        <a:tint val="40000"/>
+        <a:alpha val="90000"/>
+      </a:schemeClr>
+      <a:schemeClr val="accent6">
+        <a:tint val="40000"/>
+        <a:alpha val="90000"/>
+      </a:schemeClr>
+    </dgm:fillClrLst>
+    <dgm:linClrLst meth="repeat">
+      <a:schemeClr val="accent2">
+        <a:tint val="40000"/>
+        <a:alpha val="90000"/>
+      </a:schemeClr>
+      <a:schemeClr val="accent3">
+        <a:tint val="40000"/>
+        <a:alpha val="90000"/>
+      </a:schemeClr>
+      <a:schemeClr val="accent4">
+        <a:tint val="40000"/>
+        <a:alpha val="90000"/>
+      </a:schemeClr>
+      <a:schemeClr val="accent5">
+        <a:tint val="40000"/>
+        <a:alpha val="90000"/>
+      </a:schemeClr>
+      <a:schemeClr val="accent6">
+        <a:tint val="40000"/>
+        <a:alpha val="90000"/>
+      </a:schemeClr>
+    </dgm:linClrLst>
+    <dgm:effectClrLst/>
+    <dgm:txLinClrLst/>
+    <dgm:txFillClrLst meth="repeat">
+      <a:schemeClr val="dk1"/>
+    </dgm:txFillClrLst>
+    <dgm:txEffectClrLst/>
+  </dgm:styleLbl>
+  <dgm:styleLbl name="alignAccFollowNode1">
+    <dgm:fillClrLst meth="repeat">
+      <a:schemeClr val="accent2">
+        <a:tint val="40000"/>
+        <a:alpha val="90000"/>
+      </a:schemeClr>
+      <a:schemeClr val="accent3">
+        <a:tint val="40000"/>
+        <a:alpha val="90000"/>
+      </a:schemeClr>
+      <a:schemeClr val="accent4">
+        <a:tint val="40000"/>
+        <a:alpha val="90000"/>
+      </a:schemeClr>
+      <a:schemeClr val="accent5">
+        <a:tint val="40000"/>
+        <a:alpha val="90000"/>
+      </a:schemeClr>
+      <a:schemeClr val="accent6">
+        <a:tint val="40000"/>
+        <a:alpha val="90000"/>
+      </a:schemeClr>
+    </dgm:fillClrLst>
+    <dgm:linClrLst meth="repeat">
+      <a:schemeClr val="accent2">
+        <a:tint val="40000"/>
+        <a:alpha val="90000"/>
+      </a:schemeClr>
+      <a:schemeClr val="accent3">
+        <a:tint val="40000"/>
+        <a:alpha val="90000"/>
+      </a:schemeClr>
+      <a:schemeClr val="accent4">
+        <a:tint val="40000"/>
+        <a:alpha val="90000"/>
+      </a:schemeClr>
+      <a:schemeClr val="accent5">
+        <a:tint val="40000"/>
+        <a:alpha val="90000"/>
+      </a:schemeClr>
+      <a:schemeClr val="accent6">
+        <a:tint val="40000"/>
+        <a:alpha val="90000"/>
+      </a:schemeClr>
+    </dgm:linClrLst>
+    <dgm:effectClrLst/>
+    <dgm:txLinClrLst/>
+    <dgm:txFillClrLst meth="repeat">
+      <a:schemeClr val="dk1"/>
+    </dgm:txFillClrLst>
+    <dgm:txEffectClrLst/>
+  </dgm:styleLbl>
+  <dgm:styleLbl name="bgAccFollowNode1">
+    <dgm:fillClrLst meth="repeat">
+      <a:schemeClr val="accent2">
+        <a:tint val="40000"/>
+        <a:alpha val="90000"/>
+      </a:schemeClr>
+      <a:schemeClr val="accent3">
+        <a:tint val="40000"/>
+        <a:alpha val="90000"/>
+      </a:schemeClr>
+      <a:schemeClr val="accent4">
+        <a:tint val="40000"/>
+        <a:alpha val="90000"/>
+      </a:schemeClr>
+      <a:schemeClr val="accent5">
+        <a:tint val="40000"/>
+        <a:alpha val="90000"/>
+      </a:schemeClr>
+      <a:schemeClr val="accent6">
+        <a:tint val="40000"/>
+        <a:alpha val="90000"/>
+      </a:schemeClr>
+    </dgm:fillClrLst>
+    <dgm:linClrLst meth="repeat">
+      <a:schemeClr val="accent2">
+        <a:tint val="40000"/>
+        <a:alpha val="90000"/>
+      </a:schemeClr>
+      <a:schemeClr val="accent3">
+        <a:tint val="40000"/>
+        <a:alpha val="90000"/>
+      </a:schemeClr>
+      <a:schemeClr val="accent4">
+        <a:tint val="40000"/>
+        <a:alpha val="90000"/>
+      </a:schemeClr>
+      <a:schemeClr val="accent5">
+        <a:tint val="40000"/>
+        <a:alpha val="90000"/>
+      </a:schemeClr>
+      <a:schemeClr val="accent6">
+        <a:tint val="40000"/>
+        <a:alpha val="90000"/>
+      </a:schemeClr>
+    </dgm:linClrLst>
+    <dgm:effectClrLst/>
+    <dgm:txLinClrLst/>
+    <dgm:txFillClrLst meth="repeat">
+      <a:schemeClr val="dk1"/>
+    </dgm:txFillClrLst>
+    <dgm:txEffectClrLst/>
+  </dgm:styleLbl>
+  <dgm:styleLbl name="fgAcc0">
+    <dgm:fillClrLst meth="repeat">
+      <a:schemeClr val="lt1">
+        <a:alpha val="90000"/>
+      </a:schemeClr>
+    </dgm:fillClrLst>
+    <dgm:linClrLst>
+      <a:schemeClr val="accent1"/>
+    </dgm:linClrLst>
+    <dgm:effectClrLst/>
+    <dgm:txLinClrLst/>
+    <dgm:txFillClrLst meth="repeat">
+      <a:schemeClr val="dk1"/>
+    </dgm:txFillClrLst>
+    <dgm:txEffectClrLst/>
+  </dgm:styleLbl>
+  <dgm:styleLbl name="fgAcc2">
+    <dgm:fillClrLst meth="repeat">
+      <a:schemeClr val="lt1">
+        <a:alpha val="90000"/>
+      </a:schemeClr>
+    </dgm:fillClrLst>
+    <dgm:linClrLst>
+      <a:schemeClr val="accent2"/>
+    </dgm:linClrLst>
+    <dgm:effectClrLst/>
+    <dgm:txLinClrLst/>
+    <dgm:txFillClrLst meth="repeat">
+      <a:schemeClr val="dk1"/>
+    </dgm:txFillClrLst>
+    <dgm:txEffectClrLst/>
+  </dgm:styleLbl>
+  <dgm:styleLbl name="fgAcc3">
+    <dgm:fillClrLst meth="repeat">
+      <a:schemeClr val="lt1">
+        <a:alpha val="90000"/>
+      </a:schemeClr>
+    </dgm:fillClrLst>
+    <dgm:linClrLst>
+      <a:schemeClr val="accent3"/>
+    </dgm:linClrLst>
+    <dgm:effectClrLst/>
+    <dgm:txLinClrLst/>
+    <dgm:txFillClrLst meth="repeat">
+      <a:schemeClr val="dk1"/>
+    </dgm:txFillClrLst>
+    <dgm:txEffectClrLst/>
+  </dgm:styleLbl>
+  <dgm:styleLbl name="fgAcc4">
+    <dgm:fillClrLst meth="repeat">
+      <a:schemeClr val="lt1">
+        <a:alpha val="90000"/>
+      </a:schemeClr>
+    </dgm:fillClrLst>
+    <dgm:linClrLst>
+      <a:schemeClr val="accent4"/>
+    </dgm:linClrLst>
+    <dgm:effectClrLst/>
+    <dgm:txLinClrLst/>
+    <dgm:txFillClrLst meth="repeat">
+      <a:schemeClr val="dk1"/>
+    </dgm:txFillClrLst>
+    <dgm:txEffectClrLst/>
+  </dgm:styleLbl>
+  <dgm:styleLbl name="bgShp">
+    <dgm:fillClrLst meth="repeat">
+      <a:schemeClr val="accent2">
+        <a:tint val="40000"/>
+      </a:schemeClr>
+    </dgm:fillClrLst>
+    <dgm:linClrLst meth="repeat">
+      <a:schemeClr val="dk1"/>
+    </dgm:linClrLst>
+    <dgm:effectClrLst/>
+    <dgm:txLinClrLst/>
+    <dgm:txFillClrLst meth="repeat">
+      <a:schemeClr val="dk1"/>
+    </dgm:txFillClrLst>
+    <dgm:txEffectClrLst/>
+  </dgm:styleLbl>
+  <dgm:styleLbl name="dkBgShp">
+    <dgm:fillClrLst meth="repeat">
+      <a:schemeClr val="accent2">
+        <a:shade val="90000"/>
+      </a:schemeClr>
+    </dgm:fillClrLst>
+    <dgm:linClrLst meth="repeat">
+      <a:schemeClr val="dk1"/>
+    </dgm:linClrLst>
+    <dgm:effectClrLst/>
+    <dgm:txLinClrLst/>
+    <dgm:txFillClrLst meth="repeat">
+      <a:schemeClr val="lt1"/>
+    </dgm:txFillClrLst>
+    <dgm:txEffectClrLst/>
+  </dgm:styleLbl>
+  <dgm:styleLbl name="trBgShp">
+    <dgm:fillClrLst meth="repeat">
+      <a:schemeClr val="accent1">
+        <a:tint val="50000"/>
+        <a:alpha val="40000"/>
+      </a:schemeClr>
+    </dgm:fillClrLst>
+    <dgm:linClrLst meth="repeat">
+      <a:schemeClr val="accent2"/>
+    </dgm:linClrLst>
+    <dgm:effectClrLst/>
+    <dgm:txLinClrLst/>
+    <dgm:txFillClrLst meth="repeat">
+      <a:schemeClr val="lt1"/>
+    </dgm:txFillClrLst>
+    <dgm:txEffectClrLst/>
+  </dgm:styleLbl>
+  <dgm:styleLbl name="fgShp">
+    <dgm:fillClrLst meth="repeat">
+      <a:schemeClr val="accent2">
+        <a:tint val="40000"/>
+      </a:schemeClr>
+    </dgm:fillClrLst>
+    <dgm:linClrLst meth="repeat">
+      <a:schemeClr val="lt1"/>
+    </dgm:linClrLst>
+    <dgm:effectClrLst/>
+    <dgm:txLinClrLst/>
+    <dgm:txFillClrLst meth="repeat">
+      <a:schemeClr val="dk1"/>
+    </dgm:txFillClrLst>
+    <dgm:txEffectClrLst/>
+  </dgm:styleLbl>
+  <dgm:styleLbl name="revTx">
+    <dgm:fillClrLst meth="repeat">
+      <a:schemeClr val="lt1">
+        <a:alpha val="0"/>
+      </a:schemeClr>
+    </dgm:fillClrLst>
+    <dgm:linClrLst meth="repeat">
+      <a:schemeClr val="dk1">
+        <a:alpha val="0"/>
+      </a:schemeClr>
+    </dgm:linClrLst>
+    <dgm:effectClrLst/>
+    <dgm:txLinClrLst/>
+    <dgm:txFillClrLst meth="repeat">
+      <a:schemeClr val="tx1"/>
+    </dgm:txFillClrLst>
+    <dgm:txEffectClrLst/>
+  </dgm:styleLbl>
+</dgm:colorsDef>
+</file>
+
+<file path=ppt/diagrams/data1.xml><?xml version="1.0" encoding="utf-8"?>
+<dgm:dataModel xmlns:dgm="http://schemas.openxmlformats.org/drawingml/2006/diagram" xmlns:a="http://schemas.openxmlformats.org/drawingml/2006/main">
+  <dgm:ptLst>
+    <dgm:pt modelId="{0C4BDFAE-DC1F-40F8-B969-3416D796BD5B}" type="doc">
+      <dgm:prSet loTypeId="urn:microsoft.com/office/officeart/2005/8/layout/vList2" loCatId="list" qsTypeId="urn:microsoft.com/office/officeart/2005/8/quickstyle/simple1" qsCatId="simple" csTypeId="urn:microsoft.com/office/officeart/2005/8/colors/colorful1" csCatId="colorful"/>
+      <dgm:spPr/>
+      <dgm:t>
+        <a:bodyPr/>
+        <a:lstStyle/>
+        <a:p>
+          <a:endParaRPr lang="en-US"/>
+        </a:p>
+      </dgm:t>
+    </dgm:pt>
+    <dgm:pt modelId="{605C8EA9-AA5E-4405-A488-969E988B761D}">
+      <dgm:prSet/>
+      <dgm:spPr/>
+      <dgm:t>
+        <a:bodyPr/>
+        <a:lstStyle/>
+        <a:p>
+          <a:r>
+            <a:rPr lang="en-US"/>
+            <a:t>Map chart can’t reflect the ranking of the country</a:t>
+          </a:r>
+        </a:p>
+      </dgm:t>
+    </dgm:pt>
+    <dgm:pt modelId="{6451E932-5746-42C0-9BD7-9F4610CCDD81}" type="parTrans" cxnId="{19424A8A-1840-4CDF-99DF-C4327564E6E1}">
+      <dgm:prSet/>
+      <dgm:spPr/>
+      <dgm:t>
+        <a:bodyPr/>
+        <a:lstStyle/>
+        <a:p>
+          <a:endParaRPr lang="en-US"/>
+        </a:p>
+      </dgm:t>
+    </dgm:pt>
+    <dgm:pt modelId="{5336C816-7E67-4829-AD50-7E2B2EF989E7}" type="sibTrans" cxnId="{19424A8A-1840-4CDF-99DF-C4327564E6E1}">
+      <dgm:prSet/>
+      <dgm:spPr/>
+      <dgm:t>
+        <a:bodyPr/>
+        <a:lstStyle/>
+        <a:p>
+          <a:endParaRPr lang="en-US"/>
+        </a:p>
+      </dgm:t>
+    </dgm:pt>
+    <dgm:pt modelId="{94443B22-D5F8-498C-9D8B-BC70D03470B1}">
+      <dgm:prSet/>
+      <dgm:spPr/>
+      <dgm:t>
+        <a:bodyPr/>
+        <a:lstStyle/>
+        <a:p>
+          <a:r>
+            <a:rPr lang="en-US"/>
+            <a:t>Size still does not show top N country’s participants</a:t>
+          </a:r>
+        </a:p>
+      </dgm:t>
+    </dgm:pt>
+    <dgm:pt modelId="{1DE60E79-E070-4F29-8586-A50681D3E82C}" type="parTrans" cxnId="{B85A66D2-9AD0-4C31-AC27-C92473BBF5F4}">
+      <dgm:prSet/>
+      <dgm:spPr/>
+      <dgm:t>
+        <a:bodyPr/>
+        <a:lstStyle/>
+        <a:p>
+          <a:endParaRPr lang="en-US"/>
+        </a:p>
+      </dgm:t>
+    </dgm:pt>
+    <dgm:pt modelId="{E935710A-35C2-4DDE-9B1C-DA493C45AF6F}" type="sibTrans" cxnId="{B85A66D2-9AD0-4C31-AC27-C92473BBF5F4}">
+      <dgm:prSet/>
+      <dgm:spPr/>
+      <dgm:t>
+        <a:bodyPr/>
+        <a:lstStyle/>
+        <a:p>
+          <a:endParaRPr lang="en-US"/>
+        </a:p>
+      </dgm:t>
+    </dgm:pt>
+    <dgm:pt modelId="{092D85B3-CB6F-4FFE-AC27-B9A6D16CF008}">
+      <dgm:prSet/>
+      <dgm:spPr/>
+      <dgm:t>
+        <a:bodyPr/>
+        <a:lstStyle/>
+        <a:p>
+          <a:r>
+            <a:rPr lang="en-US"/>
+            <a:t>By size, what audience only see the relative size that this could misleading.</a:t>
+          </a:r>
+        </a:p>
+      </dgm:t>
+    </dgm:pt>
+    <dgm:pt modelId="{EFC5C5C1-E9F4-4670-9BC7-CD34FF2A278D}" type="parTrans" cxnId="{17D62114-454B-4352-93D4-F72428181306}">
+      <dgm:prSet/>
+      <dgm:spPr/>
+      <dgm:t>
+        <a:bodyPr/>
+        <a:lstStyle/>
+        <a:p>
+          <a:endParaRPr lang="en-US"/>
+        </a:p>
+      </dgm:t>
+    </dgm:pt>
+    <dgm:pt modelId="{F8346B3A-3234-4D99-96B4-6310152D2638}" type="sibTrans" cxnId="{17D62114-454B-4352-93D4-F72428181306}">
+      <dgm:prSet/>
+      <dgm:spPr/>
+      <dgm:t>
+        <a:bodyPr/>
+        <a:lstStyle/>
+        <a:p>
+          <a:endParaRPr lang="en-US"/>
+        </a:p>
+      </dgm:t>
+    </dgm:pt>
+    <dgm:pt modelId="{A10B0EEC-D74E-4765-8350-12C1029AEA2E}">
+      <dgm:prSet/>
+      <dgm:spPr/>
+      <dgm:t>
+        <a:bodyPr/>
+        <a:lstStyle/>
+        <a:p>
+          <a:r>
+            <a:rPr lang="en-US"/>
+            <a:t>Change the chart to horizontal bar chart</a:t>
+          </a:r>
+        </a:p>
+      </dgm:t>
+    </dgm:pt>
+    <dgm:pt modelId="{A0837869-5B7D-46CA-8AE7-BE61EEE93F4E}" type="parTrans" cxnId="{6530A722-905D-4988-AB05-053A2520D440}">
+      <dgm:prSet/>
+      <dgm:spPr/>
+      <dgm:t>
+        <a:bodyPr/>
+        <a:lstStyle/>
+        <a:p>
+          <a:endParaRPr lang="en-US"/>
+        </a:p>
+      </dgm:t>
+    </dgm:pt>
+    <dgm:pt modelId="{D7AB65C0-84A8-42B9-9626-10BAB41FBCD2}" type="sibTrans" cxnId="{6530A722-905D-4988-AB05-053A2520D440}">
+      <dgm:prSet/>
+      <dgm:spPr/>
+      <dgm:t>
+        <a:bodyPr/>
+        <a:lstStyle/>
+        <a:p>
+          <a:endParaRPr lang="en-US"/>
+        </a:p>
+      </dgm:t>
+    </dgm:pt>
+    <dgm:pt modelId="{7ADAFBF2-095B-4EAC-A1A6-9AC0317B4433}">
+      <dgm:prSet/>
+      <dgm:spPr/>
+      <dgm:t>
+        <a:bodyPr/>
+        <a:lstStyle/>
+        <a:p>
+          <a:r>
+            <a:rPr lang="en-US" dirty="0"/>
+            <a:t>Make top 10 participated country with blue and all other countries are grey.</a:t>
+          </a:r>
+        </a:p>
+      </dgm:t>
+    </dgm:pt>
+    <dgm:pt modelId="{519069C0-099A-491D-9357-5CE8E459E449}" type="parTrans" cxnId="{D8673267-FE2A-42F6-B6FD-A329457E0BB3}">
+      <dgm:prSet/>
+      <dgm:spPr/>
+      <dgm:t>
+        <a:bodyPr/>
+        <a:lstStyle/>
+        <a:p>
+          <a:endParaRPr lang="en-US"/>
+        </a:p>
+      </dgm:t>
+    </dgm:pt>
+    <dgm:pt modelId="{1B6322AA-91FB-4C1C-BF20-1A54F8C801D5}" type="sibTrans" cxnId="{D8673267-FE2A-42F6-B6FD-A329457E0BB3}">
+      <dgm:prSet/>
+      <dgm:spPr/>
+      <dgm:t>
+        <a:bodyPr/>
+        <a:lstStyle/>
+        <a:p>
+          <a:endParaRPr lang="en-US"/>
+        </a:p>
+      </dgm:t>
+    </dgm:pt>
+    <dgm:pt modelId="{0BA502FE-19EE-424D-A985-67660CE801D4}">
+      <dgm:prSet/>
+      <dgm:spPr/>
+      <dgm:t>
+        <a:bodyPr/>
+        <a:lstStyle/>
+        <a:p>
+          <a:r>
+            <a:rPr lang="en-US"/>
+            <a:t>Axis was changed to 5k as span</a:t>
+          </a:r>
+        </a:p>
+      </dgm:t>
+    </dgm:pt>
+    <dgm:pt modelId="{00597D4E-FE99-46BF-8E0C-4088CB7650AE}" type="parTrans" cxnId="{96052EE1-70D5-46DA-B763-F72C026155FF}">
+      <dgm:prSet/>
+      <dgm:spPr/>
+      <dgm:t>
+        <a:bodyPr/>
+        <a:lstStyle/>
+        <a:p>
+          <a:endParaRPr lang="en-US"/>
+        </a:p>
+      </dgm:t>
+    </dgm:pt>
+    <dgm:pt modelId="{8C0F9FD4-DE95-40CC-9416-A1ED691009E7}" type="sibTrans" cxnId="{96052EE1-70D5-46DA-B763-F72C026155FF}">
+      <dgm:prSet/>
+      <dgm:spPr/>
+      <dgm:t>
+        <a:bodyPr/>
+        <a:lstStyle/>
+        <a:p>
+          <a:endParaRPr lang="en-US"/>
+        </a:p>
+      </dgm:t>
+    </dgm:pt>
+    <dgm:pt modelId="{69DD47F4-C2A4-49B9-A1B7-2CB8987F7A45}">
+      <dgm:prSet/>
+      <dgm:spPr/>
+      <dgm:t>
+        <a:bodyPr/>
+        <a:lstStyle/>
+        <a:p>
+          <a:r>
+            <a:rPr lang="en-US"/>
+            <a:t>Top 10 country title was changed to same color as bar color.</a:t>
+          </a:r>
+        </a:p>
+      </dgm:t>
+    </dgm:pt>
+    <dgm:pt modelId="{34ED863E-A99D-4119-9EEF-0B06D8C9DBD6}" type="parTrans" cxnId="{1EF6706C-3D3F-4C6B-A6C7-76B8525A67B6}">
+      <dgm:prSet/>
+      <dgm:spPr/>
+      <dgm:t>
+        <a:bodyPr/>
+        <a:lstStyle/>
+        <a:p>
+          <a:endParaRPr lang="en-US"/>
+        </a:p>
+      </dgm:t>
+    </dgm:pt>
+    <dgm:pt modelId="{C62D39A5-99B7-4331-A34F-70176997751A}" type="sibTrans" cxnId="{1EF6706C-3D3F-4C6B-A6C7-76B8525A67B6}">
+      <dgm:prSet/>
+      <dgm:spPr/>
+      <dgm:t>
+        <a:bodyPr/>
+        <a:lstStyle/>
+        <a:p>
+          <a:endParaRPr lang="en-US"/>
+        </a:p>
+      </dgm:t>
+    </dgm:pt>
+    <dgm:pt modelId="{E7C56FE9-B4CA-AF4A-8037-3C67F19918D5}" type="pres">
+      <dgm:prSet presAssocID="{0C4BDFAE-DC1F-40F8-B969-3416D796BD5B}" presName="linear" presStyleCnt="0">
+        <dgm:presLayoutVars>
+          <dgm:animLvl val="lvl"/>
+          <dgm:resizeHandles val="exact"/>
+        </dgm:presLayoutVars>
+      </dgm:prSet>
+      <dgm:spPr/>
+    </dgm:pt>
+    <dgm:pt modelId="{D2AA4E9C-5049-3B46-8F93-E9ECCB529F51}" type="pres">
+      <dgm:prSet presAssocID="{605C8EA9-AA5E-4405-A488-969E988B761D}" presName="parentText" presStyleLbl="node1" presStyleIdx="0" presStyleCnt="7">
+        <dgm:presLayoutVars>
+          <dgm:chMax val="0"/>
+          <dgm:bulletEnabled val="1"/>
+        </dgm:presLayoutVars>
+      </dgm:prSet>
+      <dgm:spPr/>
+    </dgm:pt>
+    <dgm:pt modelId="{34B469C0-5569-3B4A-9158-49FA8E2D8EC2}" type="pres">
+      <dgm:prSet presAssocID="{5336C816-7E67-4829-AD50-7E2B2EF989E7}" presName="spacer" presStyleCnt="0"/>
+      <dgm:spPr/>
+    </dgm:pt>
+    <dgm:pt modelId="{0CAD8409-7265-614D-9420-F45C4A1B3558}" type="pres">
+      <dgm:prSet presAssocID="{94443B22-D5F8-498C-9D8B-BC70D03470B1}" presName="parentText" presStyleLbl="node1" presStyleIdx="1" presStyleCnt="7">
+        <dgm:presLayoutVars>
+          <dgm:chMax val="0"/>
+          <dgm:bulletEnabled val="1"/>
+        </dgm:presLayoutVars>
+      </dgm:prSet>
+      <dgm:spPr/>
+    </dgm:pt>
+    <dgm:pt modelId="{BE471EC9-918D-3742-942D-0655918AF6D8}" type="pres">
+      <dgm:prSet presAssocID="{E935710A-35C2-4DDE-9B1C-DA493C45AF6F}" presName="spacer" presStyleCnt="0"/>
+      <dgm:spPr/>
+    </dgm:pt>
+    <dgm:pt modelId="{F31F007E-36E5-8C4E-BF5E-552BF7C3F7DF}" type="pres">
+      <dgm:prSet presAssocID="{092D85B3-CB6F-4FFE-AC27-B9A6D16CF008}" presName="parentText" presStyleLbl="node1" presStyleIdx="2" presStyleCnt="7">
+        <dgm:presLayoutVars>
+          <dgm:chMax val="0"/>
+          <dgm:bulletEnabled val="1"/>
+        </dgm:presLayoutVars>
+      </dgm:prSet>
+      <dgm:spPr/>
+    </dgm:pt>
+    <dgm:pt modelId="{A7163EA5-F772-5F49-B03A-92DABBB64D00}" type="pres">
+      <dgm:prSet presAssocID="{F8346B3A-3234-4D99-96B4-6310152D2638}" presName="spacer" presStyleCnt="0"/>
+      <dgm:spPr/>
+    </dgm:pt>
+    <dgm:pt modelId="{08AF0D1F-4072-A342-8F12-90CDAE1B2F1B}" type="pres">
+      <dgm:prSet presAssocID="{A10B0EEC-D74E-4765-8350-12C1029AEA2E}" presName="parentText" presStyleLbl="node1" presStyleIdx="3" presStyleCnt="7">
+        <dgm:presLayoutVars>
+          <dgm:chMax val="0"/>
+          <dgm:bulletEnabled val="1"/>
+        </dgm:presLayoutVars>
+      </dgm:prSet>
+      <dgm:spPr/>
+    </dgm:pt>
+    <dgm:pt modelId="{2DE2BE84-3069-014E-BF18-C560C5FCEF9F}" type="pres">
+      <dgm:prSet presAssocID="{D7AB65C0-84A8-42B9-9626-10BAB41FBCD2}" presName="spacer" presStyleCnt="0"/>
+      <dgm:spPr/>
+    </dgm:pt>
+    <dgm:pt modelId="{F7E515DB-EAD9-DE41-9063-62A3ACEB5456}" type="pres">
+      <dgm:prSet presAssocID="{7ADAFBF2-095B-4EAC-A1A6-9AC0317B4433}" presName="parentText" presStyleLbl="node1" presStyleIdx="4" presStyleCnt="7">
+        <dgm:presLayoutVars>
+          <dgm:chMax val="0"/>
+          <dgm:bulletEnabled val="1"/>
+        </dgm:presLayoutVars>
+      </dgm:prSet>
+      <dgm:spPr/>
+    </dgm:pt>
+    <dgm:pt modelId="{32EC8A6F-A6FB-3C4D-8FD0-2180F276F969}" type="pres">
+      <dgm:prSet presAssocID="{1B6322AA-91FB-4C1C-BF20-1A54F8C801D5}" presName="spacer" presStyleCnt="0"/>
+      <dgm:spPr/>
+    </dgm:pt>
+    <dgm:pt modelId="{3CA987A2-B1E8-2F48-ADB3-21E0DFD1A657}" type="pres">
+      <dgm:prSet presAssocID="{0BA502FE-19EE-424D-A985-67660CE801D4}" presName="parentText" presStyleLbl="node1" presStyleIdx="5" presStyleCnt="7">
+        <dgm:presLayoutVars>
+          <dgm:chMax val="0"/>
+          <dgm:bulletEnabled val="1"/>
+        </dgm:presLayoutVars>
+      </dgm:prSet>
+      <dgm:spPr/>
+    </dgm:pt>
+    <dgm:pt modelId="{E06A3200-0E22-1D47-A8F0-46C1EEB73B1E}" type="pres">
+      <dgm:prSet presAssocID="{8C0F9FD4-DE95-40CC-9416-A1ED691009E7}" presName="spacer" presStyleCnt="0"/>
+      <dgm:spPr/>
+    </dgm:pt>
+    <dgm:pt modelId="{183F3612-FD45-EA4D-9CD4-488FB7DDD832}" type="pres">
+      <dgm:prSet presAssocID="{69DD47F4-C2A4-49B9-A1B7-2CB8987F7A45}" presName="parentText" presStyleLbl="node1" presStyleIdx="6" presStyleCnt="7">
+        <dgm:presLayoutVars>
+          <dgm:chMax val="0"/>
+          <dgm:bulletEnabled val="1"/>
+        </dgm:presLayoutVars>
+      </dgm:prSet>
+      <dgm:spPr/>
+    </dgm:pt>
+  </dgm:ptLst>
+  <dgm:cxnLst>
+    <dgm:cxn modelId="{2036CB0E-8198-9945-971F-1FFAC87847E9}" type="presOf" srcId="{0C4BDFAE-DC1F-40F8-B969-3416D796BD5B}" destId="{E7C56FE9-B4CA-AF4A-8037-3C67F19918D5}" srcOrd="0" destOrd="0" presId="urn:microsoft.com/office/officeart/2005/8/layout/vList2"/>
+    <dgm:cxn modelId="{17D62114-454B-4352-93D4-F72428181306}" srcId="{0C4BDFAE-DC1F-40F8-B969-3416D796BD5B}" destId="{092D85B3-CB6F-4FFE-AC27-B9A6D16CF008}" srcOrd="2" destOrd="0" parTransId="{EFC5C5C1-E9F4-4670-9BC7-CD34FF2A278D}" sibTransId="{F8346B3A-3234-4D99-96B4-6310152D2638}"/>
+    <dgm:cxn modelId="{6530A722-905D-4988-AB05-053A2520D440}" srcId="{0C4BDFAE-DC1F-40F8-B969-3416D796BD5B}" destId="{A10B0EEC-D74E-4765-8350-12C1029AEA2E}" srcOrd="3" destOrd="0" parTransId="{A0837869-5B7D-46CA-8AE7-BE61EEE93F4E}" sibTransId="{D7AB65C0-84A8-42B9-9626-10BAB41FBCD2}"/>
+    <dgm:cxn modelId="{57C87737-6E93-094C-81F3-3F1FBF71B0B7}" type="presOf" srcId="{0BA502FE-19EE-424D-A985-67660CE801D4}" destId="{3CA987A2-B1E8-2F48-ADB3-21E0DFD1A657}" srcOrd="0" destOrd="0" presId="urn:microsoft.com/office/officeart/2005/8/layout/vList2"/>
+    <dgm:cxn modelId="{E1898350-E340-8447-BC52-FBEDD7569A76}" type="presOf" srcId="{94443B22-D5F8-498C-9D8B-BC70D03470B1}" destId="{0CAD8409-7265-614D-9420-F45C4A1B3558}" srcOrd="0" destOrd="0" presId="urn:microsoft.com/office/officeart/2005/8/layout/vList2"/>
+    <dgm:cxn modelId="{70A58C50-6EEA-CF40-88D3-6BF356DB568F}" type="presOf" srcId="{7ADAFBF2-095B-4EAC-A1A6-9AC0317B4433}" destId="{F7E515DB-EAD9-DE41-9063-62A3ACEB5456}" srcOrd="0" destOrd="0" presId="urn:microsoft.com/office/officeart/2005/8/layout/vList2"/>
+    <dgm:cxn modelId="{D8673267-FE2A-42F6-B6FD-A329457E0BB3}" srcId="{0C4BDFAE-DC1F-40F8-B969-3416D796BD5B}" destId="{7ADAFBF2-095B-4EAC-A1A6-9AC0317B4433}" srcOrd="4" destOrd="0" parTransId="{519069C0-099A-491D-9357-5CE8E459E449}" sibTransId="{1B6322AA-91FB-4C1C-BF20-1A54F8C801D5}"/>
+    <dgm:cxn modelId="{05F41F6A-CA39-7648-9E21-7B0DFAB3B3F9}" type="presOf" srcId="{A10B0EEC-D74E-4765-8350-12C1029AEA2E}" destId="{08AF0D1F-4072-A342-8F12-90CDAE1B2F1B}" srcOrd="0" destOrd="0" presId="urn:microsoft.com/office/officeart/2005/8/layout/vList2"/>
+    <dgm:cxn modelId="{1EF6706C-3D3F-4C6B-A6C7-76B8525A67B6}" srcId="{0C4BDFAE-DC1F-40F8-B969-3416D796BD5B}" destId="{69DD47F4-C2A4-49B9-A1B7-2CB8987F7A45}" srcOrd="6" destOrd="0" parTransId="{34ED863E-A99D-4119-9EEF-0B06D8C9DBD6}" sibTransId="{C62D39A5-99B7-4331-A34F-70176997751A}"/>
+    <dgm:cxn modelId="{19424A8A-1840-4CDF-99DF-C4327564E6E1}" srcId="{0C4BDFAE-DC1F-40F8-B969-3416D796BD5B}" destId="{605C8EA9-AA5E-4405-A488-969E988B761D}" srcOrd="0" destOrd="0" parTransId="{6451E932-5746-42C0-9BD7-9F4610CCDD81}" sibTransId="{5336C816-7E67-4829-AD50-7E2B2EF989E7}"/>
+    <dgm:cxn modelId="{7149D6AF-F5F5-834E-8E16-5C4328558E24}" type="presOf" srcId="{69DD47F4-C2A4-49B9-A1B7-2CB8987F7A45}" destId="{183F3612-FD45-EA4D-9CD4-488FB7DDD832}" srcOrd="0" destOrd="0" presId="urn:microsoft.com/office/officeart/2005/8/layout/vList2"/>
+    <dgm:cxn modelId="{B85A66D2-9AD0-4C31-AC27-C92473BBF5F4}" srcId="{0C4BDFAE-DC1F-40F8-B969-3416D796BD5B}" destId="{94443B22-D5F8-498C-9D8B-BC70D03470B1}" srcOrd="1" destOrd="0" parTransId="{1DE60E79-E070-4F29-8586-A50681D3E82C}" sibTransId="{E935710A-35C2-4DDE-9B1C-DA493C45AF6F}"/>
+    <dgm:cxn modelId="{824337DD-BC57-6641-9E2D-00C0805CE21A}" type="presOf" srcId="{605C8EA9-AA5E-4405-A488-969E988B761D}" destId="{D2AA4E9C-5049-3B46-8F93-E9ECCB529F51}" srcOrd="0" destOrd="0" presId="urn:microsoft.com/office/officeart/2005/8/layout/vList2"/>
+    <dgm:cxn modelId="{96052EE1-70D5-46DA-B763-F72C026155FF}" srcId="{0C4BDFAE-DC1F-40F8-B969-3416D796BD5B}" destId="{0BA502FE-19EE-424D-A985-67660CE801D4}" srcOrd="5" destOrd="0" parTransId="{00597D4E-FE99-46BF-8E0C-4088CB7650AE}" sibTransId="{8C0F9FD4-DE95-40CC-9416-A1ED691009E7}"/>
+    <dgm:cxn modelId="{B9A544FE-2C7F-3D4B-A503-CE530ED7C50F}" type="presOf" srcId="{092D85B3-CB6F-4FFE-AC27-B9A6D16CF008}" destId="{F31F007E-36E5-8C4E-BF5E-552BF7C3F7DF}" srcOrd="0" destOrd="0" presId="urn:microsoft.com/office/officeart/2005/8/layout/vList2"/>
+    <dgm:cxn modelId="{79125176-D324-544F-9669-8FB9D510D83D}" type="presParOf" srcId="{E7C56FE9-B4CA-AF4A-8037-3C67F19918D5}" destId="{D2AA4E9C-5049-3B46-8F93-E9ECCB529F51}" srcOrd="0" destOrd="0" presId="urn:microsoft.com/office/officeart/2005/8/layout/vList2"/>
+    <dgm:cxn modelId="{4E997932-A599-9A4E-A0BC-0DFE758D5AB8}" type="presParOf" srcId="{E7C56FE9-B4CA-AF4A-8037-3C67F19918D5}" destId="{34B469C0-5569-3B4A-9158-49FA8E2D8EC2}" srcOrd="1" destOrd="0" presId="urn:microsoft.com/office/officeart/2005/8/layout/vList2"/>
+    <dgm:cxn modelId="{417DE4EC-F762-4441-877C-0E0D0EA5AF82}" type="presParOf" srcId="{E7C56FE9-B4CA-AF4A-8037-3C67F19918D5}" destId="{0CAD8409-7265-614D-9420-F45C4A1B3558}" srcOrd="2" destOrd="0" presId="urn:microsoft.com/office/officeart/2005/8/layout/vList2"/>
+    <dgm:cxn modelId="{C405DE37-10F6-2B4A-9C40-83EB39788286}" type="presParOf" srcId="{E7C56FE9-B4CA-AF4A-8037-3C67F19918D5}" destId="{BE471EC9-918D-3742-942D-0655918AF6D8}" srcOrd="3" destOrd="0" presId="urn:microsoft.com/office/officeart/2005/8/layout/vList2"/>
+    <dgm:cxn modelId="{26699800-88C0-1B4E-BE7D-9B7DF7A04DFD}" type="presParOf" srcId="{E7C56FE9-B4CA-AF4A-8037-3C67F19918D5}" destId="{F31F007E-36E5-8C4E-BF5E-552BF7C3F7DF}" srcOrd="4" destOrd="0" presId="urn:microsoft.com/office/officeart/2005/8/layout/vList2"/>
+    <dgm:cxn modelId="{7BA1B266-EAA3-2E43-B108-74F598FC2399}" type="presParOf" srcId="{E7C56FE9-B4CA-AF4A-8037-3C67F19918D5}" destId="{A7163EA5-F772-5F49-B03A-92DABBB64D00}" srcOrd="5" destOrd="0" presId="urn:microsoft.com/office/officeart/2005/8/layout/vList2"/>
+    <dgm:cxn modelId="{0571579F-EF09-8945-9299-F59AB18DFFB8}" type="presParOf" srcId="{E7C56FE9-B4CA-AF4A-8037-3C67F19918D5}" destId="{08AF0D1F-4072-A342-8F12-90CDAE1B2F1B}" srcOrd="6" destOrd="0" presId="urn:microsoft.com/office/officeart/2005/8/layout/vList2"/>
+    <dgm:cxn modelId="{FFE9532C-9D5A-C140-BAA8-90DE71B33572}" type="presParOf" srcId="{E7C56FE9-B4CA-AF4A-8037-3C67F19918D5}" destId="{2DE2BE84-3069-014E-BF18-C560C5FCEF9F}" srcOrd="7" destOrd="0" presId="urn:microsoft.com/office/officeart/2005/8/layout/vList2"/>
+    <dgm:cxn modelId="{7B62CA40-2C45-1A47-9490-C432229C5BF3}" type="presParOf" srcId="{E7C56FE9-B4CA-AF4A-8037-3C67F19918D5}" destId="{F7E515DB-EAD9-DE41-9063-62A3ACEB5456}" srcOrd="8" destOrd="0" presId="urn:microsoft.com/office/officeart/2005/8/layout/vList2"/>
+    <dgm:cxn modelId="{2FA1257F-8E28-274E-93DF-2D106849D315}" type="presParOf" srcId="{E7C56FE9-B4CA-AF4A-8037-3C67F19918D5}" destId="{32EC8A6F-A6FB-3C4D-8FD0-2180F276F969}" srcOrd="9" destOrd="0" presId="urn:microsoft.com/office/officeart/2005/8/layout/vList2"/>
+    <dgm:cxn modelId="{7E15EA35-3FAA-EE4B-85DA-AF2A31895E3A}" type="presParOf" srcId="{E7C56FE9-B4CA-AF4A-8037-3C67F19918D5}" destId="{3CA987A2-B1E8-2F48-ADB3-21E0DFD1A657}" srcOrd="10" destOrd="0" presId="urn:microsoft.com/office/officeart/2005/8/layout/vList2"/>
+    <dgm:cxn modelId="{B08BF0BD-A22C-104C-8F1D-C604BDE4AB7F}" type="presParOf" srcId="{E7C56FE9-B4CA-AF4A-8037-3C67F19918D5}" destId="{E06A3200-0E22-1D47-A8F0-46C1EEB73B1E}" srcOrd="11" destOrd="0" presId="urn:microsoft.com/office/officeart/2005/8/layout/vList2"/>
+    <dgm:cxn modelId="{0B299085-40E7-E148-98E7-9A10B4BACAE2}" type="presParOf" srcId="{E7C56FE9-B4CA-AF4A-8037-3C67F19918D5}" destId="{183F3612-FD45-EA4D-9CD4-488FB7DDD832}" srcOrd="12" destOrd="0" presId="urn:microsoft.com/office/officeart/2005/8/layout/vList2"/>
+  </dgm:cxnLst>
+  <dgm:bg/>
+  <dgm:whole/>
+  <dgm:extLst>
+    <a:ext uri="http://schemas.microsoft.com/office/drawing/2008/diagram">
+      <dsp:dataModelExt xmlns:dsp="http://schemas.microsoft.com/office/drawing/2008/diagram" relId="rId6" minVer="http://schemas.openxmlformats.org/drawingml/2006/diagram"/>
+    </a:ext>
+  </dgm:extLst>
+</dgm:dataModel>
+</file>
+
+<file path=ppt/diagrams/drawing1.xml><?xml version="1.0" encoding="utf-8"?>
+<dsp:drawing xmlns:dgm="http://schemas.openxmlformats.org/drawingml/2006/diagram" xmlns:dsp="http://schemas.microsoft.com/office/drawing/2008/diagram" xmlns:a="http://schemas.openxmlformats.org/drawingml/2006/main">
+  <dsp:spTree>
+    <dsp:nvGrpSpPr>
+      <dsp:cNvPr id="0" name=""/>
+      <dsp:cNvGrpSpPr/>
+    </dsp:nvGrpSpPr>
+    <dsp:grpSpPr/>
+    <dsp:sp modelId="{D2AA4E9C-5049-3B46-8F93-E9ECCB529F51}">
+      <dsp:nvSpPr>
+        <dsp:cNvPr id="0" name=""/>
+        <dsp:cNvSpPr/>
+      </dsp:nvSpPr>
+      <dsp:spPr>
+        <a:xfrm>
+          <a:off x="0" y="127857"/>
+          <a:ext cx="6089650" cy="715052"/>
+        </a:xfrm>
+        <a:prstGeom prst="roundRect">
+          <a:avLst/>
+        </a:prstGeom>
+        <a:solidFill>
+          <a:schemeClr val="accent2">
+            <a:hueOff val="0"/>
+            <a:satOff val="0"/>
+            <a:lumOff val="0"/>
+            <a:alphaOff val="0"/>
+          </a:schemeClr>
+        </a:solidFill>
+        <a:ln w="12700" cap="flat" cmpd="sng" algn="ctr">
+          <a:solidFill>
+            <a:schemeClr val="lt1">
+              <a:hueOff val="0"/>
+              <a:satOff val="0"/>
+              <a:lumOff val="0"/>
+              <a:alphaOff val="0"/>
+            </a:schemeClr>
+          </a:solidFill>
+          <a:prstDash val="solid"/>
+          <a:miter lim="800000"/>
+        </a:ln>
+        <a:effectLst/>
+      </dsp:spPr>
+      <dsp:style>
+        <a:lnRef idx="2">
+          <a:scrgbClr r="0" g="0" b="0"/>
+        </a:lnRef>
+        <a:fillRef idx="1">
+          <a:scrgbClr r="0" g="0" b="0"/>
+        </a:fillRef>
+        <a:effectRef idx="0">
+          <a:scrgbClr r="0" g="0" b="0"/>
+        </a:effectRef>
+        <a:fontRef idx="minor">
+          <a:schemeClr val="lt1"/>
+        </a:fontRef>
+      </dsp:style>
+      <dsp:txBody>
+        <a:bodyPr spcFirstLastPara="0" vert="horz" wrap="square" lIns="68580" tIns="68580" rIns="68580" bIns="68580" numCol="1" spcCol="1270" anchor="ctr" anchorCtr="0">
+          <a:noAutofit/>
+        </a:bodyPr>
+        <a:lstStyle/>
+        <a:p>
+          <a:pPr marL="0" lvl="0" indent="0" algn="l" defTabSz="800100">
+            <a:lnSpc>
+              <a:spcPct val="90000"/>
+            </a:lnSpc>
+            <a:spcBef>
+              <a:spcPct val="0"/>
+            </a:spcBef>
+            <a:spcAft>
+              <a:spcPct val="35000"/>
+            </a:spcAft>
+            <a:buNone/>
+          </a:pPr>
+          <a:r>
+            <a:rPr lang="en-US" sz="1800" kern="1200"/>
+            <a:t>Map chart can’t reflect the ranking of the country</a:t>
+          </a:r>
+        </a:p>
+      </dsp:txBody>
+      <dsp:txXfrm>
+        <a:off x="34906" y="162763"/>
+        <a:ext cx="6019838" cy="645240"/>
+      </dsp:txXfrm>
+    </dsp:sp>
+    <dsp:sp modelId="{0CAD8409-7265-614D-9420-F45C4A1B3558}">
+      <dsp:nvSpPr>
+        <dsp:cNvPr id="0" name=""/>
+        <dsp:cNvSpPr/>
+      </dsp:nvSpPr>
+      <dsp:spPr>
+        <a:xfrm>
+          <a:off x="0" y="894750"/>
+          <a:ext cx="6089650" cy="715052"/>
+        </a:xfrm>
+        <a:prstGeom prst="roundRect">
+          <a:avLst/>
+        </a:prstGeom>
+        <a:solidFill>
+          <a:schemeClr val="accent3">
+            <a:hueOff val="0"/>
+            <a:satOff val="0"/>
+            <a:lumOff val="0"/>
+            <a:alphaOff val="0"/>
+          </a:schemeClr>
+        </a:solidFill>
+        <a:ln w="12700" cap="flat" cmpd="sng" algn="ctr">
+          <a:solidFill>
+            <a:schemeClr val="lt1">
+              <a:hueOff val="0"/>
+              <a:satOff val="0"/>
+              <a:lumOff val="0"/>
+              <a:alphaOff val="0"/>
+            </a:schemeClr>
+          </a:solidFill>
+          <a:prstDash val="solid"/>
+          <a:miter lim="800000"/>
+        </a:ln>
+        <a:effectLst/>
+      </dsp:spPr>
+      <dsp:style>
+        <a:lnRef idx="2">
+          <a:scrgbClr r="0" g="0" b="0"/>
+        </a:lnRef>
+        <a:fillRef idx="1">
+          <a:scrgbClr r="0" g="0" b="0"/>
+        </a:fillRef>
+        <a:effectRef idx="0">
+          <a:scrgbClr r="0" g="0" b="0"/>
+        </a:effectRef>
+        <a:fontRef idx="minor">
+          <a:schemeClr val="lt1"/>
+        </a:fontRef>
+      </dsp:style>
+      <dsp:txBody>
+        <a:bodyPr spcFirstLastPara="0" vert="horz" wrap="square" lIns="68580" tIns="68580" rIns="68580" bIns="68580" numCol="1" spcCol="1270" anchor="ctr" anchorCtr="0">
+          <a:noAutofit/>
+        </a:bodyPr>
+        <a:lstStyle/>
+        <a:p>
+          <a:pPr marL="0" lvl="0" indent="0" algn="l" defTabSz="800100">
+            <a:lnSpc>
+              <a:spcPct val="90000"/>
+            </a:lnSpc>
+            <a:spcBef>
+              <a:spcPct val="0"/>
+            </a:spcBef>
+            <a:spcAft>
+              <a:spcPct val="35000"/>
+            </a:spcAft>
+            <a:buNone/>
+          </a:pPr>
+          <a:r>
+            <a:rPr lang="en-US" sz="1800" kern="1200"/>
+            <a:t>Size still does not show top N country’s participants</a:t>
+          </a:r>
+        </a:p>
+      </dsp:txBody>
+      <dsp:txXfrm>
+        <a:off x="34906" y="929656"/>
+        <a:ext cx="6019838" cy="645240"/>
+      </dsp:txXfrm>
+    </dsp:sp>
+    <dsp:sp modelId="{F31F007E-36E5-8C4E-BF5E-552BF7C3F7DF}">
+      <dsp:nvSpPr>
+        <dsp:cNvPr id="0" name=""/>
+        <dsp:cNvSpPr/>
+      </dsp:nvSpPr>
+      <dsp:spPr>
+        <a:xfrm>
+          <a:off x="0" y="1661643"/>
+          <a:ext cx="6089650" cy="715052"/>
+        </a:xfrm>
+        <a:prstGeom prst="roundRect">
+          <a:avLst/>
+        </a:prstGeom>
+        <a:solidFill>
+          <a:schemeClr val="accent4">
+            <a:hueOff val="0"/>
+            <a:satOff val="0"/>
+            <a:lumOff val="0"/>
+            <a:alphaOff val="0"/>
+          </a:schemeClr>
+        </a:solidFill>
+        <a:ln w="12700" cap="flat" cmpd="sng" algn="ctr">
+          <a:solidFill>
+            <a:schemeClr val="lt1">
+              <a:hueOff val="0"/>
+              <a:satOff val="0"/>
+              <a:lumOff val="0"/>
+              <a:alphaOff val="0"/>
+            </a:schemeClr>
+          </a:solidFill>
+          <a:prstDash val="solid"/>
+          <a:miter lim="800000"/>
+        </a:ln>
+        <a:effectLst/>
+      </dsp:spPr>
+      <dsp:style>
+        <a:lnRef idx="2">
+          <a:scrgbClr r="0" g="0" b="0"/>
+        </a:lnRef>
+        <a:fillRef idx="1">
+          <a:scrgbClr r="0" g="0" b="0"/>
+        </a:fillRef>
+        <a:effectRef idx="0">
+          <a:scrgbClr r="0" g="0" b="0"/>
+        </a:effectRef>
+        <a:fontRef idx="minor">
+          <a:schemeClr val="lt1"/>
+        </a:fontRef>
+      </dsp:style>
+      <dsp:txBody>
+        <a:bodyPr spcFirstLastPara="0" vert="horz" wrap="square" lIns="68580" tIns="68580" rIns="68580" bIns="68580" numCol="1" spcCol="1270" anchor="ctr" anchorCtr="0">
+          <a:noAutofit/>
+        </a:bodyPr>
+        <a:lstStyle/>
+        <a:p>
+          <a:pPr marL="0" lvl="0" indent="0" algn="l" defTabSz="800100">
+            <a:lnSpc>
+              <a:spcPct val="90000"/>
+            </a:lnSpc>
+            <a:spcBef>
+              <a:spcPct val="0"/>
+            </a:spcBef>
+            <a:spcAft>
+              <a:spcPct val="35000"/>
+            </a:spcAft>
+            <a:buNone/>
+          </a:pPr>
+          <a:r>
+            <a:rPr lang="en-US" sz="1800" kern="1200"/>
+            <a:t>By size, what audience only see the relative size that this could misleading.</a:t>
+          </a:r>
+        </a:p>
+      </dsp:txBody>
+      <dsp:txXfrm>
+        <a:off x="34906" y="1696549"/>
+        <a:ext cx="6019838" cy="645240"/>
+      </dsp:txXfrm>
+    </dsp:sp>
+    <dsp:sp modelId="{08AF0D1F-4072-A342-8F12-90CDAE1B2F1B}">
+      <dsp:nvSpPr>
+        <dsp:cNvPr id="0" name=""/>
+        <dsp:cNvSpPr/>
+      </dsp:nvSpPr>
+      <dsp:spPr>
+        <a:xfrm>
+          <a:off x="0" y="2428536"/>
+          <a:ext cx="6089650" cy="715052"/>
+        </a:xfrm>
+        <a:prstGeom prst="roundRect">
+          <a:avLst/>
+        </a:prstGeom>
+        <a:solidFill>
+          <a:schemeClr val="accent5">
+            <a:hueOff val="0"/>
+            <a:satOff val="0"/>
+            <a:lumOff val="0"/>
+            <a:alphaOff val="0"/>
+          </a:schemeClr>
+        </a:solidFill>
+        <a:ln w="12700" cap="flat" cmpd="sng" algn="ctr">
+          <a:solidFill>
+            <a:schemeClr val="lt1">
+              <a:hueOff val="0"/>
+              <a:satOff val="0"/>
+              <a:lumOff val="0"/>
+              <a:alphaOff val="0"/>
+            </a:schemeClr>
+          </a:solidFill>
+          <a:prstDash val="solid"/>
+          <a:miter lim="800000"/>
+        </a:ln>
+        <a:effectLst/>
+      </dsp:spPr>
+      <dsp:style>
+        <a:lnRef idx="2">
+          <a:scrgbClr r="0" g="0" b="0"/>
+        </a:lnRef>
+        <a:fillRef idx="1">
+          <a:scrgbClr r="0" g="0" b="0"/>
+        </a:fillRef>
+        <a:effectRef idx="0">
+          <a:scrgbClr r="0" g="0" b="0"/>
+        </a:effectRef>
+        <a:fontRef idx="minor">
+          <a:schemeClr val="lt1"/>
+        </a:fontRef>
+      </dsp:style>
+      <dsp:txBody>
+        <a:bodyPr spcFirstLastPara="0" vert="horz" wrap="square" lIns="68580" tIns="68580" rIns="68580" bIns="68580" numCol="1" spcCol="1270" anchor="ctr" anchorCtr="0">
+          <a:noAutofit/>
+        </a:bodyPr>
+        <a:lstStyle/>
+        <a:p>
+          <a:pPr marL="0" lvl="0" indent="0" algn="l" defTabSz="800100">
+            <a:lnSpc>
+              <a:spcPct val="90000"/>
+            </a:lnSpc>
+            <a:spcBef>
+              <a:spcPct val="0"/>
+            </a:spcBef>
+            <a:spcAft>
+              <a:spcPct val="35000"/>
+            </a:spcAft>
+            <a:buNone/>
+          </a:pPr>
+          <a:r>
+            <a:rPr lang="en-US" sz="1800" kern="1200"/>
+            <a:t>Change the chart to horizontal bar chart</a:t>
+          </a:r>
+        </a:p>
+      </dsp:txBody>
+      <dsp:txXfrm>
+        <a:off x="34906" y="2463442"/>
+        <a:ext cx="6019838" cy="645240"/>
+      </dsp:txXfrm>
+    </dsp:sp>
+    <dsp:sp modelId="{F7E515DB-EAD9-DE41-9063-62A3ACEB5456}">
+      <dsp:nvSpPr>
+        <dsp:cNvPr id="0" name=""/>
+        <dsp:cNvSpPr/>
+      </dsp:nvSpPr>
+      <dsp:spPr>
+        <a:xfrm>
+          <a:off x="0" y="3195428"/>
+          <a:ext cx="6089650" cy="715052"/>
+        </a:xfrm>
+        <a:prstGeom prst="roundRect">
+          <a:avLst/>
+        </a:prstGeom>
+        <a:solidFill>
+          <a:schemeClr val="accent6">
+            <a:hueOff val="0"/>
+            <a:satOff val="0"/>
+            <a:lumOff val="0"/>
+            <a:alphaOff val="0"/>
+          </a:schemeClr>
+        </a:solidFill>
+        <a:ln w="12700" cap="flat" cmpd="sng" algn="ctr">
+          <a:solidFill>
+            <a:schemeClr val="lt1">
+              <a:hueOff val="0"/>
+              <a:satOff val="0"/>
+              <a:lumOff val="0"/>
+              <a:alphaOff val="0"/>
+            </a:schemeClr>
+          </a:solidFill>
+          <a:prstDash val="solid"/>
+          <a:miter lim="800000"/>
+        </a:ln>
+        <a:effectLst/>
+      </dsp:spPr>
+      <dsp:style>
+        <a:lnRef idx="2">
+          <a:scrgbClr r="0" g="0" b="0"/>
+        </a:lnRef>
+        <a:fillRef idx="1">
+          <a:scrgbClr r="0" g="0" b="0"/>
+        </a:fillRef>
+        <a:effectRef idx="0">
+          <a:scrgbClr r="0" g="0" b="0"/>
+        </a:effectRef>
+        <a:fontRef idx="minor">
+          <a:schemeClr val="lt1"/>
+        </a:fontRef>
+      </dsp:style>
+      <dsp:txBody>
+        <a:bodyPr spcFirstLastPara="0" vert="horz" wrap="square" lIns="68580" tIns="68580" rIns="68580" bIns="68580" numCol="1" spcCol="1270" anchor="ctr" anchorCtr="0">
+          <a:noAutofit/>
+        </a:bodyPr>
+        <a:lstStyle/>
+        <a:p>
+          <a:pPr marL="0" lvl="0" indent="0" algn="l" defTabSz="800100">
+            <a:lnSpc>
+              <a:spcPct val="90000"/>
+            </a:lnSpc>
+            <a:spcBef>
+              <a:spcPct val="0"/>
+            </a:spcBef>
+            <a:spcAft>
+              <a:spcPct val="35000"/>
+            </a:spcAft>
+            <a:buNone/>
+          </a:pPr>
+          <a:r>
+            <a:rPr lang="en-US" sz="1800" kern="1200" dirty="0"/>
+            <a:t>Make top 10 participated country with blue and all other countries are grey.</a:t>
+          </a:r>
+        </a:p>
+      </dsp:txBody>
+      <dsp:txXfrm>
+        <a:off x="34906" y="3230334"/>
+        <a:ext cx="6019838" cy="645240"/>
+      </dsp:txXfrm>
+    </dsp:sp>
+    <dsp:sp modelId="{3CA987A2-B1E8-2F48-ADB3-21E0DFD1A657}">
+      <dsp:nvSpPr>
+        <dsp:cNvPr id="0" name=""/>
+        <dsp:cNvSpPr/>
+      </dsp:nvSpPr>
+      <dsp:spPr>
+        <a:xfrm>
+          <a:off x="0" y="3962321"/>
+          <a:ext cx="6089650" cy="715052"/>
+        </a:xfrm>
+        <a:prstGeom prst="roundRect">
+          <a:avLst/>
+        </a:prstGeom>
+        <a:solidFill>
+          <a:schemeClr val="accent2">
+            <a:hueOff val="0"/>
+            <a:satOff val="0"/>
+            <a:lumOff val="0"/>
+            <a:alphaOff val="0"/>
+          </a:schemeClr>
+        </a:solidFill>
+        <a:ln w="12700" cap="flat" cmpd="sng" algn="ctr">
+          <a:solidFill>
+            <a:schemeClr val="lt1">
+              <a:hueOff val="0"/>
+              <a:satOff val="0"/>
+              <a:lumOff val="0"/>
+              <a:alphaOff val="0"/>
+            </a:schemeClr>
+          </a:solidFill>
+          <a:prstDash val="solid"/>
+          <a:miter lim="800000"/>
+        </a:ln>
+        <a:effectLst/>
+      </dsp:spPr>
+      <dsp:style>
+        <a:lnRef idx="2">
+          <a:scrgbClr r="0" g="0" b="0"/>
+        </a:lnRef>
+        <a:fillRef idx="1">
+          <a:scrgbClr r="0" g="0" b="0"/>
+        </a:fillRef>
+        <a:effectRef idx="0">
+          <a:scrgbClr r="0" g="0" b="0"/>
+        </a:effectRef>
+        <a:fontRef idx="minor">
+          <a:schemeClr val="lt1"/>
+        </a:fontRef>
+      </dsp:style>
+      <dsp:txBody>
+        <a:bodyPr spcFirstLastPara="0" vert="horz" wrap="square" lIns="68580" tIns="68580" rIns="68580" bIns="68580" numCol="1" spcCol="1270" anchor="ctr" anchorCtr="0">
+          <a:noAutofit/>
+        </a:bodyPr>
+        <a:lstStyle/>
+        <a:p>
+          <a:pPr marL="0" lvl="0" indent="0" algn="l" defTabSz="800100">
+            <a:lnSpc>
+              <a:spcPct val="90000"/>
+            </a:lnSpc>
+            <a:spcBef>
+              <a:spcPct val="0"/>
+            </a:spcBef>
+            <a:spcAft>
+              <a:spcPct val="35000"/>
+            </a:spcAft>
+            <a:buNone/>
+          </a:pPr>
+          <a:r>
+            <a:rPr lang="en-US" sz="1800" kern="1200"/>
+            <a:t>Axis was changed to 5k as span</a:t>
+          </a:r>
+        </a:p>
+      </dsp:txBody>
+      <dsp:txXfrm>
+        <a:off x="34906" y="3997227"/>
+        <a:ext cx="6019838" cy="645240"/>
+      </dsp:txXfrm>
+    </dsp:sp>
+    <dsp:sp modelId="{183F3612-FD45-EA4D-9CD4-488FB7DDD832}">
+      <dsp:nvSpPr>
+        <dsp:cNvPr id="0" name=""/>
+        <dsp:cNvSpPr/>
+      </dsp:nvSpPr>
+      <dsp:spPr>
+        <a:xfrm>
+          <a:off x="0" y="4729214"/>
+          <a:ext cx="6089650" cy="715052"/>
+        </a:xfrm>
+        <a:prstGeom prst="roundRect">
+          <a:avLst/>
+        </a:prstGeom>
+        <a:solidFill>
+          <a:schemeClr val="accent3">
+            <a:hueOff val="0"/>
+            <a:satOff val="0"/>
+            <a:lumOff val="0"/>
+            <a:alphaOff val="0"/>
+          </a:schemeClr>
+        </a:solidFill>
+        <a:ln w="12700" cap="flat" cmpd="sng" algn="ctr">
+          <a:solidFill>
+            <a:schemeClr val="lt1">
+              <a:hueOff val="0"/>
+              <a:satOff val="0"/>
+              <a:lumOff val="0"/>
+              <a:alphaOff val="0"/>
+            </a:schemeClr>
+          </a:solidFill>
+          <a:prstDash val="solid"/>
+          <a:miter lim="800000"/>
+        </a:ln>
+        <a:effectLst/>
+      </dsp:spPr>
+      <dsp:style>
+        <a:lnRef idx="2">
+          <a:scrgbClr r="0" g="0" b="0"/>
+        </a:lnRef>
+        <a:fillRef idx="1">
+          <a:scrgbClr r="0" g="0" b="0"/>
+        </a:fillRef>
+        <a:effectRef idx="0">
+          <a:scrgbClr r="0" g="0" b="0"/>
+        </a:effectRef>
+        <a:fontRef idx="minor">
+          <a:schemeClr val="lt1"/>
+        </a:fontRef>
+      </dsp:style>
+      <dsp:txBody>
+        <a:bodyPr spcFirstLastPara="0" vert="horz" wrap="square" lIns="68580" tIns="68580" rIns="68580" bIns="68580" numCol="1" spcCol="1270" anchor="ctr" anchorCtr="0">
+          <a:noAutofit/>
+        </a:bodyPr>
+        <a:lstStyle/>
+        <a:p>
+          <a:pPr marL="0" lvl="0" indent="0" algn="l" defTabSz="800100">
+            <a:lnSpc>
+              <a:spcPct val="90000"/>
+            </a:lnSpc>
+            <a:spcBef>
+              <a:spcPct val="0"/>
+            </a:spcBef>
+            <a:spcAft>
+              <a:spcPct val="35000"/>
+            </a:spcAft>
+            <a:buNone/>
+          </a:pPr>
+          <a:r>
+            <a:rPr lang="en-US" sz="1800" kern="1200"/>
+            <a:t>Top 10 country title was changed to same color as bar color.</a:t>
+          </a:r>
+        </a:p>
+      </dsp:txBody>
+      <dsp:txXfrm>
+        <a:off x="34906" y="4764120"/>
+        <a:ext cx="6019838" cy="645240"/>
+      </dsp:txXfrm>
+    </dsp:sp>
+  </dsp:spTree>
+</dsp:drawing>
+</file>
+
+<file path=ppt/diagrams/layout1.xml><?xml version="1.0" encoding="utf-8"?>
+<dgm:layoutDef xmlns:dgm="http://schemas.openxmlformats.org/drawingml/2006/diagram" xmlns:a="http://schemas.openxmlformats.org/drawingml/2006/main" uniqueId="urn:microsoft.com/office/officeart/2005/8/layout/vList2">
+  <dgm:title val=""/>
+  <dgm:desc val=""/>
+  <dgm:catLst>
+    <dgm:cat type="list" pri="3000"/>
+    <dgm:cat type="convert" pri="1000"/>
+  </dgm:catLst>
+  <dgm:sampData>
+    <dgm:dataModel>
+      <dgm:ptLst>
+        <dgm:pt modelId="0" type="doc"/>
+        <dgm:pt modelId="1">
+          <dgm:prSet phldr="1"/>
+        </dgm:pt>
+        <dgm:pt modelId="11">
+          <dgm:prSet phldr="1"/>
+        </dgm:pt>
+        <dgm:pt modelId="2">
+          <dgm:prSet phldr="1"/>
+        </dgm:pt>
+        <dgm:pt modelId="21">
+          <dgm:prSet phldr="1"/>
+        </dgm:pt>
+      </dgm:ptLst>
+      <dgm:cxnLst>
+        <dgm:cxn modelId="4" srcId="0" destId="1" srcOrd="0" destOrd="0"/>
+        <dgm:cxn modelId="5" srcId="0" destId="2" srcOrd="1" destOrd="0"/>
+        <dgm:cxn modelId="12" srcId="1" destId="11" srcOrd="0" destOrd="0"/>
+        <dgm:cxn modelId="23" srcId="2" destId="21" srcOrd="0" destOrd="0"/>
+      </dgm:cxnLst>
+      <dgm:bg/>
+      <dgm:whole/>
+    </dgm:dataModel>
+  </dgm:sampData>
+  <dgm:styleData>
+    <dgm:dataModel>
+      <dgm:ptLst>
+        <dgm:pt modelId="0" type="doc"/>
+        <dgm:pt modelId="1"/>
+        <dgm:pt modelId="2"/>
+      </dgm:ptLst>
+      <dgm:cxnLst>
+        <dgm:cxn modelId="3" srcId="0" destId="1" srcOrd="0" destOrd="0"/>
+        <dgm:cxn modelId="4" srcId="0" destId="2" srcOrd="1" destOrd="0"/>
+      </dgm:cxnLst>
+      <dgm:bg/>
+      <dgm:whole/>
+    </dgm:dataModel>
+  </dgm:styleData>
+  <dgm:clrData>
+    <dgm:dataModel>
+      <dgm:ptLst>
+        <dgm:pt modelId="0" type="doc"/>
+        <dgm:pt modelId="1"/>
+        <dgm:pt modelId="2"/>
+        <dgm:pt modelId="3"/>
+        <dgm:pt modelId="4"/>
+      </dgm:ptLst>
+      <dgm:cxnLst>
+        <dgm:cxn modelId="5" srcId="0" destId="1" srcOrd="0" destOrd="0"/>
+        <dgm:cxn modelId="6" srcId="0" destId="2" srcOrd="1" destOrd="0"/>
+        <dgm:cxn modelId="7" srcId="0" destId="3" srcOrd="2" destOrd="0"/>
+        <dgm:cxn modelId="8" srcId="0" destId="4" srcOrd="3" destOrd="0"/>
+      </dgm:cxnLst>
+      <dgm:bg/>
+      <dgm:whole/>
+    </dgm:dataModel>
+  </dgm:clrData>
+  <dgm:layoutNode name="linear">
+    <dgm:varLst>
+      <dgm:animLvl val="lvl"/>
+      <dgm:resizeHandles val="exact"/>
+    </dgm:varLst>
+    <dgm:alg type="lin">
+      <dgm:param type="linDir" val="fromT"/>
+      <dgm:param type="vertAlign" val="mid"/>
+    </dgm:alg>
+    <dgm:shape xmlns:r="http://schemas.openxmlformats.org/officeDocument/2006/relationships" r:blip="">
+      <dgm:adjLst/>
+    </dgm:shape>
+    <dgm:presOf/>
+    <dgm:constrLst>
+      <dgm:constr type="w" for="ch" forName="parentText" refType="w"/>
+      <dgm:constr type="h" for="ch" forName="parentText" refType="primFontSz" refFor="ch" refForName="parentText" fact="0.52"/>
+      <dgm:constr type="w" for="ch" forName="childText" refType="w"/>
+      <dgm:constr type="h" for="ch" forName="childText" refType="primFontSz" refFor="ch" refForName="parentText" fact="0.46"/>
+      <dgm:constr type="h" for="ch" forName="parentText" op="equ"/>
+      <dgm:constr type="primFontSz" for="ch" forName="parentText" op="equ" val="65"/>
+      <dgm:constr type="primFontSz" for="ch" forName="childText" refType="primFontSz" refFor="ch" refForName="parentText" op="equ"/>
+      <dgm:constr type="h" for="ch" forName="spacer" refType="primFontSz" refFor="ch" refForName="parentText" fact="0.08"/>
+    </dgm:constrLst>
+    <dgm:ruleLst>
+      <dgm:rule type="primFontSz" for="ch" forName="parentText" val="5" fact="NaN" max="NaN"/>
+    </dgm:ruleLst>
+    <dgm:forEach name="Name0" axis="ch" ptType="node">
+      <dgm:layoutNode name="parentText" styleLbl="node1">
+        <dgm:varLst>
+          <dgm:chMax val="0"/>
+          <dgm:bulletEnabled val="1"/>
+        </dgm:varLst>
+        <dgm:alg type="tx">
+          <dgm:param type="parTxLTRAlign" val="l"/>
+          <dgm:param type="parTxRTLAlign" val="r"/>
+        </dgm:alg>
+        <dgm:shape xmlns:r="http://schemas.openxmlformats.org/officeDocument/2006/relationships" type="roundRect" r:blip="">
+          <dgm:adjLst/>
+        </dgm:shape>
+        <dgm:presOf axis="self"/>
+        <dgm:constrLst>
+          <dgm:constr type="tMarg" refType="primFontSz" fact="0.3"/>
+          <dgm:constr type="bMarg" refType="primFontSz" fact="0.3"/>
+          <dgm:constr type="lMarg" refType="primFontSz" fact="0.3"/>
+          <dgm:constr type="rMarg" refType="primFontSz" fact="0.3"/>
+        </dgm:constrLst>
+        <dgm:ruleLst>
+          <dgm:rule type="h" val="INF" fact="NaN" max="NaN"/>
+        </dgm:ruleLst>
+      </dgm:layoutNode>
+      <dgm:choose name="Name1">
+        <dgm:if name="Name2" axis="ch" ptType="node" func="cnt" op="gte" val="1">
+          <dgm:layoutNode name="childText" styleLbl="revTx">
+            <dgm:varLst>
+              <dgm:bulletEnabled val="1"/>
+            </dgm:varLst>
+            <dgm:alg type="tx">
+              <dgm:param type="stBulletLvl" val="1"/>
+              <dgm:param type="lnSpAfChP" val="20"/>
+            </dgm:alg>
+            <dgm:shape xmlns:r="http://schemas.openxmlformats.org/officeDocument/2006/relationships" type="rect" r:blip="">
+              <dgm:adjLst/>
+            </dgm:shape>
+            <dgm:presOf axis="des" ptType="node"/>
+            <dgm:constrLst>
+              <dgm:constr type="tMarg" refType="primFontSz" fact="0.1"/>
+              <dgm:constr type="bMarg" refType="primFontSz" fact="0.1"/>
+              <dgm:constr type="lMarg" refType="w" fact="0.09"/>
+            </dgm:constrLst>
+            <dgm:ruleLst>
+              <dgm:rule type="h" val="INF" fact="NaN" max="NaN"/>
+            </dgm:ruleLst>
+          </dgm:layoutNode>
+        </dgm:if>
+        <dgm:else name="Name3">
+          <dgm:choose name="Name4">
+            <dgm:if name="Name5" axis="par ch" ptType="doc node" func="cnt" op="gte" val="2">
+              <dgm:forEach name="Name6" axis="followSib" ptType="sibTrans" cnt="1">
+                <dgm:layoutNode name="spacer">
+                  <dgm:alg type="sp"/>
+                  <dgm:shape xmlns:r="http://schemas.openxmlformats.org/officeDocument/2006/relationships" r:blip="">
+                    <dgm:adjLst/>
+                  </dgm:shape>
+                  <dgm:presOf/>
+                  <dgm:constrLst/>
+                  <dgm:ruleLst/>
+                </dgm:layoutNode>
+              </dgm:forEach>
+            </dgm:if>
+            <dgm:else name="Name7"/>
+          </dgm:choose>
+        </dgm:else>
+      </dgm:choose>
+    </dgm:forEach>
+  </dgm:layoutNode>
+</dgm:layoutDef>
+</file>
+
+<file path=ppt/diagrams/quickStyle1.xml><?xml version="1.0" encoding="utf-8"?>
+<dgm:styleDef xmlns:dgm="http://schemas.openxmlformats.org/drawingml/2006/diagram" xmlns:a="http://schemas.openxmlformats.org/drawingml/2006/main" uniqueId="urn:microsoft.com/office/officeart/2005/8/quickstyle/simple1">
+  <dgm:title val=""/>
+  <dgm:desc val=""/>
+  <dgm:catLst>
+    <dgm:cat type="simple" pri="10100"/>
+  </dgm:catLst>
+  <dgm:scene3d>
+    <a:camera prst="orthographicFront"/>
+    <a:lightRig rig="threePt" dir="t"/>
+  </dgm:scene3d>
+  <dgm:styleLbl name="node0">
+    <dgm:scene3d>
+      <a:camera prst="orthographicFront"/>
+      <a:lightRig rig="threePt" dir="t"/>
+    </dgm:scene3d>
+    <dgm:sp3d/>
+    <dgm:txPr/>
+    <dgm:style>
+      <a:lnRef idx="2">
+        <a:scrgbClr r="0" g="0" b="0"/>
+      </a:lnRef>
+      <a:fillRef idx="1">
+        <a:scrgbClr r="0" g="0" b="0"/>
+      </a:fillRef>
+      <a:effectRef idx="0">
+        <a:scrgbClr r="0" g="0" b="0"/>
+      </a:effectRef>
+      <a:fontRef idx="minor">
+        <a:schemeClr val="lt1"/>
+      </a:fontRef>
+    </dgm:style>
+  </dgm:styleLbl>
+  <dgm:styleLbl name="lnNode1">
+    <dgm:scene3d>
+      <a:camera prst="orthographicFront"/>
+      <a:lightRig rig="threePt" dir="t"/>
+    </dgm:scene3d>
+    <dgm:sp3d/>
+    <dgm:txPr/>
+    <dgm:style>
+      <a:lnRef idx="2">
+        <a:scrgbClr r="0" g="0" b="0"/>
+      </a:lnRef>
+      <a:fillRef idx="1">
+        <a:scrgbClr r="0" g="0" b="0"/>
+      </a:fillRef>
+      <a:effectRef idx="0">
+        <a:scrgbClr r="0" g="0" b="0"/>
+      </a:effectRef>
+      <a:fontRef idx="minor">
+        <a:schemeClr val="lt1"/>
+      </a:fontRef>
+    </dgm:style>
+  </dgm:styleLbl>
+  <dgm:styleLbl name="vennNode1">
+    <dgm:scene3d>
+      <a:camera prst="orthographicFront"/>
+      <a:lightRig rig="threePt" dir="t"/>
+    </dgm:scene3d>
+    <dgm:sp3d/>
+    <dgm:txPr/>
+    <dgm:style>
+      <a:lnRef idx="2">
+        <a:scrgbClr r="0" g="0" b="0"/>
+      </a:lnRef>
+      <a:fillRef idx="1">
+        <a:scrgbClr r="0" g="0" b="0"/>
+      </a:fillRef>
+      <a:effectRef idx="0">
+        <a:scrgbClr r="0" g="0" b="0"/>
+      </a:effectRef>
+      <a:fontRef idx="minor">
+        <a:schemeClr val="tx1"/>
+      </a:fontRef>
+    </dgm:style>
+  </dgm:styleLbl>
+  <dgm:styleLbl name="alignNode1">
+    <dgm:scene3d>
+      <a:camera prst="orthographicFront"/>
+      <a:lightRig rig="threePt" dir="t"/>
+    </dgm:scene3d>
+    <dgm:sp3d/>
+    <dgm:txPr/>
+    <dgm:style>
+      <a:lnRef idx="2">
+        <a:scrgbClr r="0" g="0" b="0"/>
+      </a:lnRef>
+      <a:fillRef idx="1">
+        <a:scrgbClr r="0" g="0" b="0"/>
+      </a:fillRef>
+      <a:effectRef idx="0">
+        <a:scrgbClr r="0" g="0" b="0"/>
+      </a:effectRef>
+      <a:fontRef idx="minor">
+        <a:schemeClr val="lt1"/>
+      </a:fontRef>
+    </dgm:style>
+  </dgm:styleLbl>
+  <dgm:styleLbl name="node1">
+    <dgm:scene3d>
+      <a:camera prst="orthographicFront"/>
+      <a:lightRig rig="threePt" dir="t"/>
+    </dgm:scene3d>
+    <dgm:sp3d/>
+    <dgm:txPr/>
+    <dgm:style>
+      <a:lnRef idx="2">
+        <a:scrgbClr r="0" g="0" b="0"/>
+      </a:lnRef>
+      <a:fillRef idx="1">
+        <a:scrgbClr r="0" g="0" b="0"/>
+      </a:fillRef>
+      <a:effectRef idx="0">
+        <a:scrgbClr r="0" g="0" b="0"/>
+      </a:effectRef>
+      <a:fontRef idx="minor">
+        <a:schemeClr val="lt1"/>
+      </a:fontRef>
+    </dgm:style>
+  </dgm:styleLbl>
+  <dgm:styleLbl name="node2">
+    <dgm:scene3d>
+      <a:camera prst="orthographicFront"/>
+      <a:lightRig rig="threePt" dir="t"/>
+    </dgm:scene3d>
+    <dgm:sp3d/>
+    <dgm:txPr/>
+    <dgm:style>
+      <a:lnRef idx="2">
+        <a:scrgbClr r="0" g="0" b="0"/>
+      </a:lnRef>
+      <a:fillRef idx="1">
+        <a:scrgbClr r="0" g="0" b="0"/>
+      </a:fillRef>
+      <a:effectRef idx="0">
+        <a:scrgbClr r="0" g="0" b="0"/>
+      </a:effectRef>
+      <a:fontRef idx="minor">
+        <a:schemeClr val="lt1"/>
+      </a:fontRef>
+    </dgm:style>
+  </dgm:styleLbl>
+  <dgm:styleLbl name="node3">
+    <dgm:scene3d>
+      <a:camera prst="orthographicFront"/>
+      <a:lightRig rig="threePt" dir="t"/>
+    </dgm:scene3d>
+    <dgm:sp3d/>
+    <dgm:txPr/>
+    <dgm:style>
+      <a:lnRef idx="2">
+        <a:scrgbClr r="0" g="0" b="0"/>
+      </a:lnRef>
+      <a:fillRef idx="1">
+        <a:scrgbClr r="0" g="0" b="0"/>
+      </a:fillRef>
+      <a:effectRef idx="0">
+        <a:scrgbClr r="0" g="0" b="0"/>
+      </a:effectRef>
+      <a:fontRef idx="minor">
+        <a:schemeClr val="lt1"/>
+      </a:fontRef>
+    </dgm:style>
+  </dgm:styleLbl>
+  <dgm:styleLbl name="node4">
+    <dgm:scene3d>
+      <a:camera prst="orthographicFront"/>
+      <a:lightRig rig="threePt" dir="t"/>
+    </dgm:scene3d>
+    <dgm:sp3d/>
+    <dgm:txPr/>
+    <dgm:style>
+      <a:lnRef idx="2">
+        <a:scrgbClr r="0" g="0" b="0"/>
+      </a:lnRef>
+      <a:fillRef idx="1">
+        <a:scrgbClr r="0" g="0" b="0"/>
+      </a:fillRef>
+      <a:effectRef idx="0">
+        <a:scrgbClr r="0" g="0" b="0"/>
+      </a:effectRef>
+      <a:fontRef idx="minor">
+        <a:schemeClr val="lt1"/>
+      </a:fontRef>
+    </dgm:style>
+  </dgm:styleLbl>
+  <dgm:styleLbl name="fgImgPlace1">
+    <dgm:scene3d>
+      <a:camera prst="orthographicFront"/>
+      <a:lightRig rig="threePt" dir="t"/>
+    </dgm:scene3d>
+    <dgm:sp3d/>
+    <dgm:txPr/>
+    <dgm:style>
+      <a:lnRef idx="2">
+        <a:scrgbClr r="0" g="0" b="0"/>
+      </a:lnRef>
+      <a:fillRef idx="1">
+        <a:scrgbClr r="0" g="0" b="0"/>
+      </a:fillRef>
+      <a:effectRef idx="0">
+        <a:scrgbClr r="0" g="0" b="0"/>
+      </a:effectRef>
+      <a:fontRef idx="minor"/>
+    </dgm:style>
+  </dgm:styleLbl>
+  <dgm:styleLbl name="alignImgPlace1">
+    <dgm:scene3d>
+      <a:camera prst="orthographicFront"/>
+      <a:lightRig rig="threePt" dir="t"/>
+    </dgm:scene3d>
+    <dgm:sp3d/>
+    <dgm:txPr/>
+    <dgm:style>
+      <a:lnRef idx="2">
+        <a:scrgbClr r="0" g="0" b="0"/>
+      </a:lnRef>
+      <a:fillRef idx="1">
+        <a:scrgbClr r="0" g="0" b="0"/>
+      </a:fillRef>
+      <a:effectRef idx="0">
+        <a:scrgbClr r="0" g="0" b="0"/>
+      </a:effectRef>
+      <a:fontRef idx="minor"/>
+    </dgm:style>
+  </dgm:styleLbl>
+  <dgm:styleLbl name="bgImgPlace1">
+    <dgm:scene3d>
+      <a:camera prst="orthographicFront"/>
+      <a:lightRig rig="threePt" dir="t"/>
+    </dgm:scene3d>
+    <dgm:sp3d/>
+    <dgm:txPr/>
+    <dgm:style>
+      <a:lnRef idx="2">
+        <a:scrgbClr r="0" g="0" b="0"/>
+      </a:lnRef>
+      <a:fillRef idx="1">
+        <a:scrgbClr r="0" g="0" b="0"/>
+      </a:fillRef>
+      <a:effectRef idx="0">
+        <a:scrgbClr r="0" g="0" b="0"/>
+      </a:effectRef>
+      <a:fontRef idx="minor"/>
+    </dgm:style>
+  </dgm:styleLbl>
+  <dgm:styleLbl name="sibTrans2D1">
+    <dgm:scene3d>
+      <a:camera prst="orthographicFront"/>
+      <a:lightRig rig="threePt" dir="t"/>
+    </dgm:scene3d>
+    <dgm:sp3d/>
+    <dgm:txPr/>
+    <dgm:style>
+      <a:lnRef idx="0">
+        <a:scrgbClr r="0" g="0" b="0"/>
+      </a:lnRef>
+      <a:fillRef idx="1">
+        <a:scrgbClr r="0" g="0" b="0"/>
+      </a:fillRef>
+      <a:effectRef idx="0">
+        <a:scrgbClr r="0" g="0" b="0"/>
+      </a:effectRef>
+      <a:fontRef idx="minor">
+        <a:schemeClr val="lt1"/>
+      </a:fontRef>
+    </dgm:style>
+  </dgm:styleLbl>
+  <dgm:styleLbl name="fgSibTrans2D1">
+    <dgm:scene3d>
+      <a:camera prst="orthographicFront"/>
+      <a:lightRig rig="threePt" dir="t"/>
+    </dgm:scene3d>
+    <dgm:sp3d/>
+    <dgm:txPr/>
+    <dgm:style>
+      <a:lnRef idx="0">
+        <a:scrgbClr r="0" g="0" b="0"/>
+      </a:lnRef>
+      <a:fillRef idx="1">
+        <a:scrgbClr r="0" g="0" b="0"/>
+      </a:fillRef>
+      <a:effectRef idx="0">
+        <a:scrgbClr r="0" g="0" b="0"/>
+      </a:effectRef>
+      <a:fontRef idx="minor">
+        <a:schemeClr val="lt1"/>
+      </a:fontRef>
+    </dgm:style>
+  </dgm:styleLbl>
+  <dgm:styleLbl name="bgSibTrans2D1">
+    <dgm:scene3d>
+      <a:camera prst="orthographicFront"/>
+      <a:lightRig rig="threePt" dir="t"/>
+    </dgm:scene3d>
+    <dgm:sp3d/>
+    <dgm:txPr/>
+    <dgm:style>
+      <a:lnRef idx="0">
+        <a:scrgbClr r="0" g="0" b="0"/>
+      </a:lnRef>
+      <a:fillRef idx="1">
+        <a:scrgbClr r="0" g="0" b="0"/>
+      </a:fillRef>
+      <a:effectRef idx="0">
+        <a:scrgbClr r="0" g="0" b="0"/>
+      </a:effectRef>
+      <a:fontRef idx="minor">
+        <a:schemeClr val="lt1"/>
+      </a:fontRef>
+    </dgm:style>
+  </dgm:styleLbl>
+  <dgm:styleLbl name="sibTrans1D1">
+    <dgm:scene3d>
+      <a:camera prst="orthographicFront"/>
+      <a:lightRig rig="threePt" dir="t"/>
+    </dgm:scene3d>
+    <dgm:sp3d/>
+    <dgm:txPr/>
+    <dgm:style>
+      <a:lnRef idx="1">
+        <a:scrgbClr r="0" g="0" b="0"/>
+      </a:lnRef>
+      <a:fillRef idx="0">
+        <a:scrgbClr r="0" g="0" b="0"/>
+      </a:fillRef>
+      <a:effectRef idx="0">
+        <a:scrgbClr r="0" g="0" b="0"/>
+      </a:effectRef>
+      <a:fontRef idx="minor"/>
+    </dgm:style>
+  </dgm:styleLbl>
+  <dgm:styleLbl name="callout">
+    <dgm:scene3d>
+      <a:camera prst="orthographicFront"/>
+      <a:lightRig rig="threePt" dir="t"/>
+    </dgm:scene3d>
+    <dgm:sp3d/>
+    <dgm:txPr/>
+    <dgm:style>
+      <a:lnRef idx="2">
+        <a:scrgbClr r="0" g="0" b="0"/>
+      </a:lnRef>
+      <a:fillRef idx="1">
+        <a:scrgbClr r="0" g="0" b="0"/>
+      </a:fillRef>
+      <a:effectRef idx="0">
+        <a:scrgbClr r="0" g="0" b="0"/>
+      </a:effectRef>
+      <a:fontRef idx="minor"/>
+    </dgm:style>
+  </dgm:styleLbl>
+  <dgm:styleLbl name="asst0">
+    <dgm:scene3d>
+      <a:camera prst="orthographicFront"/>
+      <a:lightRig rig="threePt" dir="t"/>
+    </dgm:scene3d>
+    <dgm:sp3d/>
+    <dgm:txPr/>
+    <dgm:style>
+      <a:lnRef idx="2">
+        <a:scrgbClr r="0" g="0" b="0"/>
+      </a:lnRef>
+      <a:fillRef idx="1">
+        <a:scrgbClr r="0" g="0" b="0"/>
+      </a:fillRef>
+      <a:effectRef idx="0">
+        <a:scrgbClr r="0" g="0" b="0"/>
+      </a:effectRef>
+      <a:fontRef idx="minor">
+        <a:schemeClr val="lt1"/>
+      </a:fontRef>
+    </dgm:style>
+  </dgm:styleLbl>
+  <dgm:styleLbl name="asst1">
+    <dgm:scene3d>
+      <a:camera prst="orthographicFront"/>
+      <a:lightRig rig="threePt" dir="t"/>
+    </dgm:scene3d>
+    <dgm:sp3d/>
+    <dgm:txPr/>
+    <dgm:style>
+      <a:lnRef idx="2">
+        <a:scrgbClr r="0" g="0" b="0"/>
+      </a:lnRef>
+      <a:fillRef idx="1">
+        <a:scrgbClr r="0" g="0" b="0"/>
+      </a:fillRef>
+      <a:effectRef idx="0">
+        <a:scrgbClr r="0" g="0" b="0"/>
+      </a:effectRef>
+      <a:fontRef idx="minor">
+        <a:schemeClr val="lt1"/>
+      </a:fontRef>
+    </dgm:style>
+  </dgm:styleLbl>
+  <dgm:styleLbl name="asst2">
+    <dgm:scene3d>
+      <a:camera prst="orthographicFront"/>
+      <a:lightRig rig="threePt" dir="t"/>
+    </dgm:scene3d>
+    <dgm:sp3d/>
+    <dgm:txPr/>
+    <dgm:style>
+      <a:lnRef idx="2">
+        <a:scrgbClr r="0" g="0" b="0"/>
+      </a:lnRef>
+      <a:fillRef idx="1">
+        <a:scrgbClr r="0" g="0" b="0"/>
+      </a:fillRef>
+      <a:effectRef idx="0">
+        <a:scrgbClr r="0" g="0" b="0"/>
+      </a:effectRef>
+      <a:fontRef idx="minor">
+        <a:schemeClr val="lt1"/>
+      </a:fontRef>
+    </dgm:style>
+  </dgm:styleLbl>
+  <dgm:styleLbl name="asst3">
+    <dgm:scene3d>
+      <a:camera prst="orthographicFront"/>
+      <a:lightRig rig="threePt" dir="t"/>
+    </dgm:scene3d>
+    <dgm:sp3d/>
+    <dgm:txPr/>
+    <dgm:style>
+      <a:lnRef idx="2">
+        <a:scrgbClr r="0" g="0" b="0"/>
+      </a:lnRef>
+      <a:fillRef idx="1">
+        <a:scrgbClr r="0" g="0" b="0"/>
+      </a:fillRef>
+      <a:effectRef idx="0">
+        <a:scrgbClr r="0" g="0" b="0"/>
+      </a:effectRef>
+      <a:fontRef idx="minor">
+        <a:schemeClr val="lt1"/>
+      </a:fontRef>
+    </dgm:style>
+  </dgm:styleLbl>
+  <dgm:styleLbl name="asst4">
+    <dgm:scene3d>
+      <a:camera prst="orthographicFront"/>
+      <a:lightRig rig="threePt" dir="t"/>
+    </dgm:scene3d>
+    <dgm:sp3d/>
+    <dgm:txPr/>
+    <dgm:style>
+      <a:lnRef idx="2">
+        <a:scrgbClr r="0" g="0" b="0"/>
+      </a:lnRef>
+      <a:fillRef idx="1">
+        <a:scrgbClr r="0" g="0" b="0"/>
+      </a:fillRef>
+      <a:effectRef idx="0">
+        <a:scrgbClr r="0" g="0" b="0"/>
+      </a:effectRef>
+      <a:fontRef idx="minor">
+        <a:schemeClr val="lt1"/>
+      </a:fontRef>
+    </dgm:style>
+  </dgm:styleLbl>
+  <dgm:styleLbl name="parChTrans2D1">
+    <dgm:scene3d>
+      <a:camera prst="orthographicFront"/>
+      <a:lightRig rig="threePt" dir="t"/>
+    </dgm:scene3d>
+    <dgm:sp3d/>
+    <dgm:txPr/>
+    <dgm:style>
+      <a:lnRef idx="2">
+        <a:scrgbClr r="0" g="0" b="0"/>
+      </a:lnRef>
+      <a:fillRef idx="1">
+        <a:scrgbClr r="0" g="0" b="0"/>
+      </a:fillRef>
+      <a:effectRef idx="0">
+        <a:scrgbClr r="0" g="0" b="0"/>
+      </a:effectRef>
+      <a:fontRef idx="minor">
+        <a:schemeClr val="lt1"/>
+      </a:fontRef>
+    </dgm:style>
+  </dgm:styleLbl>
+  <dgm:styleLbl name="parChTrans2D2">
+    <dgm:scene3d>
+      <a:camera prst="orthographicFront"/>
+      <a:lightRig rig="threePt" dir="t"/>
+    </dgm:scene3d>
+    <dgm:sp3d/>
+    <dgm:txPr/>
+    <dgm:style>
+      <a:lnRef idx="2">
+        <a:scrgbClr r="0" g="0" b="0"/>
+      </a:lnRef>
+      <a:fillRef idx="1">
+        <a:scrgbClr r="0" g="0" b="0"/>
+      </a:fillRef>
+      <a:effectRef idx="0">
+        <a:scrgbClr r="0" g="0" b="0"/>
+      </a:effectRef>
+      <a:fontRef idx="minor">
+        <a:schemeClr val="lt1"/>
+      </a:fontRef>
+    </dgm:style>
+  </dgm:styleLbl>
+  <dgm:styleLbl name="parChTrans2D3">
+    <dgm:scene3d>
+      <a:camera prst="orthographicFront"/>
+      <a:lightRig rig="threePt" dir="t"/>
+    </dgm:scene3d>
+    <dgm:sp3d/>
+    <dgm:txPr/>
+    <dgm:style>
+      <a:lnRef idx="2">
+        <a:scrgbClr r="0" g="0" b="0"/>
+      </a:lnRef>
+      <a:fillRef idx="1">
+        <a:scrgbClr r="0" g="0" b="0"/>
+      </a:fillRef>
+      <a:effectRef idx="0">
+        <a:scrgbClr r="0" g="0" b="0"/>
+      </a:effectRef>
+      <a:fontRef idx="minor">
+        <a:schemeClr val="lt1"/>
+      </a:fontRef>
+    </dgm:style>
+  </dgm:styleLbl>
+  <dgm:styleLbl name="parChTrans2D4">
+    <dgm:scene3d>
+      <a:camera prst="orthographicFront"/>
+      <a:lightRig rig="threePt" dir="t"/>
+    </dgm:scene3d>
+    <dgm:sp3d/>
+    <dgm:txPr/>
+    <dgm:style>
+      <a:lnRef idx="2">
+        <a:scrgbClr r="0" g="0" b="0"/>
+      </a:lnRef>
+      <a:fillRef idx="1">
+        <a:scrgbClr r="0" g="0" b="0"/>
+      </a:fillRef>
+      <a:effectRef idx="0">
+        <a:scrgbClr r="0" g="0" b="0"/>
+      </a:effectRef>
+      <a:fontRef idx="minor">
+        <a:schemeClr val="lt1"/>
+      </a:fontRef>
+    </dgm:style>
+  </dgm:styleLbl>
+  <dgm:styleLbl name="parChTrans1D1">
+    <dgm:scene3d>
+      <a:camera prst="orthographicFront"/>
+      <a:lightRig rig="threePt" dir="t"/>
+    </dgm:scene3d>
+    <dgm:sp3d/>
+    <dgm:txPr/>
+    <dgm:style>
+      <a:lnRef idx="2">
+        <a:scrgbClr r="0" g="0" b="0"/>
+      </a:lnRef>
+      <a:fillRef idx="0">
+        <a:scrgbClr r="0" g="0" b="0"/>
+      </a:fillRef>
+      <a:effectRef idx="0">
+        <a:scrgbClr r="0" g="0" b="0"/>
+      </a:effectRef>
+      <a:fontRef idx="minor"/>
+    </dgm:style>
+  </dgm:styleLbl>
+  <dgm:styleLbl name="parChTrans1D2">
+    <dgm:scene3d>
+      <a:camera prst="orthographicFront"/>
+      <a:lightRig rig="threePt" dir="t"/>
+    </dgm:scene3d>
+    <dgm:sp3d/>
+    <dgm:txPr/>
+    <dgm:style>
+      <a:lnRef idx="2">
+        <a:scrgbClr r="0" g="0" b="0"/>
+      </a:lnRef>
+      <a:fillRef idx="0">
+        <a:scrgbClr r="0" g="0" b="0"/>
+      </a:fillRef>
+      <a:effectRef idx="0">
+        <a:scrgbClr r="0" g="0" b="0"/>
+      </a:effectRef>
+      <a:fontRef idx="minor"/>
+    </dgm:style>
+  </dgm:styleLbl>
+  <dgm:styleLbl name="parChTrans1D3">
+    <dgm:scene3d>
+      <a:camera prst="orthographicFront"/>
+      <a:lightRig rig="threePt" dir="t"/>
+    </dgm:scene3d>
+    <dgm:sp3d/>
+    <dgm:txPr/>
+    <dgm:style>
+      <a:lnRef idx="2">
+        <a:scrgbClr r="0" g="0" b="0"/>
+      </a:lnRef>
+      <a:fillRef idx="0">
+        <a:scrgbClr r="0" g="0" b="0"/>
+      </a:fillRef>
+      <a:effectRef idx="0">
+        <a:scrgbClr r="0" g="0" b="0"/>
+      </a:effectRef>
+      <a:fontRef idx="minor"/>
+    </dgm:style>
+  </dgm:styleLbl>
+  <dgm:styleLbl name="parChTrans1D4">
+    <dgm:scene3d>
+      <a:camera prst="orthographicFront"/>
+      <a:lightRig rig="threePt" dir="t"/>
+    </dgm:scene3d>
+    <dgm:sp3d/>
+    <dgm:txPr/>
+    <dgm:style>
+      <a:lnRef idx="2">
+        <a:scrgbClr r="0" g="0" b="0"/>
+      </a:lnRef>
+      <a:fillRef idx="0">
+        <a:scrgbClr r="0" g="0" b="0"/>
+      </a:fillRef>
+      <a:effectRef idx="0">
+        <a:scrgbClr r="0" g="0" b="0"/>
+      </a:effectRef>
+      <a:fontRef idx="minor"/>
+    </dgm:style>
+  </dgm:styleLbl>
+  <dgm:styleLbl name="fgAcc1">
+    <dgm:scene3d>
+      <a:camera prst="orthographicFront"/>
+      <a:lightRig rig="threePt" dir="t"/>
+    </dgm:scene3d>
+    <dgm:sp3d/>
+    <dgm:txPr/>
+    <dgm:style>
+      <a:lnRef idx="2">
+        <a:scrgbClr r="0" g="0" b="0"/>
+      </a:lnRef>
+      <a:fillRef idx="1">
+        <a:scrgbClr r="0" g="0" b="0"/>
+      </a:fillRef>
+      <a:effectRef idx="0">
+        <a:scrgbClr r="0" g="0" b="0"/>
+      </a:effectRef>
+      <a:fontRef idx="minor"/>
+    </dgm:style>
+  </dgm:styleLbl>
+  <dgm:styleLbl name="conFgAcc1">
+    <dgm:scene3d>
+      <a:camera prst="orthographicFront"/>
+      <a:lightRig rig="threePt" dir="t"/>
+    </dgm:scene3d>
+    <dgm:sp3d/>
+    <dgm:txPr/>
+    <dgm:style>
+      <a:lnRef idx="2">
+        <a:scrgbClr r="0" g="0" b="0"/>
+      </a:lnRef>
+      <a:fillRef idx="1">
+        <a:scrgbClr r="0" g="0" b="0"/>
+      </a:fillRef>
+      <a:effectRef idx="0">
+        <a:scrgbClr r="0" g="0" b="0"/>
+      </a:effectRef>
+      <a:fontRef idx="minor"/>
+    </dgm:style>
+  </dgm:styleLbl>
+  <dgm:styleLbl name="alignAcc1">
+    <dgm:scene3d>
+      <a:camera prst="orthographicFront"/>
+      <a:lightRig rig="threePt" dir="t"/>
+    </dgm:scene3d>
+    <dgm:sp3d/>
+    <dgm:txPr/>
+    <dgm:style>
+      <a:lnRef idx="2">
+        <a:scrgbClr r="0" g="0" b="0"/>
+      </a:lnRef>
+      <a:fillRef idx="1">
+        <a:scrgbClr r="0" g="0" b="0"/>
+      </a:fillRef>
+      <a:effectRef idx="0">
+        <a:scrgbClr r="0" g="0" b="0"/>
+      </a:effectRef>
+      <a:fontRef idx="minor"/>
+    </dgm:style>
+  </dgm:styleLbl>
+  <dgm:styleLbl name="trAlignAcc1">
+    <dgm:scene3d>
+      <a:camera prst="orthographicFront"/>
+      <a:lightRig rig="threePt" dir="t"/>
+    </dgm:scene3d>
+    <dgm:sp3d/>
+    <dgm:txPr/>
+    <dgm:style>
+      <a:lnRef idx="1">
+        <a:scrgbClr r="0" g="0" b="0"/>
+      </a:lnRef>
+      <a:fillRef idx="1">
+        <a:scrgbClr r="0" g="0" b="0"/>
+      </a:fillRef>
+      <a:effectRef idx="0">
+        <a:scrgbClr r="0" g="0" b="0"/>
+      </a:effectRef>
+      <a:fontRef idx="minor"/>
+    </dgm:style>
+  </dgm:styleLbl>
+  <dgm:styleLbl name="bgAcc1">
+    <dgm:scene3d>
+      <a:camera prst="orthographicFront"/>
+      <a:lightRig rig="threePt" dir="t"/>
+    </dgm:scene3d>
+    <dgm:sp3d/>
+    <dgm:txPr/>
+    <dgm:style>
+      <a:lnRef idx="2">
+        <a:scrgbClr r="0" g="0" b="0"/>
+      </a:lnRef>
+      <a:fillRef idx="1">
+        <a:scrgbClr r="0" g="0" b="0"/>
+      </a:fillRef>
+      <a:effectRef idx="0">
+        <a:scrgbClr r="0" g="0" b="0"/>
+      </a:effectRef>
+      <a:fontRef idx="minor"/>
+    </dgm:style>
+  </dgm:styleLbl>
+  <dgm:styleLbl name="solidFgAcc1">
+    <dgm:scene3d>
+      <a:camera prst="orthographicFront"/>
+      <a:lightRig rig="threePt" dir="t"/>
+    </dgm:scene3d>
+    <dgm:sp3d/>
+    <dgm:txPr/>
+    <dgm:style>
+      <a:lnRef idx="2">
+        <a:scrgbClr r="0" g="0" b="0"/>
+      </a:lnRef>
+      <a:fillRef idx="1">
+        <a:scrgbClr r="0" g="0" b="0"/>
+      </a:fillRef>
+      <a:effectRef idx="0">
+        <a:scrgbClr r="0" g="0" b="0"/>
+      </a:effectRef>
+      <a:fontRef idx="minor"/>
+    </dgm:style>
+  </dgm:styleLbl>
+  <dgm:styleLbl name="solidAlignAcc1">
+    <dgm:scene3d>
+      <a:camera prst="orthographicFront"/>
+      <a:lightRig rig="threePt" dir="t"/>
+    </dgm:scene3d>
+    <dgm:sp3d/>
+    <dgm:txPr/>
+    <dgm:style>
+      <a:lnRef idx="2">
+        <a:scrgbClr r="0" g="0" b="0"/>
+      </a:lnRef>
+      <a:fillRef idx="1">
+        <a:scrgbClr r="0" g="0" b="0"/>
+      </a:fillRef>
+      <a:effectRef idx="0">
+        <a:scrgbClr r="0" g="0" b="0"/>
+      </a:effectRef>
+      <a:fontRef idx="minor"/>
+    </dgm:style>
+  </dgm:styleLbl>
+  <dgm:styleLbl name="solidBgAcc1">
+    <dgm:scene3d>
+      <a:camera prst="orthographicFront"/>
+      <a:lightRig rig="threePt" dir="t"/>
+    </dgm:scene3d>
+    <dgm:sp3d/>
+    <dgm:txPr/>
+    <dgm:style>
+      <a:lnRef idx="2">
+        <a:scrgbClr r="0" g="0" b="0"/>
+      </a:lnRef>
+      <a:fillRef idx="1">
+        <a:scrgbClr r="0" g="0" b="0"/>
+      </a:fillRef>
+      <a:effectRef idx="0">
+        <a:scrgbClr r="0" g="0" b="0"/>
+      </a:effectRef>
+      <a:fontRef idx="minor"/>
+    </dgm:style>
+  </dgm:styleLbl>
+  <dgm:styleLbl name="fgAccFollowNode1">
+    <dgm:scene3d>
+      <a:camera prst="orthographicFront"/>
+      <a:lightRig rig="threePt" dir="t"/>
+    </dgm:scene3d>
+    <dgm:sp3d/>
+    <dgm:txPr/>
+    <dgm:style>
+      <a:lnRef idx="2">
+        <a:scrgbClr r="0" g="0" b="0"/>
+      </a:lnRef>
+      <a:fillRef idx="1">
+        <a:scrgbClr r="0" g="0" b="0"/>
+      </a:fillRef>
+      <a:effectRef idx="0">
+        <a:scrgbClr r="0" g="0" b="0"/>
+      </a:effectRef>
+      <a:fontRef idx="minor"/>
+    </dgm:style>
+  </dgm:styleLbl>
+  <dgm:styleLbl name="alignAccFollowNode1">
+    <dgm:scene3d>
+      <a:camera prst="orthographicFront"/>
+      <a:lightRig rig="threePt" dir="t"/>
+    </dgm:scene3d>
+    <dgm:sp3d/>
+    <dgm:txPr/>
+    <dgm:style>
+      <a:lnRef idx="2">
+        <a:scrgbClr r="0" g="0" b="0"/>
+      </a:lnRef>
+      <a:fillRef idx="1">
+        <a:scrgbClr r="0" g="0" b="0"/>
+      </a:fillRef>
+      <a:effectRef idx="0">
+        <a:scrgbClr r="0" g="0" b="0"/>
+      </a:effectRef>
+      <a:fontRef idx="minor"/>
+    </dgm:style>
+  </dgm:styleLbl>
+  <dgm:styleLbl name="bgAccFollowNode1">
+    <dgm:scene3d>
+      <a:camera prst="orthographicFront"/>
+      <a:lightRig rig="threePt" dir="t"/>
+    </dgm:scene3d>
+    <dgm:sp3d/>
+    <dgm:txPr/>
+    <dgm:style>
+      <a:lnRef idx="2">
+        <a:scrgbClr r="0" g="0" b="0"/>
+      </a:lnRef>
+      <a:fillRef idx="1">
+        <a:scrgbClr r="0" g="0" b="0"/>
+      </a:fillRef>
+      <a:effectRef idx="0">
+        <a:scrgbClr r="0" g="0" b="0"/>
+      </a:effectRef>
+      <a:fontRef idx="minor"/>
+    </dgm:style>
+  </dgm:styleLbl>
+  <dgm:styleLbl name="fgAcc0">
+    <dgm:scene3d>
+      <a:camera prst="orthographicFront"/>
+      <a:lightRig rig="threePt" dir="t"/>
+    </dgm:scene3d>
+    <dgm:sp3d/>
+    <dgm:txPr/>
+    <dgm:style>
+      <a:lnRef idx="2">
+        <a:scrgbClr r="0" g="0" b="0"/>
+      </a:lnRef>
+      <a:fillRef idx="1">
+        <a:scrgbClr r="0" g="0" b="0"/>
+      </a:fillRef>
+      <a:effectRef idx="0">
+        <a:scrgbClr r="0" g="0" b="0"/>
+      </a:effectRef>
+      <a:fontRef idx="minor"/>
+    </dgm:style>
+  </dgm:styleLbl>
+  <dgm:styleLbl name="fgAcc2">
+    <dgm:scene3d>
+      <a:camera prst="orthographicFront"/>
+      <a:lightRig rig="threePt" dir="t"/>
+    </dgm:scene3d>
+    <dgm:sp3d/>
+    <dgm:txPr/>
+    <dgm:style>
+      <a:lnRef idx="2">
+        <a:scrgbClr r="0" g="0" b="0"/>
+      </a:lnRef>
+      <a:fillRef idx="1">
+        <a:scrgbClr r="0" g="0" b="0"/>
+      </a:fillRef>
+      <a:effectRef idx="0">
+        <a:scrgbClr r="0" g="0" b="0"/>
+      </a:effectRef>
+      <a:fontRef idx="minor"/>
+    </dgm:style>
+  </dgm:styleLbl>
+  <dgm:styleLbl name="fgAcc3">
+    <dgm:scene3d>
+      <a:camera prst="orthographicFront"/>
+      <a:lightRig rig="threePt" dir="t"/>
+    </dgm:scene3d>
+    <dgm:sp3d/>
+    <dgm:txPr/>
+    <dgm:style>
+      <a:lnRef idx="2">
+        <a:scrgbClr r="0" g="0" b="0"/>
+      </a:lnRef>
+      <a:fillRef idx="1">
+        <a:scrgbClr r="0" g="0" b="0"/>
+      </a:fillRef>
+      <a:effectRef idx="0">
+        <a:scrgbClr r="0" g="0" b="0"/>
+      </a:effectRef>
+      <a:fontRef idx="minor"/>
+    </dgm:style>
+  </dgm:styleLbl>
+  <dgm:styleLbl name="fgAcc4">
+    <dgm:scene3d>
+      <a:camera prst="orthographicFront"/>
+      <a:lightRig rig="threePt" dir="t"/>
+    </dgm:scene3d>
+    <dgm:sp3d/>
+    <dgm:txPr/>
+    <dgm:style>
+      <a:lnRef idx="2">
+        <a:scrgbClr r="0" g="0" b="0"/>
+      </a:lnRef>
+      <a:fillRef idx="1">
+        <a:scrgbClr r="0" g="0" b="0"/>
+      </a:fillRef>
+      <a:effectRef idx="0">
+        <a:scrgbClr r="0" g="0" b="0"/>
+      </a:effectRef>
+      <a:fontRef idx="minor"/>
+    </dgm:style>
+  </dgm:styleLbl>
+  <dgm:styleLbl name="bgShp">
+    <dgm:scene3d>
+      <a:camera prst="orthographicFront"/>
+      <a:lightRig rig="threePt" dir="t"/>
+    </dgm:scene3d>
+    <dgm:sp3d/>
+    <dgm:txPr/>
+    <dgm:style>
+      <a:lnRef idx="0">
+        <a:scrgbClr r="0" g="0" b="0"/>
+      </a:lnRef>
+      <a:fillRef idx="1">
+        <a:scrgbClr r="0" g="0" b="0"/>
+      </a:fillRef>
+      <a:effectRef idx="0">
+        <a:scrgbClr r="0" g="0" b="0"/>
+      </a:effectRef>
+      <a:fontRef idx="minor"/>
+    </dgm:style>
+  </dgm:styleLbl>
+  <dgm:styleLbl name="dkBgShp">
+    <dgm:scene3d>
+      <a:camera prst="orthographicFront"/>
+      <a:lightRig rig="threePt" dir="t"/>
+    </dgm:scene3d>
+    <dgm:sp3d/>
+    <dgm:txPr/>
+    <dgm:style>
+      <a:lnRef idx="0">
+        <a:scrgbClr r="0" g="0" b="0"/>
+      </a:lnRef>
+      <a:fillRef idx="1">
+        <a:scrgbClr r="0" g="0" b="0"/>
+      </a:fillRef>
+      <a:effectRef idx="0">
+        <a:scrgbClr r="0" g="0" b="0"/>
+      </a:effectRef>
+      <a:fontRef idx="minor"/>
+    </dgm:style>
+  </dgm:styleLbl>
+  <dgm:styleLbl name="trBgShp">
+    <dgm:scene3d>
+      <a:camera prst="orthographicFront"/>
+      <a:lightRig rig="threePt" dir="t"/>
+    </dgm:scene3d>
+    <dgm:sp3d/>
+    <dgm:txPr/>
+    <dgm:style>
+      <a:lnRef idx="0">
+        <a:scrgbClr r="0" g="0" b="0"/>
+      </a:lnRef>
+      <a:fillRef idx="1">
+        <a:scrgbClr r="0" g="0" b="0"/>
+      </a:fillRef>
+      <a:effectRef idx="0">
+        <a:scrgbClr r="0" g="0" b="0"/>
+      </a:effectRef>
+      <a:fontRef idx="minor"/>
+    </dgm:style>
+  </dgm:styleLbl>
+  <dgm:styleLbl name="fgShp">
+    <dgm:scene3d>
+      <a:camera prst="orthographicFront"/>
+      <a:lightRig rig="threePt" dir="t"/>
+    </dgm:scene3d>
+    <dgm:sp3d/>
+    <dgm:txPr/>
+    <dgm:style>
+      <a:lnRef idx="2">
+        <a:scrgbClr r="0" g="0" b="0"/>
+      </a:lnRef>
+      <a:fillRef idx="1">
+        <a:scrgbClr r="0" g="0" b="0"/>
+      </a:fillRef>
+      <a:effectRef idx="0">
+        <a:scrgbClr r="0" g="0" b="0"/>
+      </a:effectRef>
+      <a:fontRef idx="minor"/>
+    </dgm:style>
+  </dgm:styleLbl>
+  <dgm:styleLbl name="revTx">
+    <dgm:scene3d>
+      <a:camera prst="orthographicFront"/>
+      <a:lightRig rig="threePt" dir="t"/>
+    </dgm:scene3d>
+    <dgm:sp3d/>
+    <dgm:txPr/>
+    <dgm:style>
+      <a:lnRef idx="0">
+        <a:scrgbClr r="0" g="0" b="0"/>
+      </a:lnRef>
+      <a:fillRef idx="0">
+        <a:scrgbClr r="0" g="0" b="0"/>
+      </a:fillRef>
+      <a:effectRef idx="0">
+        <a:scrgbClr r="0" g="0" b="0"/>
+      </a:effectRef>
+      <a:fontRef idx="minor"/>
+    </dgm:style>
+  </dgm:styleLbl>
+</dgm:styleDef>
+</file>
+
 <file path=ppt/notesMasters/notesMaster1.xml><?xml version="1.0" encoding="utf-8"?>
 <p:notesMaster xmlns:a="http://schemas.openxmlformats.org/drawingml/2006/main" xmlns:r="http://schemas.openxmlformats.org/officeDocument/2006/relationships" xmlns:p="http://schemas.openxmlformats.org/presentationml/2006/main">
   <p:cSld>
@@ -2029,6 +5110,90 @@
     <p:extLst>
       <p:ext uri="{BB962C8B-B14F-4D97-AF65-F5344CB8AC3E}">
         <p14:creationId xmlns:p14="http://schemas.microsoft.com/office/powerpoint/2010/main" val="1628776077"/>
+      </p:ext>
+    </p:extLst>
+  </p:cSld>
+  <p:clrMapOvr>
+    <a:masterClrMapping/>
+  </p:clrMapOvr>
+</p:notes>
+</file>
+
+<file path=ppt/notesSlides/notesSlide5.xml><?xml version="1.0" encoding="utf-8"?>
+<p:notes xmlns:a="http://schemas.openxmlformats.org/drawingml/2006/main" xmlns:r="http://schemas.openxmlformats.org/officeDocument/2006/relationships" xmlns:p="http://schemas.openxmlformats.org/presentationml/2006/main">
+  <p:cSld>
+    <p:spTree>
+      <p:nvGrpSpPr>
+        <p:cNvPr id="1" name=""/>
+        <p:cNvGrpSpPr/>
+        <p:nvPr/>
+      </p:nvGrpSpPr>
+      <p:grpSpPr>
+        <a:xfrm>
+          <a:off x="0" y="0"/>
+          <a:ext cx="0" cy="0"/>
+          <a:chOff x="0" y="0"/>
+          <a:chExt cx="0" cy="0"/>
+        </a:xfrm>
+      </p:grpSpPr>
+      <p:sp>
+        <p:nvSpPr>
+          <p:cNvPr id="2" name="Slide Image Placeholder 1"/>
+          <p:cNvSpPr>
+            <a:spLocks noGrp="1" noRot="1" noChangeAspect="1"/>
+          </p:cNvSpPr>
+          <p:nvPr>
+            <p:ph type="sldImg"/>
+          </p:nvPr>
+        </p:nvSpPr>
+        <p:spPr/>
+      </p:sp>
+      <p:sp>
+        <p:nvSpPr>
+          <p:cNvPr id="3" name="Notes Placeholder 2"/>
+          <p:cNvSpPr>
+            <a:spLocks noGrp="1"/>
+          </p:cNvSpPr>
+          <p:nvPr>
+            <p:ph type="body" idx="1"/>
+          </p:nvPr>
+        </p:nvSpPr>
+        <p:spPr/>
+        <p:txBody>
+          <a:bodyPr/>
+          <a:lstStyle/>
+          <a:p>
+            <a:endParaRPr lang="en-US"/>
+          </a:p>
+        </p:txBody>
+      </p:sp>
+      <p:sp>
+        <p:nvSpPr>
+          <p:cNvPr id="4" name="Slide Number Placeholder 3"/>
+          <p:cNvSpPr>
+            <a:spLocks noGrp="1"/>
+          </p:cNvSpPr>
+          <p:nvPr>
+            <p:ph type="sldNum" sz="quarter" idx="5"/>
+          </p:nvPr>
+        </p:nvSpPr>
+        <p:spPr/>
+        <p:txBody>
+          <a:bodyPr/>
+          <a:lstStyle/>
+          <a:p>
+            <a:fld id="{EA9C5E10-4773-4154-A2C7-389A04F1C112}" type="slidenum">
+              <a:rPr lang="en-US" smtClean="0"/>
+              <a:t>16</a:t>
+            </a:fld>
+            <a:endParaRPr lang="en-US"/>
+          </a:p>
+        </p:txBody>
+      </p:sp>
+    </p:spTree>
+    <p:extLst>
+      <p:ext uri="{BB962C8B-B14F-4D97-AF65-F5344CB8AC3E}">
+        <p14:creationId xmlns:p14="http://schemas.microsoft.com/office/powerpoint/2010/main" val="1197172429"/>
       </p:ext>
     </p:extLst>
   </p:cSld>
@@ -10227,6 +13392,14 @@
 <file path=ppt/slides/slide16.xml><?xml version="1.0" encoding="utf-8"?>
 <p:sld xmlns:a="http://schemas.openxmlformats.org/drawingml/2006/main" xmlns:r="http://schemas.openxmlformats.org/officeDocument/2006/relationships" xmlns:p="http://schemas.openxmlformats.org/presentationml/2006/main">
   <p:cSld>
+    <p:bg>
+      <p:bgPr>
+        <a:solidFill>
+          <a:schemeClr val="bg1"/>
+        </a:solidFill>
+        <a:effectLst/>
+      </p:bgPr>
+    </p:bg>
     <p:spTree>
       <p:nvGrpSpPr>
         <p:cNvPr id="1" name=""/>
@@ -10241,6 +13414,235 @@
           <a:chExt cx="0" cy="0"/>
         </a:xfrm>
       </p:grpSpPr>
+      <p:sp useBgFill="1">
+        <p:nvSpPr>
+          <p:cNvPr id="11" name="Rectangle 10">
+            <a:extLst>
+              <a:ext uri="{FF2B5EF4-FFF2-40B4-BE49-F238E27FC236}">
+                <a16:creationId xmlns:a16="http://schemas.microsoft.com/office/drawing/2014/main" id="{3B854194-185D-494D-905C-7C7CB2E30F6E}"/>
+              </a:ext>
+              <a:ext uri="{C183D7F6-B498-43B3-948B-1728B52AA6E4}">
+                <adec:decorative xmlns:adec="http://schemas.microsoft.com/office/drawing/2017/decorative" val="1"/>
+              </a:ext>
+            </a:extLst>
+          </p:cNvPr>
+          <p:cNvSpPr>
+            <a:spLocks noGrp="1" noRot="1" noChangeAspect="1" noMove="1" noResize="1" noEditPoints="1" noAdjustHandles="1" noChangeArrowheads="1" noChangeShapeType="1" noTextEdit="1"/>
+          </p:cNvSpPr>
+          <p:nvPr>
+            <p:extLst>
+              <p:ext uri="{386F3935-93C4-4BCD-93E2-E3B085C9AB24}">
+                <p16:designElem xmlns:p16="http://schemas.microsoft.com/office/powerpoint/2015/main" val="1"/>
+              </p:ext>
+            </p:extLst>
+          </p:nvPr>
+        </p:nvSpPr>
+        <p:spPr>
+          <a:xfrm>
+            <a:off x="1" y="0"/>
+            <a:ext cx="6082110" cy="6858000"/>
+          </a:xfrm>
+          <a:prstGeom prst="rect">
+            <a:avLst/>
+          </a:prstGeom>
+          <a:ln>
+            <a:noFill/>
+          </a:ln>
+        </p:spPr>
+        <p:style>
+          <a:lnRef idx="2">
+            <a:schemeClr val="accent1">
+              <a:shade val="50000"/>
+            </a:schemeClr>
+          </a:lnRef>
+          <a:fillRef idx="1">
+            <a:schemeClr val="accent1"/>
+          </a:fillRef>
+          <a:effectRef idx="0">
+            <a:schemeClr val="accent1"/>
+          </a:effectRef>
+          <a:fontRef idx="minor">
+            <a:schemeClr val="lt1"/>
+          </a:fontRef>
+        </p:style>
+        <p:txBody>
+          <a:bodyPr rtlCol="0" anchor="ctr"/>
+          <a:lstStyle/>
+          <a:p>
+            <a:pPr algn="ctr"/>
+            <a:endParaRPr lang="en-US"/>
+          </a:p>
+        </p:txBody>
+      </p:sp>
+      <p:sp>
+        <p:nvSpPr>
+          <p:cNvPr id="13" name="Rectangle 12">
+            <a:extLst>
+              <a:ext uri="{FF2B5EF4-FFF2-40B4-BE49-F238E27FC236}">
+                <a16:creationId xmlns:a16="http://schemas.microsoft.com/office/drawing/2014/main" id="{B4F5FA0D-0104-4987-8241-EFF7C85B88DE}"/>
+              </a:ext>
+              <a:ext uri="{C183D7F6-B498-43B3-948B-1728B52AA6E4}">
+                <adec:decorative xmlns:adec="http://schemas.microsoft.com/office/drawing/2017/decorative" val="1"/>
+              </a:ext>
+            </a:extLst>
+          </p:cNvPr>
+          <p:cNvSpPr>
+            <a:spLocks noGrp="1" noRot="1" noChangeAspect="1" noMove="1" noResize="1" noEditPoints="1" noAdjustHandles="1" noChangeArrowheads="1" noChangeShapeType="1" noTextEdit="1"/>
+          </p:cNvSpPr>
+          <p:nvPr>
+            <p:extLst>
+              <p:ext uri="{386F3935-93C4-4BCD-93E2-E3B085C9AB24}">
+                <p16:designElem xmlns:p16="http://schemas.microsoft.com/office/powerpoint/2015/main" val="1"/>
+              </p:ext>
+            </p:extLst>
+          </p:nvPr>
+        </p:nvSpPr>
+        <p:spPr>
+          <a:xfrm>
+            <a:off x="1" y="0"/>
+            <a:ext cx="12191998" cy="6858000"/>
+          </a:xfrm>
+          <a:prstGeom prst="rect">
+            <a:avLst/>
+          </a:prstGeom>
+          <a:gradFill>
+            <a:gsLst>
+              <a:gs pos="0">
+                <a:schemeClr val="accent1">
+                  <a:lumMod val="90000"/>
+                </a:schemeClr>
+              </a:gs>
+              <a:gs pos="25000">
+                <a:schemeClr val="accent1">
+                  <a:lumMod val="90000"/>
+                </a:schemeClr>
+              </a:gs>
+              <a:gs pos="94000">
+                <a:schemeClr val="bg2">
+                  <a:lumMod val="25000"/>
+                </a:schemeClr>
+              </a:gs>
+              <a:gs pos="100000">
+                <a:schemeClr val="bg2">
+                  <a:lumMod val="25000"/>
+                </a:schemeClr>
+              </a:gs>
+            </a:gsLst>
+            <a:lin ang="4200000" scaled="0"/>
+          </a:gradFill>
+          <a:ln>
+            <a:noFill/>
+          </a:ln>
+        </p:spPr>
+        <p:style>
+          <a:lnRef idx="2">
+            <a:schemeClr val="accent1">
+              <a:shade val="50000"/>
+            </a:schemeClr>
+          </a:lnRef>
+          <a:fillRef idx="1">
+            <a:schemeClr val="accent1"/>
+          </a:fillRef>
+          <a:effectRef idx="0">
+            <a:schemeClr val="accent1"/>
+          </a:effectRef>
+          <a:fontRef idx="minor">
+            <a:schemeClr val="lt1"/>
+          </a:fontRef>
+        </p:style>
+        <p:txBody>
+          <a:bodyPr rtlCol="0" anchor="ctr"/>
+          <a:lstStyle/>
+          <a:p>
+            <a:pPr algn="ctr"/>
+            <a:endParaRPr lang="en-US"/>
+          </a:p>
+        </p:txBody>
+      </p:sp>
+      <p:pic>
+        <p:nvPicPr>
+          <p:cNvPr id="15" name="Picture 14">
+            <a:extLst>
+              <a:ext uri="{FF2B5EF4-FFF2-40B4-BE49-F238E27FC236}">
+                <a16:creationId xmlns:a16="http://schemas.microsoft.com/office/drawing/2014/main" id="{2897127E-6CEF-446C-BE87-93B7C46E49D1}"/>
+              </a:ext>
+              <a:ext uri="{C183D7F6-B498-43B3-948B-1728B52AA6E4}">
+                <adec:decorative xmlns:adec="http://schemas.microsoft.com/office/drawing/2017/decorative" val="1"/>
+              </a:ext>
+            </a:extLst>
+          </p:cNvPr>
+          <p:cNvPicPr>
+            <a:picLocks noGrp="1" noRot="1" noChangeAspect="1" noMove="1" noResize="1" noEditPoints="1" noAdjustHandles="1" noChangeArrowheads="1" noChangeShapeType="1" noCrop="1"/>
+          </p:cNvPicPr>
+          <p:nvPr>
+            <p:extLst>
+              <p:ext uri="{386F3935-93C4-4BCD-93E2-E3B085C9AB24}">
+                <p16:designElem xmlns:p16="http://schemas.microsoft.com/office/powerpoint/2015/main" val="1"/>
+              </p:ext>
+            </p:extLst>
+          </p:nvPr>
+        </p:nvPicPr>
+        <p:blipFill>
+          <a:blip r:embed="rId3">
+            <a:extLst>
+              <a:ext uri="{28A0092B-C50C-407E-A947-70E740481C1C}">
+                <a14:useLocalDpi xmlns:a14="http://schemas.microsoft.com/office/drawing/2010/main" val="0"/>
+              </a:ext>
+            </a:extLst>
+          </a:blip>
+          <a:stretch>
+            <a:fillRect/>
+          </a:stretch>
+        </p:blipFill>
+        <p:spPr>
+          <a:xfrm>
+            <a:off x="0" y="0"/>
+            <a:ext cx="12192000" cy="6858000"/>
+          </a:xfrm>
+          <a:prstGeom prst="rect">
+            <a:avLst/>
+          </a:prstGeom>
+        </p:spPr>
+      </p:pic>
+      <p:sp>
+        <p:nvSpPr>
+          <p:cNvPr id="6" name="Title 5">
+            <a:extLst>
+              <a:ext uri="{FF2B5EF4-FFF2-40B4-BE49-F238E27FC236}">
+                <a16:creationId xmlns:a16="http://schemas.microsoft.com/office/drawing/2014/main" id="{27E8A2D3-8986-0F45-90E0-CB0C85259C7D}"/>
+              </a:ext>
+            </a:extLst>
+          </p:cNvPr>
+          <p:cNvSpPr>
+            <a:spLocks noGrp="1"/>
+          </p:cNvSpPr>
+          <p:nvPr>
+            <p:ph type="title"/>
+          </p:nvPr>
+        </p:nvSpPr>
+        <p:spPr>
+          <a:xfrm>
+            <a:off x="640079" y="2053641"/>
+            <a:ext cx="3669161" cy="2760098"/>
+          </a:xfrm>
+        </p:spPr>
+        <p:txBody>
+          <a:bodyPr>
+            <a:normAutofit/>
+          </a:bodyPr>
+          <a:lstStyle/>
+          <a:p>
+            <a:r>
+              <a:rPr lang="en-US">
+                <a:solidFill>
+                  <a:srgbClr val="FFFFFF"/>
+                </a:solidFill>
+              </a:rPr>
+              <a:t>Redesign</a:t>
+            </a:r>
+          </a:p>
+        </p:txBody>
+      </p:sp>
       <p:sp>
         <p:nvSpPr>
           <p:cNvPr id="3" name="Content Placeholder 2">
@@ -10257,62 +13659,48 @@
             <p:ph idx="1"/>
           </p:nvPr>
         </p:nvSpPr>
-        <p:spPr/>
-        <p:txBody>
-          <a:bodyPr/>
-          <a:lstStyle/>
-          <a:p>
-            <a:pPr lvl="1"/>
-            <a:r>
-              <a:rPr lang="en-US" dirty="0"/>
-              <a:t>In previous design, map chart was using for country distribution for number of participants.</a:t>
-            </a:r>
-          </a:p>
-          <a:p>
-            <a:pPr lvl="1"/>
-            <a:r>
-              <a:rPr lang="en-US" dirty="0"/>
-              <a:t>Color was used to differentiate the numbers, this is not clear</a:t>
-            </a:r>
-          </a:p>
-          <a:p>
-            <a:pPr lvl="1"/>
-            <a:r>
-              <a:rPr lang="en-US" dirty="0"/>
-              <a:t> First try to use size instead of color to represent the numbers</a:t>
-            </a:r>
-          </a:p>
-        </p:txBody>
-      </p:sp>
-      <p:sp>
-        <p:nvSpPr>
-          <p:cNvPr id="6" name="Title 5">
-            <a:extLst>
-              <a:ext uri="{FF2B5EF4-FFF2-40B4-BE49-F238E27FC236}">
-                <a16:creationId xmlns:a16="http://schemas.microsoft.com/office/drawing/2014/main" id="{27E8A2D3-8986-0F45-90E0-CB0C85259C7D}"/>
-              </a:ext>
-            </a:extLst>
-          </p:cNvPr>
-          <p:cNvSpPr>
-            <a:spLocks noGrp="1"/>
-          </p:cNvSpPr>
-          <p:nvPr>
-            <p:ph type="title"/>
-          </p:nvPr>
-        </p:nvSpPr>
         <p:spPr>
           <a:xfrm>
-            <a:off x="838200" y="640080"/>
-            <a:ext cx="10515600" cy="727075"/>
+            <a:off x="6090574" y="801866"/>
+            <a:ext cx="5306084" cy="5230634"/>
           </a:xfrm>
         </p:spPr>
         <p:txBody>
-          <a:bodyPr/>
+          <a:bodyPr anchor="ctr">
+            <a:normAutofit/>
+          </a:bodyPr>
           <a:lstStyle/>
           <a:p>
-            <a:r>
-              <a:rPr lang="en-US" dirty="0"/>
-              <a:t>Redesign</a:t>
+            <a:pPr lvl="1"/>
+            <a:r>
+              <a:rPr lang="en-US">
+                <a:solidFill>
+                  <a:srgbClr val="000000"/>
+                </a:solidFill>
+              </a:rPr>
+              <a:t>In previous design, map chart was using for country distribution for number of participants.</a:t>
+            </a:r>
+          </a:p>
+          <a:p>
+            <a:pPr lvl="1"/>
+            <a:r>
+              <a:rPr lang="en-US">
+                <a:solidFill>
+                  <a:srgbClr val="000000"/>
+                </a:solidFill>
+              </a:rPr>
+              <a:t>Color was used to differentiate the numbers, this is not clear</a:t>
+            </a:r>
+          </a:p>
+          <a:p>
+            <a:pPr lvl="1"/>
+            <a:r>
+              <a:rPr lang="en-US">
+                <a:solidFill>
+                  <a:srgbClr val="000000"/>
+                </a:solidFill>
+              </a:rPr>
+              <a:t> First try to use size instead of color to represent the numbers</a:t>
             </a:r>
           </a:p>
         </p:txBody>
@@ -10431,6 +13819,14 @@
 <file path=ppt/slides/slide18.xml><?xml version="1.0" encoding="utf-8"?>
 <p:sld xmlns:a="http://schemas.openxmlformats.org/drawingml/2006/main" xmlns:r="http://schemas.openxmlformats.org/officeDocument/2006/relationships" xmlns:p="http://schemas.openxmlformats.org/presentationml/2006/main">
   <p:cSld>
+    <p:bg>
+      <p:bgPr>
+        <a:solidFill>
+          <a:schemeClr val="bg1"/>
+        </a:solidFill>
+        <a:effectLst/>
+      </p:bgPr>
+    </p:bg>
     <p:spTree>
       <p:nvGrpSpPr>
         <p:cNvPr id="1" name=""/>
@@ -10447,72 +13843,93 @@
       </p:grpSpPr>
       <p:sp>
         <p:nvSpPr>
-          <p:cNvPr id="3" name="Content Placeholder 2">
+          <p:cNvPr id="13" name="Rectangle 12">
             <a:extLst>
               <a:ext uri="{FF2B5EF4-FFF2-40B4-BE49-F238E27FC236}">
-                <a16:creationId xmlns:a16="http://schemas.microsoft.com/office/drawing/2014/main" id="{6CF408CB-54E2-C14D-98EC-E6D5AE1684C5}"/>
+                <a16:creationId xmlns:a16="http://schemas.microsoft.com/office/drawing/2014/main" id="{BE95D989-81FA-4BAD-9AD5-E46CEDA91B36}"/>
+              </a:ext>
+              <a:ext uri="{C183D7F6-B498-43B3-948B-1728B52AA6E4}">
+                <adec:decorative xmlns:adec="http://schemas.microsoft.com/office/drawing/2017/decorative" val="1"/>
               </a:ext>
             </a:extLst>
           </p:cNvPr>
           <p:cNvSpPr>
-            <a:spLocks noGrp="1"/>
+            <a:spLocks noGrp="1" noRot="1" noChangeAspect="1" noMove="1" noResize="1" noEditPoints="1" noAdjustHandles="1" noChangeArrowheads="1" noChangeShapeType="1" noTextEdit="1"/>
           </p:cNvSpPr>
           <p:nvPr>
-            <p:ph idx="1"/>
+            <p:extLst>
+              <p:ext uri="{386F3935-93C4-4BCD-93E2-E3B085C9AB24}">
+                <p16:designElem xmlns:p16="http://schemas.microsoft.com/office/powerpoint/2015/main" val="1"/>
+              </p:ext>
+            </p:extLst>
           </p:nvPr>
         </p:nvSpPr>
-        <p:spPr/>
-        <p:txBody>
-          <a:bodyPr/>
+        <p:spPr>
+          <a:xfrm>
+            <a:off x="0" y="0"/>
+            <a:ext cx="4654293" cy="6858000"/>
+          </a:xfrm>
+          <a:prstGeom prst="rect">
+            <a:avLst/>
+          </a:prstGeom>
+          <a:solidFill>
+            <a:srgbClr val="404040"/>
+          </a:solidFill>
+          <a:ln>
+            <a:noFill/>
+          </a:ln>
+        </p:spPr>
+        <p:style>
+          <a:lnRef idx="2">
+            <a:schemeClr val="accent1">
+              <a:shade val="50000"/>
+            </a:schemeClr>
+          </a:lnRef>
+          <a:fillRef idx="1">
+            <a:schemeClr val="accent1"/>
+          </a:fillRef>
+          <a:effectRef idx="0">
+            <a:schemeClr val="accent1"/>
+          </a:effectRef>
+          <a:fontRef idx="minor">
+            <a:schemeClr val="lt1"/>
+          </a:fontRef>
+        </p:style>
+        <p:txBody>
+          <a:bodyPr rtlCol="0" anchor="ctr"/>
           <a:lstStyle/>
           <a:p>
-            <a:pPr lvl="1"/>
-            <a:r>
-              <a:rPr lang="en-US" dirty="0"/>
-              <a:t>Map chart can’t reflect the ranking of the country</a:t>
-            </a:r>
-          </a:p>
-          <a:p>
-            <a:pPr lvl="1"/>
-            <a:r>
-              <a:rPr lang="en-US" dirty="0"/>
-              <a:t>Size still does not show top N country’s participants</a:t>
-            </a:r>
-          </a:p>
-          <a:p>
-            <a:pPr lvl="1"/>
-            <a:r>
-              <a:rPr lang="en-US" dirty="0"/>
-              <a:t>By size, what audience only see the relative size that this could misleading.</a:t>
-            </a:r>
-          </a:p>
-          <a:p>
-            <a:pPr lvl="1"/>
-            <a:r>
-              <a:rPr lang="en-US" dirty="0"/>
-              <a:t>Change the chart to horizontal bar chart</a:t>
-            </a:r>
-          </a:p>
-          <a:p>
-            <a:pPr lvl="1"/>
-            <a:r>
-              <a:rPr lang="en-US" dirty="0"/>
-              <a:t>Make top 10 participated country with blue and all other countries are grey.</a:t>
-            </a:r>
-          </a:p>
-          <a:p>
-            <a:pPr lvl="1"/>
-            <a:r>
-              <a:rPr lang="en-US" dirty="0"/>
-              <a:t>Axis was changed to 5k as span</a:t>
-            </a:r>
-          </a:p>
-          <a:p>
-            <a:pPr lvl="1"/>
-            <a:r>
-              <a:rPr lang="en-US" dirty="0"/>
-              <a:t>Top 10 country title was changed to same color as bar color.</a:t>
-            </a:r>
+            <a:pPr marL="0" marR="0" lvl="0" indent="0" algn="ctr" defTabSz="914400" rtl="0" eaLnBrk="1" fontAlgn="auto" latinLnBrk="0" hangingPunct="1">
+              <a:lnSpc>
+                <a:spcPct val="100000"/>
+              </a:lnSpc>
+              <a:spcBef>
+                <a:spcPts val="0"/>
+              </a:spcBef>
+              <a:spcAft>
+                <a:spcPts val="0"/>
+              </a:spcAft>
+              <a:buClrTx/>
+              <a:buSzTx/>
+              <a:buFontTx/>
+              <a:buNone/>
+              <a:tabLst/>
+              <a:defRPr/>
+            </a:pPr>
+            <a:endParaRPr kumimoji="0" lang="en-US" sz="1800" b="0" i="0" u="none" strike="noStrike" kern="1200" cap="none" spc="0" normalizeH="0" baseline="0" noProof="0">
+              <a:ln>
+                <a:noFill/>
+              </a:ln>
+              <a:solidFill>
+                <a:prstClr val="white"/>
+              </a:solidFill>
+              <a:effectLst/>
+              <a:uLnTx/>
+              <a:uFillTx/>
+              <a:latin typeface="Calibri" panose="020F0502020204030204"/>
+              <a:ea typeface="+mn-ea"/>
+              <a:cs typeface="+mn-cs"/>
+            </a:endParaRPr>
           </a:p>
         </p:txBody>
       </p:sp>
@@ -10534,21 +13951,152 @@
         </p:nvSpPr>
         <p:spPr>
           <a:xfrm>
-            <a:off x="838200" y="640080"/>
-            <a:ext cx="10515600" cy="727075"/>
+            <a:off x="838200" y="811161"/>
+            <a:ext cx="3335594" cy="5403370"/>
           </a:xfrm>
         </p:spPr>
         <p:txBody>
-          <a:bodyPr/>
+          <a:bodyPr>
+            <a:normAutofit/>
+          </a:bodyPr>
           <a:lstStyle/>
           <a:p>
             <a:r>
-              <a:rPr lang="en-US" dirty="0"/>
+              <a:rPr lang="en-US">
+                <a:solidFill>
+                  <a:srgbClr val="FFFFFF"/>
+                </a:solidFill>
+              </a:rPr>
               <a:t>Redesign</a:t>
             </a:r>
           </a:p>
         </p:txBody>
       </p:sp>
+      <p:sp>
+        <p:nvSpPr>
+          <p:cNvPr id="15" name="Rectangle 14">
+            <a:extLst>
+              <a:ext uri="{FF2B5EF4-FFF2-40B4-BE49-F238E27FC236}">
+                <a16:creationId xmlns:a16="http://schemas.microsoft.com/office/drawing/2014/main" id="{156189E5-8A3E-4CFD-B71B-CCD0F8495E56}"/>
+              </a:ext>
+              <a:ext uri="{C183D7F6-B498-43B3-948B-1728B52AA6E4}">
+                <adec:decorative xmlns:adec="http://schemas.microsoft.com/office/drawing/2017/decorative" val="1"/>
+              </a:ext>
+            </a:extLst>
+          </p:cNvPr>
+          <p:cNvSpPr>
+            <a:spLocks noGrp="1" noRot="1" noChangeAspect="1" noMove="1" noResize="1" noEditPoints="1" noAdjustHandles="1" noChangeArrowheads="1" noChangeShapeType="1" noTextEdit="1"/>
+          </p:cNvSpPr>
+          <p:nvPr>
+            <p:extLst>
+              <p:ext uri="{386F3935-93C4-4BCD-93E2-E3B085C9AB24}">
+                <p16:designElem xmlns:p16="http://schemas.microsoft.com/office/powerpoint/2015/main" val="1"/>
+              </p:ext>
+            </p:extLst>
+          </p:nvPr>
+        </p:nvSpPr>
+        <p:spPr>
+          <a:xfrm>
+            <a:off x="4654293" y="0"/>
+            <a:ext cx="142074" cy="6858000"/>
+          </a:xfrm>
+          <a:prstGeom prst="rect">
+            <a:avLst/>
+          </a:prstGeom>
+          <a:solidFill>
+            <a:schemeClr val="tx1">
+              <a:alpha val="20000"/>
+            </a:schemeClr>
+          </a:solidFill>
+          <a:ln>
+            <a:noFill/>
+          </a:ln>
+        </p:spPr>
+        <p:style>
+          <a:lnRef idx="2">
+            <a:schemeClr val="accent1">
+              <a:shade val="50000"/>
+            </a:schemeClr>
+          </a:lnRef>
+          <a:fillRef idx="1">
+            <a:schemeClr val="accent1"/>
+          </a:fillRef>
+          <a:effectRef idx="0">
+            <a:schemeClr val="accent1"/>
+          </a:effectRef>
+          <a:fontRef idx="minor">
+            <a:schemeClr val="lt1"/>
+          </a:fontRef>
+        </p:style>
+        <p:txBody>
+          <a:bodyPr rtlCol="0" anchor="ctr"/>
+          <a:lstStyle/>
+          <a:p>
+            <a:pPr marL="0" marR="0" lvl="0" indent="0" algn="ctr" defTabSz="914400" rtl="0" eaLnBrk="1" fontAlgn="auto" latinLnBrk="0" hangingPunct="1">
+              <a:lnSpc>
+                <a:spcPct val="100000"/>
+              </a:lnSpc>
+              <a:spcBef>
+                <a:spcPts val="0"/>
+              </a:spcBef>
+              <a:spcAft>
+                <a:spcPts val="0"/>
+              </a:spcAft>
+              <a:buClrTx/>
+              <a:buSzTx/>
+              <a:buFontTx/>
+              <a:buNone/>
+              <a:tabLst/>
+              <a:defRPr/>
+            </a:pPr>
+            <a:endParaRPr kumimoji="0" lang="en-US" sz="1800" b="0" i="0" u="none" strike="noStrike" kern="1200" cap="none" spc="0" normalizeH="0" baseline="0" noProof="0">
+              <a:ln>
+                <a:noFill/>
+              </a:ln>
+              <a:solidFill>
+                <a:prstClr val="white"/>
+              </a:solidFill>
+              <a:effectLst/>
+              <a:uLnTx/>
+              <a:uFillTx/>
+              <a:latin typeface="Calibri" panose="020F0502020204030204"/>
+              <a:ea typeface="+mn-ea"/>
+              <a:cs typeface="+mn-cs"/>
+            </a:endParaRPr>
+          </a:p>
+        </p:txBody>
+      </p:sp>
+      <p:graphicFrame>
+        <p:nvGraphicFramePr>
+          <p:cNvPr id="8" name="Content Placeholder 2">
+            <a:extLst>
+              <a:ext uri="{FF2B5EF4-FFF2-40B4-BE49-F238E27FC236}">
+                <a16:creationId xmlns:a16="http://schemas.microsoft.com/office/drawing/2014/main" id="{D94D95A7-744E-48EC-9DF6-0B1388F7E1C9}"/>
+              </a:ext>
+            </a:extLst>
+          </p:cNvPr>
+          <p:cNvGraphicFramePr>
+            <a:graphicFrameLocks noGrp="1"/>
+          </p:cNvGraphicFramePr>
+          <p:nvPr>
+            <p:ph idx="1"/>
+            <p:extLst>
+              <p:ext uri="{D42A27DB-BD31-4B8C-83A1-F6EECF244321}">
+                <p14:modId xmlns:p14="http://schemas.microsoft.com/office/powerpoint/2010/main" val="802775070"/>
+              </p:ext>
+            </p:extLst>
+          </p:nvPr>
+        </p:nvGraphicFramePr>
+        <p:xfrm>
+          <a:off x="5459413" y="642938"/>
+          <a:ext cx="6089650" cy="5572125"/>
+        </p:xfrm>
+        <a:graphic>
+          <a:graphicData uri="http://schemas.openxmlformats.org/drawingml/2006/diagram">
+            <dgm:relIds xmlns:dgm="http://schemas.openxmlformats.org/drawingml/2006/diagram" xmlns:r="http://schemas.openxmlformats.org/officeDocument/2006/relationships" r:dm="rId2" r:lo="rId3" r:qs="rId4" r:cs="rId5"/>
+          </a:graphicData>
+        </a:graphic>
+      </p:graphicFrame>
     </p:spTree>
     <p:extLst>
       <p:ext uri="{BB962C8B-B14F-4D97-AF65-F5344CB8AC3E}">

--- a/Stackoverflow Programmer's Story.pptx
+++ b/Stackoverflow Programmer's Story.pptx
@@ -5163,7 +5163,7 @@
           <a:bodyPr/>
           <a:lstStyle/>
           <a:p>
-            <a:endParaRPr lang="en-US"/>
+            <a:endParaRPr lang="en-US" dirty="0"/>
           </a:p>
         </p:txBody>
       </p:sp>
@@ -14162,10 +14162,10 @@
       </p:sp>
       <p:pic>
         <p:nvPicPr>
-          <p:cNvPr id="13" name="Content Placeholder 12" descr="A screenshot of a social media post&#10;&#10;Description automatically generated">
+          <p:cNvPr id="29" name="Content Placeholder 28" descr="A screenshot of a cell phone&#10;&#10;Description automatically generated">
             <a:extLst>
               <a:ext uri="{FF2B5EF4-FFF2-40B4-BE49-F238E27FC236}">
-                <a16:creationId xmlns:a16="http://schemas.microsoft.com/office/drawing/2014/main" id="{6E7E120C-BDCB-CE47-9EB9-DFAC8CA9E494}"/>
+                <a16:creationId xmlns:a16="http://schemas.microsoft.com/office/drawing/2014/main" id="{73B73467-57EB-2A4E-AB30-61A7C858B00F}"/>
               </a:ext>
             </a:extLst>
           </p:cNvPr>
@@ -14190,8 +14190,8 @@
         </p:blipFill>
         <p:spPr>
           <a:xfrm>
-            <a:off x="2047755" y="1367155"/>
-            <a:ext cx="9306045" cy="4686404"/>
+            <a:off x="1277738" y="1463674"/>
+            <a:ext cx="8568715" cy="4222561"/>
           </a:xfrm>
         </p:spPr>
       </p:pic>
@@ -15237,7 +15237,7 @@
           <a:p>
             <a:r>
               <a:rPr lang="en-US" dirty="0"/>
-              <a:t>Users by geometry</a:t>
+              <a:t>Participants by geometry</a:t>
             </a:r>
           </a:p>
         </p:txBody>
